--- a/第一讲.pptx
+++ b/第一讲.pptx
@@ -4,6 +4,9 @@
   <p:sldMasterIdLst>
     <p:sldMasterId id="2147483648" r:id="rId1"/>
   </p:sldMasterIdLst>
+  <p:notesMasterIdLst>
+    <p:notesMasterId r:id="rId24"/>
+  </p:notesMasterIdLst>
   <p:sldIdLst>
     <p:sldId id="256" r:id="rId2"/>
     <p:sldId id="257" r:id="rId3"/>
@@ -17,7 +20,16 @@
     <p:sldId id="265" r:id="rId11"/>
     <p:sldId id="266" r:id="rId12"/>
     <p:sldId id="267" r:id="rId13"/>
-    <p:sldId id="268" r:id="rId14"/>
+    <p:sldId id="269" r:id="rId14"/>
+    <p:sldId id="273" r:id="rId15"/>
+    <p:sldId id="274" r:id="rId16"/>
+    <p:sldId id="271" r:id="rId17"/>
+    <p:sldId id="275" r:id="rId18"/>
+    <p:sldId id="272" r:id="rId19"/>
+    <p:sldId id="276" r:id="rId20"/>
+    <p:sldId id="278" r:id="rId21"/>
+    <p:sldId id="277" r:id="rId22"/>
+    <p:sldId id="268" r:id="rId23"/>
   </p:sldIdLst>
   <p:sldSz cx="12192000" cy="6858000"/>
   <p:notesSz cx="6858000" cy="9144000"/>
@@ -117,11 +129,699 @@
     </a:lvl9pPr>
   </p:defaultTextStyle>
   <p:extLst>
+    <p:ext uri="{521415D9-36F7-43E2-AB2F-B90AF26B5E84}">
+      <p14:sectionLst xmlns:p14="http://schemas.microsoft.com/office/powerpoint/2010/main">
+        <p14:section name="Default Section" id="{6A66D5F8-319F-DF4A-B85D-F2CAB93D09DC}">
+          <p14:sldIdLst>
+            <p14:sldId id="256"/>
+            <p14:sldId id="257"/>
+          </p14:sldIdLst>
+        </p14:section>
+        <p14:section name="What is django" id="{1ACA6D4E-5731-754F-B6DD-39A445F19828}">
+          <p14:sldIdLst>
+            <p14:sldId id="260"/>
+          </p14:sldIdLst>
+        </p14:section>
+        <p14:section name="Why django？" id="{297EED7E-0977-E445-AA93-A9790C4833D5}">
+          <p14:sldIdLst>
+            <p14:sldId id="259"/>
+            <p14:sldId id="258"/>
+          </p14:sldIdLst>
+        </p14:section>
+        <p14:section name="安装" id="{2CDF6C94-40E9-294F-BD4E-182A97C7067F}">
+          <p14:sldIdLst>
+            <p14:sldId id="261"/>
+            <p14:sldId id="262"/>
+            <p14:sldId id="263"/>
+          </p14:sldIdLst>
+        </p14:section>
+        <p14:section name="开始第一个应用 Hello World" id="{1DFE79A9-B66E-BA43-A151-79D8D5D62563}">
+          <p14:sldIdLst>
+            <p14:sldId id="264"/>
+            <p14:sldId id="265"/>
+            <p14:sldId id="266"/>
+            <p14:sldId id="267"/>
+            <p14:sldId id="269"/>
+            <p14:sldId id="273"/>
+            <p14:sldId id="274"/>
+            <p14:sldId id="271"/>
+          </p14:sldIdLst>
+        </p14:section>
+        <p14:section name="带参数的url" id="{977E5A69-2D10-774D-B168-A9C81E896272}">
+          <p14:sldIdLst>
+            <p14:sldId id="275"/>
+            <p14:sldId id="272"/>
+            <p14:sldId id="276"/>
+          </p14:sldIdLst>
+        </p14:section>
+        <p14:section name="设置时区、assert函数" id="{8B9B7FAF-0307-3C44-B2A7-9AAB0676425E}">
+          <p14:sldIdLst>
+            <p14:sldId id="278"/>
+            <p14:sldId id="277"/>
+            <p14:sldId id="268"/>
+          </p14:sldIdLst>
+        </p14:section>
+      </p14:sectionLst>
+    </p:ext>
     <p:ext uri="{EFAFB233-063F-42B5-8137-9DF3F51BA10A}">
       <p15:sldGuideLst xmlns:p15="http://schemas.microsoft.com/office/powerpoint/2012/main"/>
     </p:ext>
   </p:extLst>
 </p:presentation>
+</file>
+
+<file path=ppt/notesMasters/notesMaster1.xml><?xml version="1.0" encoding="utf-8"?>
+<p:notesMaster xmlns:a="http://schemas.openxmlformats.org/drawingml/2006/main" xmlns:r="http://schemas.openxmlformats.org/officeDocument/2006/relationships" xmlns:p="http://schemas.openxmlformats.org/presentationml/2006/main">
+  <p:cSld>
+    <p:bg>
+      <p:bgRef idx="1001">
+        <a:schemeClr val="bg1"/>
+      </p:bgRef>
+    </p:bg>
+    <p:spTree>
+      <p:nvGrpSpPr>
+        <p:cNvPr id="1" name=""/>
+        <p:cNvGrpSpPr/>
+        <p:nvPr/>
+      </p:nvGrpSpPr>
+      <p:grpSpPr>
+        <a:xfrm>
+          <a:off x="0" y="0"/>
+          <a:ext cx="0" cy="0"/>
+          <a:chOff x="0" y="0"/>
+          <a:chExt cx="0" cy="0"/>
+        </a:xfrm>
+      </p:grpSpPr>
+      <p:sp>
+        <p:nvSpPr>
+          <p:cNvPr id="2" name="Header Placeholder 1"/>
+          <p:cNvSpPr>
+            <a:spLocks noGrp="1"/>
+          </p:cNvSpPr>
+          <p:nvPr>
+            <p:ph type="hdr" sz="quarter"/>
+          </p:nvPr>
+        </p:nvSpPr>
+        <p:spPr>
+          <a:xfrm>
+            <a:off x="0" y="0"/>
+            <a:ext cx="2971800" cy="458788"/>
+          </a:xfrm>
+          <a:prstGeom prst="rect">
+            <a:avLst/>
+          </a:prstGeom>
+        </p:spPr>
+        <p:txBody>
+          <a:bodyPr vert="horz" lIns="91440" tIns="45720" rIns="91440" bIns="45720" rtlCol="0"/>
+          <a:lstStyle>
+            <a:lvl1pPr algn="l">
+              <a:defRPr sz="1200"/>
+            </a:lvl1pPr>
+          </a:lstStyle>
+          <a:p>
+            <a:endParaRPr lang="en-US"/>
+          </a:p>
+        </p:txBody>
+      </p:sp>
+      <p:sp>
+        <p:nvSpPr>
+          <p:cNvPr id="3" name="Date Placeholder 2"/>
+          <p:cNvSpPr>
+            <a:spLocks noGrp="1"/>
+          </p:cNvSpPr>
+          <p:nvPr>
+            <p:ph type="dt" idx="1"/>
+          </p:nvPr>
+        </p:nvSpPr>
+        <p:spPr>
+          <a:xfrm>
+            <a:off x="3884613" y="0"/>
+            <a:ext cx="2971800" cy="458788"/>
+          </a:xfrm>
+          <a:prstGeom prst="rect">
+            <a:avLst/>
+          </a:prstGeom>
+        </p:spPr>
+        <p:txBody>
+          <a:bodyPr vert="horz" lIns="91440" tIns="45720" rIns="91440" bIns="45720" rtlCol="0"/>
+          <a:lstStyle>
+            <a:lvl1pPr algn="r">
+              <a:defRPr sz="1200"/>
+            </a:lvl1pPr>
+          </a:lstStyle>
+          <a:p>
+            <a:fld id="{B277723F-C7D7-7144-95DD-638403998B60}" type="datetimeFigureOut">
+              <a:rPr lang="en-US" smtClean="0"/>
+              <a:t>6/29/16</a:t>
+            </a:fld>
+            <a:endParaRPr lang="en-US"/>
+          </a:p>
+        </p:txBody>
+      </p:sp>
+      <p:sp>
+        <p:nvSpPr>
+          <p:cNvPr id="4" name="Slide Image Placeholder 3"/>
+          <p:cNvSpPr>
+            <a:spLocks noGrp="1" noRot="1" noChangeAspect="1"/>
+          </p:cNvSpPr>
+          <p:nvPr>
+            <p:ph type="sldImg" idx="2"/>
+          </p:nvPr>
+        </p:nvSpPr>
+        <p:spPr>
+          <a:xfrm>
+            <a:off x="685800" y="1143000"/>
+            <a:ext cx="5486400" cy="3086100"/>
+          </a:xfrm>
+          <a:prstGeom prst="rect">
+            <a:avLst/>
+          </a:prstGeom>
+          <a:noFill/>
+          <a:ln w="12700">
+            <a:solidFill>
+              <a:prstClr val="black"/>
+            </a:solidFill>
+          </a:ln>
+        </p:spPr>
+        <p:txBody>
+          <a:bodyPr vert="horz" lIns="91440" tIns="45720" rIns="91440" bIns="45720" rtlCol="0" anchor="ctr"/>
+          <a:lstStyle/>
+          <a:p>
+            <a:endParaRPr lang="en-US"/>
+          </a:p>
+        </p:txBody>
+      </p:sp>
+      <p:sp>
+        <p:nvSpPr>
+          <p:cNvPr id="5" name="Notes Placeholder 4"/>
+          <p:cNvSpPr>
+            <a:spLocks noGrp="1"/>
+          </p:cNvSpPr>
+          <p:nvPr>
+            <p:ph type="body" sz="quarter" idx="3"/>
+          </p:nvPr>
+        </p:nvSpPr>
+        <p:spPr>
+          <a:xfrm>
+            <a:off x="685800" y="4400550"/>
+            <a:ext cx="5486400" cy="3600450"/>
+          </a:xfrm>
+          <a:prstGeom prst="rect">
+            <a:avLst/>
+          </a:prstGeom>
+        </p:spPr>
+        <p:txBody>
+          <a:bodyPr vert="horz" lIns="91440" tIns="45720" rIns="91440" bIns="45720" rtlCol="0"/>
+          <a:lstStyle/>
+          <a:p>
+            <a:pPr lvl="0"/>
+            <a:r>
+              <a:rPr lang="en-US" smtClean="0"/>
+              <a:t>Click to edit Master text styles</a:t>
+            </a:r>
+          </a:p>
+          <a:p>
+            <a:pPr lvl="1"/>
+            <a:r>
+              <a:rPr lang="en-US" smtClean="0"/>
+              <a:t>Second level</a:t>
+            </a:r>
+          </a:p>
+          <a:p>
+            <a:pPr lvl="2"/>
+            <a:r>
+              <a:rPr lang="en-US" smtClean="0"/>
+              <a:t>Third level</a:t>
+            </a:r>
+          </a:p>
+          <a:p>
+            <a:pPr lvl="3"/>
+            <a:r>
+              <a:rPr lang="en-US" smtClean="0"/>
+              <a:t>Fourth level</a:t>
+            </a:r>
+          </a:p>
+          <a:p>
+            <a:pPr lvl="4"/>
+            <a:r>
+              <a:rPr lang="en-US" smtClean="0"/>
+              <a:t>Fifth level</a:t>
+            </a:r>
+            <a:endParaRPr lang="en-US"/>
+          </a:p>
+        </p:txBody>
+      </p:sp>
+      <p:sp>
+        <p:nvSpPr>
+          <p:cNvPr id="6" name="Footer Placeholder 5"/>
+          <p:cNvSpPr>
+            <a:spLocks noGrp="1"/>
+          </p:cNvSpPr>
+          <p:nvPr>
+            <p:ph type="ftr" sz="quarter" idx="4"/>
+          </p:nvPr>
+        </p:nvSpPr>
+        <p:spPr>
+          <a:xfrm>
+            <a:off x="0" y="8685213"/>
+            <a:ext cx="2971800" cy="458787"/>
+          </a:xfrm>
+          <a:prstGeom prst="rect">
+            <a:avLst/>
+          </a:prstGeom>
+        </p:spPr>
+        <p:txBody>
+          <a:bodyPr vert="horz" lIns="91440" tIns="45720" rIns="91440" bIns="45720" rtlCol="0" anchor="b"/>
+          <a:lstStyle>
+            <a:lvl1pPr algn="l">
+              <a:defRPr sz="1200"/>
+            </a:lvl1pPr>
+          </a:lstStyle>
+          <a:p>
+            <a:endParaRPr lang="en-US"/>
+          </a:p>
+        </p:txBody>
+      </p:sp>
+      <p:sp>
+        <p:nvSpPr>
+          <p:cNvPr id="7" name="Slide Number Placeholder 6"/>
+          <p:cNvSpPr>
+            <a:spLocks noGrp="1"/>
+          </p:cNvSpPr>
+          <p:nvPr>
+            <p:ph type="sldNum" sz="quarter" idx="5"/>
+          </p:nvPr>
+        </p:nvSpPr>
+        <p:spPr>
+          <a:xfrm>
+            <a:off x="3884613" y="8685213"/>
+            <a:ext cx="2971800" cy="458787"/>
+          </a:xfrm>
+          <a:prstGeom prst="rect">
+            <a:avLst/>
+          </a:prstGeom>
+        </p:spPr>
+        <p:txBody>
+          <a:bodyPr vert="horz" lIns="91440" tIns="45720" rIns="91440" bIns="45720" rtlCol="0" anchor="b"/>
+          <a:lstStyle>
+            <a:lvl1pPr algn="r">
+              <a:defRPr sz="1200"/>
+            </a:lvl1pPr>
+          </a:lstStyle>
+          <a:p>
+            <a:fld id="{06D026D0-1707-9D4A-ADBD-4368890731E8}" type="slidenum">
+              <a:rPr lang="en-US" smtClean="0"/>
+              <a:t>‹#›</a:t>
+            </a:fld>
+            <a:endParaRPr lang="en-US"/>
+          </a:p>
+        </p:txBody>
+      </p:sp>
+    </p:spTree>
+    <p:extLst>
+      <p:ext uri="{BB962C8B-B14F-4D97-AF65-F5344CB8AC3E}">
+        <p14:creationId xmlns:p14="http://schemas.microsoft.com/office/powerpoint/2010/main" val="643407421"/>
+      </p:ext>
+    </p:extLst>
+  </p:cSld>
+  <p:clrMap bg1="lt1" tx1="dk1" bg2="lt2" tx2="dk2" accent1="accent1" accent2="accent2" accent3="accent3" accent4="accent4" accent5="accent5" accent6="accent6" hlink="hlink" folHlink="folHlink"/>
+  <p:notesStyle>
+    <a:lvl1pPr marL="0" algn="l" defTabSz="914400" rtl="0" eaLnBrk="1" latinLnBrk="0" hangingPunct="1">
+      <a:defRPr sz="1200" kern="1200">
+        <a:solidFill>
+          <a:schemeClr val="tx1"/>
+        </a:solidFill>
+        <a:latin typeface="+mn-lt"/>
+        <a:ea typeface="+mn-ea"/>
+        <a:cs typeface="+mn-cs"/>
+      </a:defRPr>
+    </a:lvl1pPr>
+    <a:lvl2pPr marL="457200" algn="l" defTabSz="914400" rtl="0" eaLnBrk="1" latinLnBrk="0" hangingPunct="1">
+      <a:defRPr sz="1200" kern="1200">
+        <a:solidFill>
+          <a:schemeClr val="tx1"/>
+        </a:solidFill>
+        <a:latin typeface="+mn-lt"/>
+        <a:ea typeface="+mn-ea"/>
+        <a:cs typeface="+mn-cs"/>
+      </a:defRPr>
+    </a:lvl2pPr>
+    <a:lvl3pPr marL="914400" algn="l" defTabSz="914400" rtl="0" eaLnBrk="1" latinLnBrk="0" hangingPunct="1">
+      <a:defRPr sz="1200" kern="1200">
+        <a:solidFill>
+          <a:schemeClr val="tx1"/>
+        </a:solidFill>
+        <a:latin typeface="+mn-lt"/>
+        <a:ea typeface="+mn-ea"/>
+        <a:cs typeface="+mn-cs"/>
+      </a:defRPr>
+    </a:lvl3pPr>
+    <a:lvl4pPr marL="1371600" algn="l" defTabSz="914400" rtl="0" eaLnBrk="1" latinLnBrk="0" hangingPunct="1">
+      <a:defRPr sz="1200" kern="1200">
+        <a:solidFill>
+          <a:schemeClr val="tx1"/>
+        </a:solidFill>
+        <a:latin typeface="+mn-lt"/>
+        <a:ea typeface="+mn-ea"/>
+        <a:cs typeface="+mn-cs"/>
+      </a:defRPr>
+    </a:lvl4pPr>
+    <a:lvl5pPr marL="1828800" algn="l" defTabSz="914400" rtl="0" eaLnBrk="1" latinLnBrk="0" hangingPunct="1">
+      <a:defRPr sz="1200" kern="1200">
+        <a:solidFill>
+          <a:schemeClr val="tx1"/>
+        </a:solidFill>
+        <a:latin typeface="+mn-lt"/>
+        <a:ea typeface="+mn-ea"/>
+        <a:cs typeface="+mn-cs"/>
+      </a:defRPr>
+    </a:lvl5pPr>
+    <a:lvl6pPr marL="2286000" algn="l" defTabSz="914400" rtl="0" eaLnBrk="1" latinLnBrk="0" hangingPunct="1">
+      <a:defRPr sz="1200" kern="1200">
+        <a:solidFill>
+          <a:schemeClr val="tx1"/>
+        </a:solidFill>
+        <a:latin typeface="+mn-lt"/>
+        <a:ea typeface="+mn-ea"/>
+        <a:cs typeface="+mn-cs"/>
+      </a:defRPr>
+    </a:lvl6pPr>
+    <a:lvl7pPr marL="2743200" algn="l" defTabSz="914400" rtl="0" eaLnBrk="1" latinLnBrk="0" hangingPunct="1">
+      <a:defRPr sz="1200" kern="1200">
+        <a:solidFill>
+          <a:schemeClr val="tx1"/>
+        </a:solidFill>
+        <a:latin typeface="+mn-lt"/>
+        <a:ea typeface="+mn-ea"/>
+        <a:cs typeface="+mn-cs"/>
+      </a:defRPr>
+    </a:lvl7pPr>
+    <a:lvl8pPr marL="3200400" algn="l" defTabSz="914400" rtl="0" eaLnBrk="1" latinLnBrk="0" hangingPunct="1">
+      <a:defRPr sz="1200" kern="1200">
+        <a:solidFill>
+          <a:schemeClr val="tx1"/>
+        </a:solidFill>
+        <a:latin typeface="+mn-lt"/>
+        <a:ea typeface="+mn-ea"/>
+        <a:cs typeface="+mn-cs"/>
+      </a:defRPr>
+    </a:lvl8pPr>
+    <a:lvl9pPr marL="3657600" algn="l" defTabSz="914400" rtl="0" eaLnBrk="1" latinLnBrk="0" hangingPunct="1">
+      <a:defRPr sz="1200" kern="1200">
+        <a:solidFill>
+          <a:schemeClr val="tx1"/>
+        </a:solidFill>
+        <a:latin typeface="+mn-lt"/>
+        <a:ea typeface="+mn-ea"/>
+        <a:cs typeface="+mn-cs"/>
+      </a:defRPr>
+    </a:lvl9pPr>
+  </p:notesStyle>
+</p:notesMaster>
+</file>
+
+<file path=ppt/notesSlides/notesSlide1.xml><?xml version="1.0" encoding="utf-8"?>
+<p:notes xmlns:a="http://schemas.openxmlformats.org/drawingml/2006/main" xmlns:r="http://schemas.openxmlformats.org/officeDocument/2006/relationships" xmlns:p="http://schemas.openxmlformats.org/presentationml/2006/main">
+  <p:cSld>
+    <p:spTree>
+      <p:nvGrpSpPr>
+        <p:cNvPr id="1" name=""/>
+        <p:cNvGrpSpPr/>
+        <p:nvPr/>
+      </p:nvGrpSpPr>
+      <p:grpSpPr>
+        <a:xfrm>
+          <a:off x="0" y="0"/>
+          <a:ext cx="0" cy="0"/>
+          <a:chOff x="0" y="0"/>
+          <a:chExt cx="0" cy="0"/>
+        </a:xfrm>
+      </p:grpSpPr>
+      <p:sp>
+        <p:nvSpPr>
+          <p:cNvPr id="2" name="Slide Image Placeholder 1"/>
+          <p:cNvSpPr>
+            <a:spLocks noGrp="1" noRot="1" noChangeAspect="1"/>
+          </p:cNvSpPr>
+          <p:nvPr>
+            <p:ph type="sldImg"/>
+          </p:nvPr>
+        </p:nvSpPr>
+        <p:spPr/>
+      </p:sp>
+      <p:sp>
+        <p:nvSpPr>
+          <p:cNvPr id="3" name="Notes Placeholder 2"/>
+          <p:cNvSpPr>
+            <a:spLocks noGrp="1"/>
+          </p:cNvSpPr>
+          <p:nvPr>
+            <p:ph type="body" idx="1"/>
+          </p:nvPr>
+        </p:nvSpPr>
+        <p:spPr/>
+        <p:txBody>
+          <a:bodyPr/>
+          <a:lstStyle/>
+          <a:p>
+            <a:r>
+              <a:rPr lang="zh-CN" altLang="en-US" dirty="0" smtClean="0"/>
+              <a:t>添加环境变量：</a:t>
+            </a:r>
+            <a:r>
+              <a:rPr lang="en-US" dirty="0" smtClean="0"/>
+              <a:t>http://</a:t>
+            </a:r>
+            <a:r>
+              <a:rPr lang="en-US" dirty="0" err="1" smtClean="0"/>
+              <a:t>jingyan.baidu.com</a:t>
+            </a:r>
+            <a:r>
+              <a:rPr lang="en-US" dirty="0" smtClean="0"/>
+              <a:t>/article/b907e627a072a846e6891c5a.html</a:t>
+            </a:r>
+            <a:endParaRPr lang="en-US" dirty="0"/>
+          </a:p>
+        </p:txBody>
+      </p:sp>
+      <p:sp>
+        <p:nvSpPr>
+          <p:cNvPr id="4" name="Slide Number Placeholder 3"/>
+          <p:cNvSpPr>
+            <a:spLocks noGrp="1"/>
+          </p:cNvSpPr>
+          <p:nvPr>
+            <p:ph type="sldNum" sz="quarter" idx="10"/>
+          </p:nvPr>
+        </p:nvSpPr>
+        <p:spPr/>
+        <p:txBody>
+          <a:bodyPr/>
+          <a:lstStyle/>
+          <a:p>
+            <a:fld id="{06D026D0-1707-9D4A-ADBD-4368890731E8}" type="slidenum">
+              <a:rPr lang="en-US" smtClean="0"/>
+              <a:t>6</a:t>
+            </a:fld>
+            <a:endParaRPr lang="en-US"/>
+          </a:p>
+        </p:txBody>
+      </p:sp>
+    </p:spTree>
+    <p:extLst>
+      <p:ext uri="{BB962C8B-B14F-4D97-AF65-F5344CB8AC3E}">
+        <p14:creationId xmlns:p14="http://schemas.microsoft.com/office/powerpoint/2010/main" val="1266743420"/>
+      </p:ext>
+    </p:extLst>
+  </p:cSld>
+  <p:clrMapOvr>
+    <a:masterClrMapping/>
+  </p:clrMapOvr>
+</p:notes>
+</file>
+
+<file path=ppt/notesSlides/notesSlide2.xml><?xml version="1.0" encoding="utf-8"?>
+<p:notes xmlns:a="http://schemas.openxmlformats.org/drawingml/2006/main" xmlns:r="http://schemas.openxmlformats.org/officeDocument/2006/relationships" xmlns:p="http://schemas.openxmlformats.org/presentationml/2006/main">
+  <p:cSld>
+    <p:spTree>
+      <p:nvGrpSpPr>
+        <p:cNvPr id="1" name=""/>
+        <p:cNvGrpSpPr/>
+        <p:nvPr/>
+      </p:nvGrpSpPr>
+      <p:grpSpPr>
+        <a:xfrm>
+          <a:off x="0" y="0"/>
+          <a:ext cx="0" cy="0"/>
+          <a:chOff x="0" y="0"/>
+          <a:chExt cx="0" cy="0"/>
+        </a:xfrm>
+      </p:grpSpPr>
+      <p:sp>
+        <p:nvSpPr>
+          <p:cNvPr id="2" name="Slide Image Placeholder 1"/>
+          <p:cNvSpPr>
+            <a:spLocks noGrp="1" noRot="1" noChangeAspect="1"/>
+          </p:cNvSpPr>
+          <p:nvPr>
+            <p:ph type="sldImg"/>
+          </p:nvPr>
+        </p:nvSpPr>
+        <p:spPr/>
+      </p:sp>
+      <p:sp>
+        <p:nvSpPr>
+          <p:cNvPr id="3" name="Notes Placeholder 2"/>
+          <p:cNvSpPr>
+            <a:spLocks noGrp="1"/>
+          </p:cNvSpPr>
+          <p:nvPr>
+            <p:ph type="body" idx="1"/>
+          </p:nvPr>
+        </p:nvSpPr>
+        <p:spPr/>
+        <p:txBody>
+          <a:bodyPr/>
+          <a:lstStyle/>
+          <a:p>
+            <a:r>
+              <a:rPr lang="en-US" sz="1200" kern="1200" dirty="0" err="1" smtClean="0">
+                <a:solidFill>
+                  <a:schemeClr val="tx1"/>
+                </a:solidFill>
+                <a:latin typeface="+mn-lt"/>
+                <a:ea typeface="+mn-ea"/>
+                <a:cs typeface="+mn-cs"/>
+              </a:rPr>
+              <a:t>sudo</a:t>
+            </a:r>
+            <a:r>
+              <a:rPr lang="en-US" sz="1200" kern="1200" dirty="0" smtClean="0">
+                <a:solidFill>
+                  <a:schemeClr val="tx1"/>
+                </a:solidFill>
+                <a:latin typeface="+mn-lt"/>
+                <a:ea typeface="+mn-ea"/>
+                <a:cs typeface="+mn-cs"/>
+              </a:rPr>
+              <a:t> pip install </a:t>
+            </a:r>
+            <a:r>
+              <a:rPr lang="en-US" sz="1200" kern="1200" dirty="0" err="1" smtClean="0">
+                <a:solidFill>
+                  <a:schemeClr val="tx1"/>
+                </a:solidFill>
+                <a:latin typeface="+mn-lt"/>
+                <a:ea typeface="+mn-ea"/>
+                <a:cs typeface="+mn-cs"/>
+              </a:rPr>
+              <a:t>theano</a:t>
+            </a:r>
+            <a:endParaRPr lang="en-US" sz="1200" kern="1200" dirty="0" smtClean="0">
+              <a:solidFill>
+                <a:schemeClr val="tx1"/>
+              </a:solidFill>
+              <a:latin typeface="+mn-lt"/>
+              <a:ea typeface="+mn-ea"/>
+              <a:cs typeface="+mn-cs"/>
+            </a:endParaRPr>
+          </a:p>
+          <a:p>
+            <a:r>
+              <a:rPr lang="en-US" sz="1200" kern="1200" dirty="0" err="1" smtClean="0">
+                <a:solidFill>
+                  <a:schemeClr val="tx1"/>
+                </a:solidFill>
+                <a:latin typeface="+mn-lt"/>
+                <a:ea typeface="+mn-ea"/>
+                <a:cs typeface="+mn-cs"/>
+              </a:rPr>
+              <a:t>sudo</a:t>
+            </a:r>
+            <a:r>
+              <a:rPr lang="en-US" sz="1200" kern="1200" dirty="0" smtClean="0">
+                <a:solidFill>
+                  <a:schemeClr val="tx1"/>
+                </a:solidFill>
+                <a:latin typeface="+mn-lt"/>
+                <a:ea typeface="+mn-ea"/>
+                <a:cs typeface="+mn-cs"/>
+              </a:rPr>
+              <a:t> -H pip install --ignore-installed six</a:t>
+            </a:r>
+          </a:p>
+          <a:p>
+            <a:r>
+              <a:rPr lang="en-US" sz="1200" kern="1200" dirty="0" err="1" smtClean="0">
+                <a:solidFill>
+                  <a:schemeClr val="tx1"/>
+                </a:solidFill>
+                <a:latin typeface="+mn-lt"/>
+                <a:ea typeface="+mn-ea"/>
+                <a:cs typeface="+mn-cs"/>
+              </a:rPr>
+              <a:t>sudo</a:t>
+            </a:r>
+            <a:r>
+              <a:rPr lang="en-US" sz="1200" kern="1200" dirty="0" smtClean="0">
+                <a:solidFill>
+                  <a:schemeClr val="tx1"/>
+                </a:solidFill>
+                <a:latin typeface="+mn-lt"/>
+                <a:ea typeface="+mn-ea"/>
+                <a:cs typeface="+mn-cs"/>
+              </a:rPr>
+              <a:t> pip install </a:t>
+            </a:r>
+            <a:r>
+              <a:rPr lang="en-US" sz="1200" kern="1200" dirty="0" err="1" smtClean="0">
+                <a:solidFill>
+                  <a:schemeClr val="tx1"/>
+                </a:solidFill>
+                <a:latin typeface="+mn-lt"/>
+                <a:ea typeface="+mn-ea"/>
+                <a:cs typeface="+mn-cs"/>
+              </a:rPr>
+              <a:t>theano</a:t>
+            </a:r>
+            <a:endParaRPr lang="en-US" dirty="0"/>
+          </a:p>
+        </p:txBody>
+      </p:sp>
+      <p:sp>
+        <p:nvSpPr>
+          <p:cNvPr id="4" name="Slide Number Placeholder 3"/>
+          <p:cNvSpPr>
+            <a:spLocks noGrp="1"/>
+          </p:cNvSpPr>
+          <p:nvPr>
+            <p:ph type="sldNum" sz="quarter" idx="10"/>
+          </p:nvPr>
+        </p:nvSpPr>
+        <p:spPr/>
+        <p:txBody>
+          <a:bodyPr/>
+          <a:lstStyle/>
+          <a:p>
+            <a:fld id="{06D026D0-1707-9D4A-ADBD-4368890731E8}" type="slidenum">
+              <a:rPr lang="en-US" smtClean="0"/>
+              <a:t>7</a:t>
+            </a:fld>
+            <a:endParaRPr lang="en-US"/>
+          </a:p>
+        </p:txBody>
+      </p:sp>
+    </p:spTree>
+    <p:extLst>
+      <p:ext uri="{BB962C8B-B14F-4D97-AF65-F5344CB8AC3E}">
+        <p14:creationId xmlns:p14="http://schemas.microsoft.com/office/powerpoint/2010/main" val="1168362102"/>
+      </p:ext>
+    </p:extLst>
+  </p:cSld>
+  <p:clrMapOvr>
+    <a:masterClrMapping/>
+  </p:clrMapOvr>
+</p:notes>
 </file>
 
 <file path=ppt/slideLayouts/slideLayout1.xml><?xml version="1.0" encoding="utf-8"?>
@@ -219,7 +919,7 @@
           <a:effectLst/>
           <a:extLst>
             <a:ext uri="{91240B29-F687-4f45-9708-019B960494DF}">
-              <a14:hiddenLine xmlns="" xmlns:a14="http://schemas.microsoft.com/office/drawing/2010/main" w="9525">
+              <a14:hiddenLine xmlns:a14="http://schemas.microsoft.com/office/drawing/2010/main" xmlns="" w="9525">
                 <a:solidFill>
                   <a:srgbClr val="000000"/>
                 </a:solidFill>
@@ -412,7 +1112,7 @@
             <a:fld id="{08B9EBBA-996F-894A-B54A-D6246ED52CEA}" type="datetimeFigureOut">
               <a:rPr lang="en-US" dirty="0"/>
               <a:pPr/>
-              <a:t>6/28/16</a:t>
+              <a:t>6/29/16</a:t>
             </a:fld>
             <a:endParaRPr lang="en-US" dirty="0"/>
           </a:p>
@@ -727,7 +1427,7 @@
             <a:fld id="{18C79C5D-2A6F-F04D-97DA-BEF2467B64E4}" type="datetimeFigureOut">
               <a:rPr lang="en-US" dirty="0"/>
               <a:pPr/>
-              <a:t>6/28/16</a:t>
+              <a:t>6/29/16</a:t>
             </a:fld>
             <a:endParaRPr lang="en-US" dirty="0"/>
           </a:p>
@@ -1212,7 +1912,7 @@
             <a:fld id="{8DFA1846-DA80-1C48-A609-854EA85C59AD}" type="datetimeFigureOut">
               <a:rPr lang="en-US" dirty="0"/>
               <a:pPr/>
-              <a:t>6/28/16</a:t>
+              <a:t>6/29/16</a:t>
             </a:fld>
             <a:endParaRPr lang="en-US" dirty="0"/>
           </a:p>
@@ -1578,7 +2278,7 @@
             <a:fld id="{FBF54567-0DE4-3F47-BF90-CB84690072F9}" type="datetimeFigureOut">
               <a:rPr lang="en-US" dirty="0"/>
               <a:pPr/>
-              <a:t>6/28/16</a:t>
+              <a:t>6/29/16</a:t>
             </a:fld>
             <a:endParaRPr lang="en-US" dirty="0"/>
           </a:p>
@@ -1729,7 +2429,7 @@
           <a:ln/>
           <a:extLst>
             <a:ext uri="{91240B29-F687-4f45-9708-019B960494DF}">
-              <a14:hiddenLine xmlns="" xmlns:a14="http://schemas.microsoft.com/office/drawing/2010/main" w="9525">
+              <a14:hiddenLine xmlns:a14="http://schemas.microsoft.com/office/drawing/2010/main" xmlns="" w="9525">
                 <a:solidFill>
                   <a:srgbClr val="000000"/>
                 </a:solidFill>
@@ -1848,7 +2548,7 @@
             <a:fld id="{C6C52C72-DE31-F449-A4ED-4C594FD91407}" type="datetimeFigureOut">
               <a:rPr lang="en-US" dirty="0"/>
               <a:pPr/>
-              <a:t>6/28/16</a:t>
+              <a:t>6/29/16</a:t>
             </a:fld>
             <a:endParaRPr lang="en-US" dirty="0"/>
           </a:p>
@@ -2001,7 +2701,7 @@
           <a:ln/>
           <a:extLst>
             <a:ext uri="{91240B29-F687-4f45-9708-019B960494DF}">
-              <a14:hiddenLine xmlns="" xmlns:a14="http://schemas.microsoft.com/office/drawing/2010/main" w="9525">
+              <a14:hiddenLine xmlns:a14="http://schemas.microsoft.com/office/drawing/2010/main" xmlns="" w="9525">
                 <a:solidFill>
                   <a:srgbClr val="000000"/>
                 </a:solidFill>
@@ -2130,7 +2830,7 @@
             <a:fld id="{ED62726E-379B-B349-9EED-81ED093FA806}" type="datetimeFigureOut">
               <a:rPr lang="en-US" dirty="0"/>
               <a:pPr/>
-              <a:t>6/28/16</a:t>
+              <a:t>6/29/16</a:t>
             </a:fld>
             <a:endParaRPr lang="en-US" dirty="0"/>
           </a:p>
@@ -2281,7 +2981,7 @@
           <a:ln/>
           <a:extLst>
             <a:ext uri="{91240B29-F687-4f45-9708-019B960494DF}">
-              <a14:hiddenLine xmlns="" xmlns:a14="http://schemas.microsoft.com/office/drawing/2010/main" w="9525">
+              <a14:hiddenLine xmlns:a14="http://schemas.microsoft.com/office/drawing/2010/main" xmlns="" w="9525">
                 <a:solidFill>
                   <a:srgbClr val="000000"/>
                 </a:solidFill>
@@ -2410,7 +3110,7 @@
             <a:fld id="{9B3A1323-8D79-1946-B0D7-40001CF92E9D}" type="datetimeFigureOut">
               <a:rPr lang="en-US" dirty="0"/>
               <a:pPr/>
-              <a:t>6/28/16</a:t>
+              <a:t>6/29/16</a:t>
             </a:fld>
             <a:endParaRPr lang="en-US" dirty="0"/>
           </a:p>
@@ -2750,7 +3450,7 @@
             <a:fld id="{8DFA1846-DA80-1C48-A609-854EA85C59AD}" type="datetimeFigureOut">
               <a:rPr lang="en-US" dirty="0"/>
               <a:pPr/>
-              <a:t>6/28/16</a:t>
+              <a:t>6/29/16</a:t>
             </a:fld>
             <a:endParaRPr lang="en-US" dirty="0"/>
           </a:p>
@@ -2901,7 +3601,7 @@
           <a:ln/>
           <a:extLst>
             <a:ext uri="{91240B29-F687-4f45-9708-019B960494DF}">
-              <a14:hiddenLine xmlns="" xmlns:a14="http://schemas.microsoft.com/office/drawing/2010/main" w="9525">
+              <a14:hiddenLine xmlns:a14="http://schemas.microsoft.com/office/drawing/2010/main" xmlns="" w="9525">
                 <a:solidFill>
                   <a:srgbClr val="000000"/>
                 </a:solidFill>
@@ -3086,7 +3786,7 @@
             <a:fld id="{57302355-E14B-8545-A8F8-0FE83CC9D524}" type="datetimeFigureOut">
               <a:rPr lang="en-US" dirty="0"/>
               <a:pPr/>
-              <a:t>6/28/16</a:t>
+              <a:t>6/29/16</a:t>
             </a:fld>
             <a:endParaRPr lang="en-US" dirty="0"/>
           </a:p>
@@ -3237,7 +3937,7 @@
           <a:ln/>
           <a:extLst>
             <a:ext uri="{91240B29-F687-4f45-9708-019B960494DF}">
-              <a14:hiddenLine xmlns="" xmlns:a14="http://schemas.microsoft.com/office/drawing/2010/main" w="9525">
+              <a14:hiddenLine xmlns:a14="http://schemas.microsoft.com/office/drawing/2010/main" xmlns="" w="9525">
                 <a:solidFill>
                   <a:srgbClr val="000000"/>
                 </a:solidFill>
@@ -3560,7 +4260,7 @@
             <a:fld id="{02640F58-564D-2B4F-AE67-E407BA4FCF45}" type="datetimeFigureOut">
               <a:rPr lang="en-US" dirty="0"/>
               <a:pPr/>
-              <a:t>6/28/16</a:t>
+              <a:t>6/29/16</a:t>
             </a:fld>
             <a:endParaRPr lang="en-US" dirty="0"/>
           </a:p>
@@ -3711,7 +4411,7 @@
           <a:ln/>
           <a:extLst>
             <a:ext uri="{91240B29-F687-4f45-9708-019B960494DF}">
-              <a14:hiddenLine xmlns="" xmlns:a14="http://schemas.microsoft.com/office/drawing/2010/main" w="9525">
+              <a14:hiddenLine xmlns:a14="http://schemas.microsoft.com/office/drawing/2010/main" xmlns="" w="9525">
                 <a:solidFill>
                   <a:srgbClr val="000000"/>
                 </a:solidFill>
@@ -3778,7 +4478,7 @@
             <a:fld id="{F13A34C8-038E-2045-AF43-DF7DBB8E0E9E}" type="datetimeFigureOut">
               <a:rPr lang="en-US" dirty="0"/>
               <a:pPr/>
-              <a:t>6/28/16</a:t>
+              <a:t>6/29/16</a:t>
             </a:fld>
             <a:endParaRPr lang="en-US" dirty="0"/>
           </a:p>
@@ -3870,7 +4570,7 @@
             <a:fld id="{8818C68F-D26B-8F47-958C-23B49CF8A634}" type="datetimeFigureOut">
               <a:rPr lang="en-US" dirty="0"/>
               <a:pPr/>
-              <a:t>6/28/16</a:t>
+              <a:t>6/29/16</a:t>
             </a:fld>
             <a:endParaRPr lang="en-US" dirty="0"/>
           </a:p>
@@ -4134,7 +4834,7 @@
           <a:ln/>
           <a:extLst>
             <a:ext uri="{91240B29-F687-4f45-9708-019B960494DF}">
-              <a14:hiddenLine xmlns="" xmlns:a14="http://schemas.microsoft.com/office/drawing/2010/main" w="9525">
+              <a14:hiddenLine xmlns:a14="http://schemas.microsoft.com/office/drawing/2010/main" xmlns="" w="9525">
                 <a:solidFill>
                   <a:srgbClr val="000000"/>
                 </a:solidFill>
@@ -4334,7 +5034,7 @@
             <a:fld id="{D0DF5E60-9974-AC48-9591-99C2BB44B7CF}" type="datetimeFigureOut">
               <a:rPr lang="en-US" dirty="0"/>
               <a:pPr/>
-              <a:t>6/28/16</a:t>
+              <a:t>6/29/16</a:t>
             </a:fld>
             <a:endParaRPr lang="en-US" dirty="0"/>
           </a:p>
@@ -4644,7 +5344,7 @@
             <a:fld id="{18C79C5D-2A6F-F04D-97DA-BEF2467B64E4}" type="datetimeFigureOut">
               <a:rPr lang="en-US" dirty="0"/>
               <a:pPr/>
-              <a:t>6/28/16</a:t>
+              <a:t>6/29/16</a:t>
             </a:fld>
             <a:endParaRPr lang="en-US" dirty="0"/>
           </a:p>
@@ -4911,7 +5611,7 @@
             <a:fld id="{09B482E8-6E0E-1B4F-B1FD-C69DB9E858D9}" type="datetimeFigureOut">
               <a:rPr lang="en-US" dirty="0"/>
               <a:pPr/>
-              <a:t>6/28/16</a:t>
+              <a:t>6/29/16</a:t>
             </a:fld>
             <a:endParaRPr lang="en-US" dirty="0"/>
           </a:p>
@@ -5434,6 +6134,13 @@
   <p:clrMapOvr>
     <a:masterClrMapping/>
   </p:clrMapOvr>
+  <p:timing>
+    <p:tnLst>
+      <p:par>
+        <p:cTn id="1" dur="indefinite" restart="never" nodeType="tmRoot"/>
+      </p:par>
+    </p:tnLst>
+  </p:timing>
 </p:sld>
 </file>
 
@@ -5755,6 +6462,81 @@
   <p:clrMapOvr>
     <a:masterClrMapping/>
   </p:clrMapOvr>
+  <p:timing>
+    <p:tnLst>
+      <p:par>
+        <p:cTn id="1" dur="indefinite" restart="never" nodeType="tmRoot">
+          <p:childTnLst>
+            <p:seq concurrent="1" nextAc="seek">
+              <p:cTn id="2" dur="indefinite" nodeType="mainSeq">
+                <p:childTnLst>
+                  <p:par>
+                    <p:cTn id="3" fill="hold">
+                      <p:stCondLst>
+                        <p:cond delay="indefinite"/>
+                      </p:stCondLst>
+                      <p:childTnLst>
+                        <p:par>
+                          <p:cTn id="4" fill="hold">
+                            <p:stCondLst>
+                              <p:cond delay="0"/>
+                            </p:stCondLst>
+                            <p:childTnLst>
+                              <p:par>
+                                <p:cTn id="5" presetID="1" presetClass="entr" presetSubtype="0" fill="hold" nodeType="clickEffect">
+                                  <p:stCondLst>
+                                    <p:cond delay="0"/>
+                                  </p:stCondLst>
+                                  <p:childTnLst>
+                                    <p:set>
+                                      <p:cBhvr>
+                                        <p:cTn id="6" dur="1" fill="hold">
+                                          <p:stCondLst>
+                                            <p:cond delay="0"/>
+                                          </p:stCondLst>
+                                        </p:cTn>
+                                        <p:tgtEl>
+                                          <p:spTgt spid="4"/>
+                                        </p:tgtEl>
+                                        <p:attrNameLst>
+                                          <p:attrName>style.visibility</p:attrName>
+                                        </p:attrNameLst>
+                                      </p:cBhvr>
+                                      <p:to>
+                                        <p:strVal val="visible"/>
+                                      </p:to>
+                                    </p:set>
+                                  </p:childTnLst>
+                                </p:cTn>
+                              </p:par>
+                            </p:childTnLst>
+                          </p:cTn>
+                        </p:par>
+                      </p:childTnLst>
+                    </p:cTn>
+                  </p:par>
+                </p:childTnLst>
+              </p:cTn>
+              <p:prevCondLst>
+                <p:cond evt="onPrev" delay="0">
+                  <p:tgtEl>
+                    <p:sldTgt/>
+                  </p:tgtEl>
+                </p:cond>
+              </p:prevCondLst>
+              <p:nextCondLst>
+                <p:cond evt="onNext" delay="0">
+                  <p:tgtEl>
+                    <p:sldTgt/>
+                  </p:tgtEl>
+                </p:cond>
+              </p:nextCondLst>
+            </p:seq>
+          </p:childTnLst>
+        </p:cTn>
+      </p:par>
+    </p:tnLst>
+  </p:timing>
 </p:sld>
 </file>
 
@@ -5966,6 +6748,13 @@
   <p:clrMapOvr>
     <a:masterClrMapping/>
   </p:clrMapOvr>
+  <p:timing>
+    <p:tnLst>
+      <p:par>
+        <p:cTn id="1" dur="indefinite" restart="never" nodeType="tmRoot"/>
+      </p:par>
+    </p:tnLst>
+  </p:timing>
 </p:sld>
 </file>
 
@@ -6084,23 +6873,47 @@
                 <a:ea typeface="Kaiti TC" charset="-120"/>
                 <a:cs typeface="Kaiti TC" charset="-120"/>
               </a:rPr>
-              <a:t>静态页面</a:t>
-            </a:r>
-            <a:endParaRPr lang="en-US" altLang="zh-CN" sz="4400" b="1" i="1" u="sng" dirty="0" smtClean="0">
+              <a:t>静态</a:t>
+            </a:r>
+            <a:r>
+              <a:rPr lang="zh-CN" altLang="en-US" sz="4400" dirty="0" smtClean="0">
+                <a:latin typeface="Kaiti TC" charset="-120"/>
+                <a:ea typeface="Kaiti TC" charset="-120"/>
+                <a:cs typeface="Kaiti TC" charset="-120"/>
+              </a:rPr>
+              <a:t>页面</a:t>
+            </a:r>
+            <a:endParaRPr lang="en-US" altLang="zh-CN" sz="4400" b="1" i="1" u="sng" dirty="0">
               <a:latin typeface="Kaiti TC" charset="-120"/>
               <a:ea typeface="Kaiti TC" charset="-120"/>
               <a:cs typeface="Kaiti TC" charset="-120"/>
             </a:endParaRPr>
           </a:p>
           <a:p>
-            <a:pPr lvl="6"/>
-            <a:r>
-              <a:rPr lang="en-US" altLang="zh-CN" sz="3600" dirty="0" smtClean="0">
-                <a:latin typeface="Kaiti TC" charset="-120"/>
-                <a:ea typeface="Kaiti TC" charset="-120"/>
-                <a:cs typeface="Kaiti TC" charset="-120"/>
-              </a:rPr>
-              <a:t>&lt;p&gt;Hello World!&lt;/p&gt;</a:t>
+            <a:pPr lvl="2"/>
+            <a:r>
+              <a:rPr lang="en-US" altLang="zh-CN" sz="3200" b="1" i="1" u="sng" dirty="0" smtClean="0">
+                <a:latin typeface="Kaiti TC" charset="-120"/>
+                <a:ea typeface="Kaiti TC" charset="-120"/>
+                <a:cs typeface="Kaiti TC" charset="-120"/>
+              </a:rPr>
+              <a:t> </a:t>
+            </a:r>
+            <a:r>
+              <a:rPr lang="en-US" altLang="zh-CN" sz="3200" dirty="0" smtClean="0">
+                <a:latin typeface="Kaiti TC" charset="-120"/>
+                <a:ea typeface="Kaiti TC" charset="-120"/>
+                <a:cs typeface="Kaiti TC" charset="-120"/>
+              </a:rPr>
+              <a:t>&lt;</a:t>
+            </a:r>
+            <a:r>
+              <a:rPr lang="en-US" altLang="zh-CN" sz="3200" dirty="0" smtClean="0">
+                <a:latin typeface="Kaiti TC" charset="-120"/>
+                <a:ea typeface="Kaiti TC" charset="-120"/>
+                <a:cs typeface="Kaiti TC" charset="-120"/>
+              </a:rPr>
+              <a:t>p&gt;Hello World!&lt;/p&gt;</a:t>
             </a:r>
           </a:p>
           <a:p>
@@ -6110,39 +6923,24 @@
                 <a:ea typeface="Kaiti TC" charset="-120"/>
                 <a:cs typeface="Kaiti TC" charset="-120"/>
               </a:rPr>
-              <a:t> 输入：</a:t>
+              <a:t> </a:t>
             </a:r>
             <a:r>
               <a:rPr lang="en-US" altLang="zh-CN" sz="4400" dirty="0" smtClean="0">
                 <a:latin typeface="Kaiti TC" charset="-120"/>
                 <a:ea typeface="Kaiti TC" charset="-120"/>
                 <a:cs typeface="Kaiti TC" charset="-120"/>
-              </a:rPr>
-              <a:t>pip</a:t>
-            </a:r>
-            <a:r>
-              <a:rPr lang="zh-CN" altLang="en-US" sz="4400" dirty="0" smtClean="0">
+                <a:hlinkClick r:id="rId2"/>
+              </a:rPr>
+              <a:t>http://x.x.x.x/hello.html</a:t>
+            </a:r>
+            <a:r>
+              <a:rPr lang="en-US" altLang="zh-CN" sz="4400" dirty="0" smtClean="0">
                 <a:latin typeface="Kaiti TC" charset="-120"/>
                 <a:ea typeface="Kaiti TC" charset="-120"/>
                 <a:cs typeface="Kaiti TC" charset="-120"/>
               </a:rPr>
               <a:t> </a:t>
-            </a:r>
-            <a:r>
-              <a:rPr lang="en-US" altLang="zh-CN" sz="4400" dirty="0" smtClean="0">
-                <a:latin typeface="Kaiti TC" charset="-120"/>
-                <a:ea typeface="Kaiti TC" charset="-120"/>
-                <a:cs typeface="Kaiti TC" charset="-120"/>
-              </a:rPr>
-              <a:t>install </a:t>
-            </a:r>
-            <a:r>
-              <a:rPr lang="en-US" altLang="zh-CN" sz="4400" dirty="0" err="1" smtClean="0">
-                <a:latin typeface="Kaiti TC" charset="-120"/>
-                <a:ea typeface="Kaiti TC" charset="-120"/>
-                <a:cs typeface="Kaiti TC" charset="-120"/>
-              </a:rPr>
-              <a:t>django</a:t>
             </a:r>
             <a:endParaRPr lang="en-US" sz="4400" dirty="0">
               <a:latin typeface="Kaiti TC" charset="-120"/>
@@ -6162,6 +6960,13 @@
   <p:clrMapOvr>
     <a:masterClrMapping/>
   </p:clrMapOvr>
+  <p:timing>
+    <p:tnLst>
+      <p:par>
+        <p:cTn id="1" dur="indefinite" restart="never" nodeType="tmRoot"/>
+      </p:par>
+    </p:tnLst>
+  </p:timing>
 </p:sld>
 </file>
 
@@ -6189,7 +6994,7 @@
             <a:spLocks noGrp="1"/>
           </p:cNvSpPr>
           <p:nvPr>
-            <p:ph type="ctrTitle"/>
+            <p:ph type="title"/>
           </p:nvPr>
         </p:nvSpPr>
         <p:spPr/>
@@ -6198,63 +7003,3311 @@
           <a:lstStyle/>
           <a:p>
             <a:r>
-              <a:rPr lang="en-US" sz="6600" dirty="0" smtClean="0"/>
-              <a:t>Thank You!</a:t>
-            </a:r>
-            <a:endParaRPr lang="en-US" sz="6600" dirty="0"/>
-          </a:p>
-        </p:txBody>
-      </p:sp>
-      <p:sp>
-        <p:nvSpPr>
-          <p:cNvPr id="4" name="Subtitle 2"/>
+              <a:rPr lang="zh-CN" altLang="en-US" sz="6000" dirty="0"/>
+              <a:t>视图 </a:t>
+            </a:r>
+            <a:r>
+              <a:rPr lang="en-US" altLang="zh-CN" sz="6000" dirty="0"/>
+              <a:t>&amp;</a:t>
+            </a:r>
+            <a:r>
+              <a:rPr lang="zh-CN" altLang="en-US" sz="6000" dirty="0"/>
+              <a:t> </a:t>
+            </a:r>
+            <a:r>
+              <a:rPr lang="en-US" altLang="zh-CN" sz="6000" dirty="0" smtClean="0"/>
+              <a:t>URL</a:t>
+            </a:r>
+            <a:r>
+              <a:rPr lang="zh-CN" altLang="en-US" sz="6000" dirty="0" smtClean="0"/>
+              <a:t> － 视图部分</a:t>
+            </a:r>
+            <a:endParaRPr lang="en-US" sz="6000" dirty="0"/>
+          </a:p>
+        </p:txBody>
+      </p:sp>
+      <p:sp>
+        <p:nvSpPr>
+          <p:cNvPr id="3" name="Content Placeholder 2"/>
           <p:cNvSpPr>
             <a:spLocks noGrp="1"/>
           </p:cNvSpPr>
           <p:nvPr>
-            <p:ph type="subTitle" idx="1"/>
-          </p:nvPr>
-        </p:nvSpPr>
-        <p:spPr>
-          <a:xfrm>
-            <a:off x="810001" y="5280846"/>
-            <a:ext cx="10572000" cy="1048236"/>
-          </a:xfrm>
-        </p:spPr>
+            <p:ph idx="1"/>
+          </p:nvPr>
+        </p:nvSpPr>
+        <p:spPr/>
         <p:txBody>
           <a:bodyPr>
-            <a:noAutofit/>
+            <a:normAutofit fontScale="92500" lnSpcReduction="20000"/>
           </a:bodyPr>
           <a:lstStyle/>
           <a:p>
             <a:r>
-              <a:rPr lang="zh-CN" altLang="en-US" sz="2400" b="1" dirty="0" smtClean="0"/>
-              <a:t>林子恒 </a:t>
-            </a:r>
-            <a:r>
-              <a:rPr lang="en-US" altLang="zh-CN" sz="2400" b="1" dirty="0" smtClean="0"/>
-              <a:t>Lin, Tzu-Heng</a:t>
-            </a:r>
-          </a:p>
-          <a:p>
-            <a:r>
-              <a:rPr lang="en-US" altLang="zh-CN" sz="2400" b="1" dirty="0" smtClean="0"/>
-              <a:t>linzh14@mails.tsinghua.edu.cn</a:t>
-            </a:r>
-            <a:endParaRPr lang="en-US" sz="2400" b="1" dirty="0"/>
+              <a:rPr lang="en-US" altLang="zh-CN" sz="4000" dirty="0">
+                <a:latin typeface="Kaiti TC" charset="-120"/>
+                <a:ea typeface="Kaiti TC" charset="-120"/>
+                <a:cs typeface="Kaiti TC" charset="-120"/>
+              </a:rPr>
+              <a:t> </a:t>
+            </a:r>
+            <a:r>
+              <a:rPr lang="zh-CN" altLang="en-US" sz="4000" dirty="0" smtClean="0">
+                <a:latin typeface="Kaiti TC" charset="-120"/>
+                <a:ea typeface="Kaiti TC" charset="-120"/>
+                <a:cs typeface="Kaiti TC" charset="-120"/>
+              </a:rPr>
+              <a:t>在</a:t>
+            </a:r>
+            <a:r>
+              <a:rPr lang="en-US" altLang="zh-CN" sz="4000" dirty="0" err="1" smtClean="0">
+                <a:latin typeface="Kaiti TC" charset="-120"/>
+                <a:ea typeface="Kaiti TC" charset="-120"/>
+                <a:cs typeface="Kaiti TC" charset="-120"/>
+              </a:rPr>
+              <a:t>mysite</a:t>
+            </a:r>
+            <a:r>
+              <a:rPr lang="en-US" altLang="zh-CN" sz="4000" dirty="0" smtClean="0">
+                <a:latin typeface="Kaiti TC" charset="-120"/>
+                <a:ea typeface="Kaiti TC" charset="-120"/>
+                <a:cs typeface="Kaiti TC" charset="-120"/>
+              </a:rPr>
+              <a:t>/</a:t>
+            </a:r>
+            <a:r>
+              <a:rPr lang="en-US" altLang="zh-CN" sz="4000" dirty="0" err="1" smtClean="0">
+                <a:latin typeface="Kaiti TC" charset="-120"/>
+                <a:ea typeface="Kaiti TC" charset="-120"/>
+                <a:cs typeface="Kaiti TC" charset="-120"/>
+              </a:rPr>
+              <a:t>mysite</a:t>
+            </a:r>
+            <a:r>
+              <a:rPr lang="en-US" altLang="zh-CN" sz="4000" dirty="0" smtClean="0">
+                <a:latin typeface="Kaiti TC" charset="-120"/>
+                <a:ea typeface="Kaiti TC" charset="-120"/>
+                <a:cs typeface="Kaiti TC" charset="-120"/>
+              </a:rPr>
+              <a:t>/</a:t>
+            </a:r>
+            <a:r>
+              <a:rPr lang="zh-CN" altLang="en-US" sz="4000" dirty="0" smtClean="0">
+                <a:latin typeface="Kaiti TC" charset="-120"/>
+                <a:ea typeface="Kaiti TC" charset="-120"/>
+                <a:cs typeface="Kaiti TC" charset="-120"/>
+              </a:rPr>
+              <a:t>目录下新建一个</a:t>
+            </a:r>
+            <a:r>
+              <a:rPr lang="en-US" altLang="zh-CN" sz="4000" dirty="0" smtClean="0">
+                <a:latin typeface="Kaiti TC" charset="-120"/>
+                <a:ea typeface="Kaiti TC" charset="-120"/>
+                <a:cs typeface="Kaiti TC" charset="-120"/>
+              </a:rPr>
+              <a:t> </a:t>
+            </a:r>
+            <a:r>
+              <a:rPr lang="en-US" altLang="zh-CN" sz="4000" dirty="0" err="1" smtClean="0">
+                <a:latin typeface="Kaiti TC" charset="-120"/>
+                <a:ea typeface="Kaiti TC" charset="-120"/>
+                <a:cs typeface="Kaiti TC" charset="-120"/>
+              </a:rPr>
+              <a:t>views.py</a:t>
+            </a:r>
+            <a:endParaRPr lang="en-US" altLang="zh-CN" sz="4000" dirty="0" smtClean="0">
+              <a:latin typeface="Kaiti TC" charset="-120"/>
+              <a:ea typeface="Kaiti TC" charset="-120"/>
+              <a:cs typeface="Kaiti TC" charset="-120"/>
+            </a:endParaRPr>
+          </a:p>
+          <a:p>
+            <a:r>
+              <a:rPr lang="zh-CN" altLang="en-US" sz="4000" dirty="0">
+                <a:latin typeface="Kaiti TC" charset="-120"/>
+                <a:ea typeface="Kaiti TC" charset="-120"/>
+                <a:cs typeface="Kaiti TC" charset="-120"/>
+              </a:rPr>
+              <a:t> </a:t>
+            </a:r>
+            <a:r>
+              <a:rPr lang="zh-CN" altLang="en-US" sz="4000" dirty="0" smtClean="0">
+                <a:latin typeface="Kaiti TC" charset="-120"/>
+                <a:ea typeface="Kaiti TC" charset="-120"/>
+                <a:cs typeface="Kaiti TC" charset="-120"/>
+              </a:rPr>
+              <a:t>写入：</a:t>
+            </a:r>
+            <a:endParaRPr lang="en-US" altLang="zh-CN" sz="4000" dirty="0" smtClean="0">
+              <a:latin typeface="Kaiti TC" charset="-120"/>
+              <a:ea typeface="Kaiti TC" charset="-120"/>
+              <a:cs typeface="Kaiti TC" charset="-120"/>
+            </a:endParaRPr>
+          </a:p>
+          <a:p>
+            <a:pPr lvl="1"/>
+            <a:r>
+              <a:rPr lang="zh-CN" altLang="en-US" sz="2800" dirty="0" smtClean="0"/>
+              <a:t> </a:t>
+            </a:r>
+            <a:r>
+              <a:rPr lang="en-US" sz="2800" dirty="0" smtClean="0"/>
+              <a:t>from </a:t>
+            </a:r>
+            <a:r>
+              <a:rPr lang="en-US" sz="2800" dirty="0" err="1"/>
+              <a:t>django.http</a:t>
+            </a:r>
+            <a:r>
+              <a:rPr lang="en-US" sz="2800" dirty="0"/>
+              <a:t> import </a:t>
+            </a:r>
+            <a:r>
+              <a:rPr lang="en-US" sz="2800" dirty="0" err="1" smtClean="0"/>
+              <a:t>HttpResponse</a:t>
+            </a:r>
+            <a:endParaRPr lang="en-US" sz="2800" dirty="0" smtClean="0"/>
+          </a:p>
+          <a:p>
+            <a:pPr lvl="1"/>
+            <a:r>
+              <a:rPr lang="zh-CN" altLang="en-US" sz="2800" dirty="0" smtClean="0"/>
+              <a:t> </a:t>
+            </a:r>
+            <a:endParaRPr lang="en-US" sz="2800" dirty="0"/>
+          </a:p>
+          <a:p>
+            <a:pPr lvl="1"/>
+            <a:r>
+              <a:rPr lang="zh-CN" altLang="en-US" sz="2800" dirty="0" smtClean="0"/>
+              <a:t> </a:t>
+            </a:r>
+            <a:r>
+              <a:rPr lang="en-US" sz="2800" dirty="0" err="1" smtClean="0"/>
+              <a:t>def</a:t>
+            </a:r>
+            <a:r>
+              <a:rPr lang="en-US" sz="2800" dirty="0" smtClean="0"/>
+              <a:t> </a:t>
+            </a:r>
+            <a:r>
+              <a:rPr lang="en-US" sz="2800" dirty="0"/>
+              <a:t>hello(request</a:t>
+            </a:r>
+            <a:r>
+              <a:rPr lang="en-US" sz="2800" dirty="0" smtClean="0"/>
+              <a:t>):</a:t>
+            </a:r>
+            <a:r>
+              <a:rPr lang="zh-CN" altLang="en-US" sz="2800" dirty="0" smtClean="0"/>
+              <a:t> </a:t>
+            </a:r>
+            <a:endParaRPr lang="en-US" altLang="zh-CN" sz="2800" dirty="0" smtClean="0"/>
+          </a:p>
+          <a:p>
+            <a:pPr lvl="1"/>
+            <a:r>
+              <a:rPr lang="en-US" sz="2800" dirty="0" smtClean="0"/>
+              <a:t>     html = “Hello World”</a:t>
+            </a:r>
+            <a:endParaRPr lang="en-US" sz="2800" dirty="0"/>
+          </a:p>
+          <a:p>
+            <a:pPr lvl="1"/>
+            <a:r>
+              <a:rPr lang="en-US" sz="2800" dirty="0"/>
+              <a:t>    </a:t>
+            </a:r>
+            <a:r>
+              <a:rPr lang="zh-CN" altLang="en-US" sz="2800" dirty="0" smtClean="0"/>
+              <a:t> </a:t>
+            </a:r>
+            <a:r>
+              <a:rPr lang="en-US" sz="2800" dirty="0" smtClean="0"/>
+              <a:t>return </a:t>
+            </a:r>
+            <a:r>
+              <a:rPr lang="en-US" sz="2800" dirty="0" err="1" smtClean="0"/>
+              <a:t>HttpResponse</a:t>
+            </a:r>
+            <a:r>
+              <a:rPr lang="en-US" sz="2800" dirty="0" smtClean="0"/>
+              <a:t>(html)</a:t>
+            </a:r>
+            <a:r>
+              <a:rPr lang="zh-CN" altLang="en-US" sz="2800" dirty="0" smtClean="0"/>
+              <a:t>    （注意缩进！）</a:t>
+            </a:r>
+            <a:endParaRPr lang="en-US" altLang="zh-CN" sz="7200" dirty="0">
+              <a:latin typeface="Kaiti TC" charset="-120"/>
+              <a:ea typeface="Kaiti TC" charset="-120"/>
+              <a:cs typeface="Kaiti TC" charset="-120"/>
+            </a:endParaRPr>
           </a:p>
         </p:txBody>
       </p:sp>
     </p:spTree>
     <p:extLst>
       <p:ext uri="{BB962C8B-B14F-4D97-AF65-F5344CB8AC3E}">
-        <p14:creationId xmlns:p14="http://schemas.microsoft.com/office/powerpoint/2010/main" val="311125116"/>
+        <p14:creationId xmlns:p14="http://schemas.microsoft.com/office/powerpoint/2010/main" val="1396110099"/>
       </p:ext>
     </p:extLst>
   </p:cSld>
   <p:clrMapOvr>
     <a:masterClrMapping/>
   </p:clrMapOvr>
+  <p:timing>
+    <p:tnLst>
+      <p:par>
+        <p:cTn id="1" dur="indefinite" restart="never" nodeType="tmRoot"/>
+      </p:par>
+    </p:tnLst>
+  </p:timing>
+</p:sld>
+</file>
+
+<file path=ppt/slides/slide14.xml><?xml version="1.0" encoding="utf-8"?>
+<p:sld xmlns:a="http://schemas.openxmlformats.org/drawingml/2006/main" xmlns:r="http://schemas.openxmlformats.org/officeDocument/2006/relationships" xmlns:p="http://schemas.openxmlformats.org/presentationml/2006/main">
+  <p:cSld>
+    <p:spTree>
+      <p:nvGrpSpPr>
+        <p:cNvPr id="1" name=""/>
+        <p:cNvGrpSpPr/>
+        <p:nvPr/>
+      </p:nvGrpSpPr>
+      <p:grpSpPr>
+        <a:xfrm>
+          <a:off x="0" y="0"/>
+          <a:ext cx="0" cy="0"/>
+          <a:chOff x="0" y="0"/>
+          <a:chExt cx="0" cy="0"/>
+        </a:xfrm>
+      </p:grpSpPr>
+      <p:sp>
+        <p:nvSpPr>
+          <p:cNvPr id="2" name="Title 1"/>
+          <p:cNvSpPr>
+            <a:spLocks noGrp="1"/>
+          </p:cNvSpPr>
+          <p:nvPr>
+            <p:ph type="title"/>
+          </p:nvPr>
+        </p:nvSpPr>
+        <p:spPr/>
+        <p:txBody>
+          <a:bodyPr/>
+          <a:lstStyle/>
+          <a:p>
+            <a:r>
+              <a:rPr lang="zh-CN" altLang="en-US" sz="6000" dirty="0"/>
+              <a:t>视图 </a:t>
+            </a:r>
+            <a:r>
+              <a:rPr lang="en-US" altLang="zh-CN" sz="6000" dirty="0"/>
+              <a:t>&amp;</a:t>
+            </a:r>
+            <a:r>
+              <a:rPr lang="zh-CN" altLang="en-US" sz="6000" dirty="0"/>
+              <a:t> </a:t>
+            </a:r>
+            <a:r>
+              <a:rPr lang="en-US" altLang="zh-CN" sz="6000" dirty="0" smtClean="0"/>
+              <a:t>URL</a:t>
+            </a:r>
+            <a:r>
+              <a:rPr lang="zh-CN" altLang="en-US" sz="6000" dirty="0" smtClean="0"/>
+              <a:t> － </a:t>
+            </a:r>
+            <a:r>
+              <a:rPr lang="en-US" altLang="zh-CN" sz="6000" dirty="0" smtClean="0"/>
+              <a:t>URL</a:t>
+            </a:r>
+            <a:r>
+              <a:rPr lang="zh-CN" altLang="en-US" sz="6000" dirty="0" smtClean="0"/>
+              <a:t>部分</a:t>
+            </a:r>
+            <a:endParaRPr lang="en-US" sz="6000" dirty="0"/>
+          </a:p>
+        </p:txBody>
+      </p:sp>
+      <p:sp>
+        <p:nvSpPr>
+          <p:cNvPr id="3" name="Content Placeholder 2"/>
+          <p:cNvSpPr>
+            <a:spLocks noGrp="1"/>
+          </p:cNvSpPr>
+          <p:nvPr>
+            <p:ph idx="1"/>
+          </p:nvPr>
+        </p:nvSpPr>
+        <p:spPr>
+          <a:xfrm>
+            <a:off x="818712" y="2222287"/>
+            <a:ext cx="10554574" cy="4352684"/>
+          </a:xfrm>
+        </p:spPr>
+        <p:txBody>
+          <a:bodyPr>
+            <a:normAutofit fontScale="92500" lnSpcReduction="20000"/>
+          </a:bodyPr>
+          <a:lstStyle/>
+          <a:p>
+            <a:r>
+              <a:rPr lang="zh-CN" altLang="en-US" sz="4000" dirty="0" smtClean="0">
+                <a:latin typeface="Kaiti TC" charset="-120"/>
+                <a:ea typeface="Kaiti TC" charset="-120"/>
+                <a:cs typeface="Kaiti TC" charset="-120"/>
+              </a:rPr>
+              <a:t>原来</a:t>
+            </a:r>
+            <a:r>
+              <a:rPr lang="en-US" altLang="zh-CN" sz="4000" dirty="0" err="1" smtClean="0">
+                <a:latin typeface="Kaiti TC" charset="-120"/>
+                <a:ea typeface="Kaiti TC" charset="-120"/>
+                <a:cs typeface="Kaiti TC" charset="-120"/>
+              </a:rPr>
+              <a:t>urls.py</a:t>
+            </a:r>
+            <a:r>
+              <a:rPr lang="zh-CN" altLang="en-US" sz="4000" dirty="0" smtClean="0">
+                <a:latin typeface="Kaiti TC" charset="-120"/>
+                <a:ea typeface="Kaiti TC" charset="-120"/>
+                <a:cs typeface="Kaiti TC" charset="-120"/>
+              </a:rPr>
+              <a:t>的代码</a:t>
+            </a:r>
+            <a:endParaRPr lang="en-US" altLang="zh-CN" sz="4000" dirty="0" smtClean="0">
+              <a:latin typeface="Kaiti TC" charset="-120"/>
+              <a:ea typeface="Kaiti TC" charset="-120"/>
+              <a:cs typeface="Kaiti TC" charset="-120"/>
+            </a:endParaRPr>
+          </a:p>
+          <a:p>
+            <a:r>
+              <a:rPr lang="en-US" altLang="zh-CN" sz="4000" dirty="0" smtClean="0">
+                <a:latin typeface="Kaiti TC" charset="-120"/>
+                <a:ea typeface="Kaiti TC" charset="-120"/>
+                <a:cs typeface="Kaiti TC" charset="-120"/>
+              </a:rPr>
+              <a:t> from </a:t>
+            </a:r>
+            <a:r>
+              <a:rPr lang="en-US" altLang="zh-CN" sz="4000" dirty="0" err="1">
+                <a:latin typeface="Kaiti TC" charset="-120"/>
+                <a:ea typeface="Kaiti TC" charset="-120"/>
+                <a:cs typeface="Kaiti TC" charset="-120"/>
+              </a:rPr>
+              <a:t>django.conf.urls</a:t>
+            </a:r>
+            <a:r>
+              <a:rPr lang="en-US" altLang="zh-CN" sz="4000" dirty="0">
+                <a:latin typeface="Kaiti TC" charset="-120"/>
+                <a:ea typeface="Kaiti TC" charset="-120"/>
+                <a:cs typeface="Kaiti TC" charset="-120"/>
+              </a:rPr>
+              <a:t> import </a:t>
+            </a:r>
+            <a:r>
+              <a:rPr lang="en-US" altLang="zh-CN" sz="4000" dirty="0" err="1" smtClean="0">
+                <a:latin typeface="Kaiti TC" charset="-120"/>
+                <a:ea typeface="Kaiti TC" charset="-120"/>
+                <a:cs typeface="Kaiti TC" charset="-120"/>
+              </a:rPr>
+              <a:t>url</a:t>
+            </a:r>
+            <a:endParaRPr lang="en-US" altLang="zh-CN" sz="4000" dirty="0" smtClean="0">
+              <a:latin typeface="Kaiti TC" charset="-120"/>
+              <a:ea typeface="Kaiti TC" charset="-120"/>
+              <a:cs typeface="Kaiti TC" charset="-120"/>
+            </a:endParaRPr>
+          </a:p>
+          <a:p>
+            <a:r>
+              <a:rPr lang="en-US" altLang="zh-CN" sz="4000" dirty="0" smtClean="0">
+                <a:latin typeface="Kaiti TC" charset="-120"/>
+                <a:ea typeface="Kaiti TC" charset="-120"/>
+                <a:cs typeface="Kaiti TC" charset="-120"/>
+              </a:rPr>
+              <a:t> from </a:t>
+            </a:r>
+            <a:r>
+              <a:rPr lang="en-US" altLang="zh-CN" sz="4000" dirty="0" err="1">
+                <a:latin typeface="Kaiti TC" charset="-120"/>
+                <a:ea typeface="Kaiti TC" charset="-120"/>
+                <a:cs typeface="Kaiti TC" charset="-120"/>
+              </a:rPr>
+              <a:t>django.contrib</a:t>
+            </a:r>
+            <a:r>
+              <a:rPr lang="en-US" altLang="zh-CN" sz="4000" dirty="0">
+                <a:latin typeface="Kaiti TC" charset="-120"/>
+                <a:ea typeface="Kaiti TC" charset="-120"/>
+                <a:cs typeface="Kaiti TC" charset="-120"/>
+              </a:rPr>
+              <a:t> import </a:t>
+            </a:r>
+            <a:r>
+              <a:rPr lang="en-US" altLang="zh-CN" sz="4000" dirty="0" smtClean="0">
+                <a:latin typeface="Kaiti TC" charset="-120"/>
+                <a:ea typeface="Kaiti TC" charset="-120"/>
+                <a:cs typeface="Kaiti TC" charset="-120"/>
+              </a:rPr>
+              <a:t>admin</a:t>
+            </a:r>
+          </a:p>
+          <a:p>
+            <a:r>
+              <a:rPr lang="en-US" altLang="zh-CN" sz="4000" dirty="0" smtClean="0">
+                <a:latin typeface="Kaiti TC" charset="-120"/>
+                <a:ea typeface="Kaiti TC" charset="-120"/>
+                <a:cs typeface="Kaiti TC" charset="-120"/>
+              </a:rPr>
+              <a:t> </a:t>
+            </a:r>
+          </a:p>
+          <a:p>
+            <a:r>
+              <a:rPr lang="en-US" altLang="zh-CN" sz="4000" dirty="0" smtClean="0">
+                <a:latin typeface="Kaiti TC" charset="-120"/>
+                <a:ea typeface="Kaiti TC" charset="-120"/>
+                <a:cs typeface="Kaiti TC" charset="-120"/>
+              </a:rPr>
+              <a:t> </a:t>
+            </a:r>
+            <a:r>
+              <a:rPr lang="en-US" altLang="zh-CN" sz="4000" dirty="0" err="1" smtClean="0">
+                <a:latin typeface="Kaiti TC" charset="-120"/>
+                <a:ea typeface="Kaiti TC" charset="-120"/>
+                <a:cs typeface="Kaiti TC" charset="-120"/>
+              </a:rPr>
+              <a:t>urlpatterns</a:t>
+            </a:r>
+            <a:r>
+              <a:rPr lang="en-US" altLang="zh-CN" sz="4000" dirty="0" smtClean="0">
+                <a:latin typeface="Kaiti TC" charset="-120"/>
+                <a:ea typeface="Kaiti TC" charset="-120"/>
+                <a:cs typeface="Kaiti TC" charset="-120"/>
+              </a:rPr>
+              <a:t> </a:t>
+            </a:r>
+            <a:r>
+              <a:rPr lang="en-US" altLang="zh-CN" sz="4000" dirty="0">
+                <a:latin typeface="Kaiti TC" charset="-120"/>
+                <a:ea typeface="Kaiti TC" charset="-120"/>
+                <a:cs typeface="Kaiti TC" charset="-120"/>
+              </a:rPr>
+              <a:t>= [    </a:t>
+            </a:r>
+          </a:p>
+          <a:p>
+            <a:r>
+              <a:rPr lang="zh-CN" altLang="en-US" sz="4000" dirty="0" smtClean="0">
+                <a:latin typeface="Kaiti TC" charset="-120"/>
+                <a:ea typeface="Kaiti TC" charset="-120"/>
+                <a:cs typeface="Kaiti TC" charset="-120"/>
+              </a:rPr>
+              <a:t> </a:t>
+            </a:r>
+            <a:r>
+              <a:rPr lang="en-US" altLang="zh-CN" sz="4000" dirty="0" smtClean="0">
+                <a:latin typeface="Kaiti TC" charset="-120"/>
+                <a:ea typeface="Kaiti TC" charset="-120"/>
+                <a:cs typeface="Kaiti TC" charset="-120"/>
+              </a:rPr>
+              <a:t> </a:t>
+            </a:r>
+            <a:r>
+              <a:rPr lang="zh-CN" altLang="en-US" sz="4000" dirty="0" smtClean="0">
+                <a:latin typeface="Kaiti TC" charset="-120"/>
+                <a:ea typeface="Kaiti TC" charset="-120"/>
+                <a:cs typeface="Kaiti TC" charset="-120"/>
+              </a:rPr>
+              <a:t>   </a:t>
+            </a:r>
+            <a:r>
+              <a:rPr lang="en-US" altLang="zh-CN" sz="3800" dirty="0" err="1" smtClean="0">
+                <a:latin typeface="Kaiti TC" charset="-120"/>
+                <a:ea typeface="Kaiti TC" charset="-120"/>
+                <a:cs typeface="Kaiti TC" charset="-120"/>
+              </a:rPr>
+              <a:t>url</a:t>
+            </a:r>
+            <a:r>
+              <a:rPr lang="en-US" altLang="zh-CN" sz="3800" dirty="0" smtClean="0">
+                <a:latin typeface="Kaiti TC" charset="-120"/>
+                <a:ea typeface="Kaiti TC" charset="-120"/>
+                <a:cs typeface="Kaiti TC" charset="-120"/>
+              </a:rPr>
+              <a:t>(</a:t>
+            </a:r>
+            <a:r>
+              <a:rPr lang="en-US" altLang="zh-CN" sz="3800" dirty="0" err="1" smtClean="0">
+                <a:latin typeface="Kaiti TC" charset="-120"/>
+                <a:ea typeface="Kaiti TC" charset="-120"/>
+                <a:cs typeface="Kaiti TC" charset="-120"/>
+              </a:rPr>
+              <a:t>r</a:t>
+            </a:r>
+            <a:r>
+              <a:rPr lang="en-US" altLang="zh-CN" sz="3800" dirty="0" err="1">
+                <a:latin typeface="Kaiti TC" charset="-120"/>
+                <a:ea typeface="Kaiti TC" charset="-120"/>
+                <a:cs typeface="Kaiti TC" charset="-120"/>
+              </a:rPr>
+              <a:t>'^admin</a:t>
+            </a:r>
+            <a:r>
+              <a:rPr lang="en-US" altLang="zh-CN" sz="3800" dirty="0">
+                <a:latin typeface="Kaiti TC" charset="-120"/>
+                <a:ea typeface="Kaiti TC" charset="-120"/>
+                <a:cs typeface="Kaiti TC" charset="-120"/>
+              </a:rPr>
+              <a:t>/', </a:t>
+            </a:r>
+            <a:r>
+              <a:rPr lang="en-US" altLang="zh-CN" sz="3800" dirty="0" err="1">
+                <a:latin typeface="Kaiti TC" charset="-120"/>
+                <a:ea typeface="Kaiti TC" charset="-120"/>
+                <a:cs typeface="Kaiti TC" charset="-120"/>
+              </a:rPr>
+              <a:t>admin.site.urls</a:t>
+            </a:r>
+            <a:r>
+              <a:rPr lang="en-US" altLang="zh-CN" sz="3800" dirty="0" smtClean="0">
+                <a:latin typeface="Kaiti TC" charset="-120"/>
+                <a:ea typeface="Kaiti TC" charset="-120"/>
+                <a:cs typeface="Kaiti TC" charset="-120"/>
+              </a:rPr>
+              <a:t>),</a:t>
+            </a:r>
+          </a:p>
+          <a:p>
+            <a:r>
+              <a:rPr lang="en-US" altLang="zh-CN" sz="3800" dirty="0" smtClean="0">
+                <a:latin typeface="Kaiti TC" charset="-120"/>
+                <a:ea typeface="Kaiti TC" charset="-120"/>
+                <a:cs typeface="Kaiti TC" charset="-120"/>
+              </a:rPr>
+              <a:t> ]</a:t>
+            </a:r>
+            <a:endParaRPr lang="en-US" altLang="zh-CN" sz="7000" dirty="0">
+              <a:latin typeface="Kaiti TC" charset="-120"/>
+              <a:ea typeface="Kaiti TC" charset="-120"/>
+              <a:cs typeface="Kaiti TC" charset="-120"/>
+            </a:endParaRPr>
+          </a:p>
+        </p:txBody>
+      </p:sp>
+    </p:spTree>
+    <p:extLst>
+      <p:ext uri="{BB962C8B-B14F-4D97-AF65-F5344CB8AC3E}">
+        <p14:creationId xmlns:p14="http://schemas.microsoft.com/office/powerpoint/2010/main" val="1457467185"/>
+      </p:ext>
+    </p:extLst>
+  </p:cSld>
+  <p:clrMapOvr>
+    <a:masterClrMapping/>
+  </p:clrMapOvr>
+  <p:timing>
+    <p:tnLst>
+      <p:par>
+        <p:cTn id="1" dur="indefinite" restart="never" nodeType="tmRoot"/>
+      </p:par>
+    </p:tnLst>
+  </p:timing>
+</p:sld>
+</file>
+
+<file path=ppt/slides/slide15.xml><?xml version="1.0" encoding="utf-8"?>
+<p:sld xmlns:a="http://schemas.openxmlformats.org/drawingml/2006/main" xmlns:r="http://schemas.openxmlformats.org/officeDocument/2006/relationships" xmlns:p="http://schemas.openxmlformats.org/presentationml/2006/main">
+  <p:cSld>
+    <p:spTree>
+      <p:nvGrpSpPr>
+        <p:cNvPr id="1" name=""/>
+        <p:cNvGrpSpPr/>
+        <p:nvPr/>
+      </p:nvGrpSpPr>
+      <p:grpSpPr>
+        <a:xfrm>
+          <a:off x="0" y="0"/>
+          <a:ext cx="0" cy="0"/>
+          <a:chOff x="0" y="0"/>
+          <a:chExt cx="0" cy="0"/>
+        </a:xfrm>
+      </p:grpSpPr>
+      <p:sp>
+        <p:nvSpPr>
+          <p:cNvPr id="2" name="Title 1"/>
+          <p:cNvSpPr>
+            <a:spLocks noGrp="1"/>
+          </p:cNvSpPr>
+          <p:nvPr>
+            <p:ph type="title"/>
+          </p:nvPr>
+        </p:nvSpPr>
+        <p:spPr/>
+        <p:txBody>
+          <a:bodyPr/>
+          <a:lstStyle/>
+          <a:p>
+            <a:r>
+              <a:rPr lang="zh-CN" altLang="en-US" sz="6000" dirty="0"/>
+              <a:t>视图 </a:t>
+            </a:r>
+            <a:r>
+              <a:rPr lang="en-US" altLang="zh-CN" sz="6000" dirty="0"/>
+              <a:t>&amp;</a:t>
+            </a:r>
+            <a:r>
+              <a:rPr lang="zh-CN" altLang="en-US" sz="6000" dirty="0"/>
+              <a:t> </a:t>
+            </a:r>
+            <a:r>
+              <a:rPr lang="en-US" altLang="zh-CN" sz="6000" dirty="0" smtClean="0"/>
+              <a:t>URL</a:t>
+            </a:r>
+            <a:r>
+              <a:rPr lang="zh-CN" altLang="en-US" sz="6000" dirty="0" smtClean="0"/>
+              <a:t> － </a:t>
+            </a:r>
+            <a:r>
+              <a:rPr lang="en-US" altLang="zh-CN" sz="6000" dirty="0" smtClean="0"/>
+              <a:t>URL</a:t>
+            </a:r>
+            <a:r>
+              <a:rPr lang="zh-CN" altLang="en-US" sz="6000" dirty="0" smtClean="0"/>
+              <a:t>部分</a:t>
+            </a:r>
+            <a:endParaRPr lang="en-US" sz="6000" dirty="0"/>
+          </a:p>
+        </p:txBody>
+      </p:sp>
+      <p:sp>
+        <p:nvSpPr>
+          <p:cNvPr id="3" name="Content Placeholder 2"/>
+          <p:cNvSpPr>
+            <a:spLocks noGrp="1"/>
+          </p:cNvSpPr>
+          <p:nvPr>
+            <p:ph idx="1"/>
+          </p:nvPr>
+        </p:nvSpPr>
+        <p:spPr>
+          <a:xfrm>
+            <a:off x="818712" y="2222287"/>
+            <a:ext cx="6573761" cy="4352684"/>
+          </a:xfrm>
+        </p:spPr>
+        <p:txBody>
+          <a:bodyPr>
+            <a:normAutofit lnSpcReduction="10000"/>
+          </a:bodyPr>
+          <a:lstStyle/>
+          <a:p>
+            <a:r>
+              <a:rPr lang="zh-CN" altLang="en-US" sz="2400" dirty="0" smtClean="0">
+                <a:latin typeface="Kaiti TC" charset="-120"/>
+                <a:ea typeface="Kaiti TC" charset="-120"/>
+                <a:cs typeface="Kaiti TC" charset="-120"/>
+              </a:rPr>
+              <a:t> 改之后 </a:t>
+            </a:r>
+            <a:r>
+              <a:rPr lang="en-US" altLang="zh-CN" sz="2400" dirty="0" err="1" smtClean="0">
+                <a:latin typeface="Kaiti TC" charset="-120"/>
+                <a:ea typeface="Kaiti TC" charset="-120"/>
+                <a:cs typeface="Kaiti TC" charset="-120"/>
+              </a:rPr>
+              <a:t>urls.py</a:t>
+            </a:r>
+            <a:r>
+              <a:rPr lang="zh-CN" altLang="en-US" sz="2400" dirty="0" smtClean="0">
+                <a:latin typeface="Kaiti TC" charset="-120"/>
+                <a:ea typeface="Kaiti TC" charset="-120"/>
+                <a:cs typeface="Kaiti TC" charset="-120"/>
+              </a:rPr>
+              <a:t>的代码</a:t>
+            </a:r>
+            <a:endParaRPr lang="en-US" altLang="zh-CN" sz="2400" dirty="0" smtClean="0">
+              <a:latin typeface="Kaiti TC" charset="-120"/>
+              <a:ea typeface="Kaiti TC" charset="-120"/>
+              <a:cs typeface="Kaiti TC" charset="-120"/>
+            </a:endParaRPr>
+          </a:p>
+          <a:p>
+            <a:r>
+              <a:rPr lang="en-US" altLang="zh-CN" sz="2400" dirty="0" smtClean="0">
+                <a:latin typeface="Kaiti TC" charset="-120"/>
+                <a:ea typeface="Kaiti TC" charset="-120"/>
+                <a:cs typeface="Kaiti TC" charset="-120"/>
+              </a:rPr>
+              <a:t> from </a:t>
+            </a:r>
+            <a:r>
+              <a:rPr lang="en-US" altLang="zh-CN" sz="2400" dirty="0" err="1">
+                <a:latin typeface="Kaiti TC" charset="-120"/>
+                <a:ea typeface="Kaiti TC" charset="-120"/>
+                <a:cs typeface="Kaiti TC" charset="-120"/>
+              </a:rPr>
+              <a:t>django.conf.urls</a:t>
+            </a:r>
+            <a:r>
+              <a:rPr lang="en-US" altLang="zh-CN" sz="2400" dirty="0">
+                <a:latin typeface="Kaiti TC" charset="-120"/>
+                <a:ea typeface="Kaiti TC" charset="-120"/>
+                <a:cs typeface="Kaiti TC" charset="-120"/>
+              </a:rPr>
+              <a:t> import </a:t>
+            </a:r>
+            <a:r>
+              <a:rPr lang="en-US" altLang="zh-CN" sz="2400" dirty="0" err="1" smtClean="0">
+                <a:latin typeface="Kaiti TC" charset="-120"/>
+                <a:ea typeface="Kaiti TC" charset="-120"/>
+                <a:cs typeface="Kaiti TC" charset="-120"/>
+              </a:rPr>
+              <a:t>url</a:t>
+            </a:r>
+            <a:endParaRPr lang="en-US" altLang="zh-CN" sz="2400" dirty="0" smtClean="0">
+              <a:latin typeface="Kaiti TC" charset="-120"/>
+              <a:ea typeface="Kaiti TC" charset="-120"/>
+              <a:cs typeface="Kaiti TC" charset="-120"/>
+            </a:endParaRPr>
+          </a:p>
+          <a:p>
+            <a:r>
+              <a:rPr lang="en-US" altLang="zh-CN" sz="2400" dirty="0" smtClean="0">
+                <a:latin typeface="Kaiti TC" charset="-120"/>
+                <a:ea typeface="Kaiti TC" charset="-120"/>
+                <a:cs typeface="Kaiti TC" charset="-120"/>
+              </a:rPr>
+              <a:t> from </a:t>
+            </a:r>
+            <a:r>
+              <a:rPr lang="en-US" altLang="zh-CN" sz="2400" dirty="0" err="1">
+                <a:latin typeface="Kaiti TC" charset="-120"/>
+                <a:ea typeface="Kaiti TC" charset="-120"/>
+                <a:cs typeface="Kaiti TC" charset="-120"/>
+              </a:rPr>
+              <a:t>django.contrib</a:t>
+            </a:r>
+            <a:r>
+              <a:rPr lang="en-US" altLang="zh-CN" sz="2400" dirty="0">
+                <a:latin typeface="Kaiti TC" charset="-120"/>
+                <a:ea typeface="Kaiti TC" charset="-120"/>
+                <a:cs typeface="Kaiti TC" charset="-120"/>
+              </a:rPr>
+              <a:t> import </a:t>
+            </a:r>
+            <a:r>
+              <a:rPr lang="en-US" altLang="zh-CN" sz="2400" dirty="0" smtClean="0">
+                <a:latin typeface="Kaiti TC" charset="-120"/>
+                <a:ea typeface="Kaiti TC" charset="-120"/>
+                <a:cs typeface="Kaiti TC" charset="-120"/>
+              </a:rPr>
+              <a:t>admin</a:t>
+            </a:r>
+          </a:p>
+          <a:p>
+            <a:r>
+              <a:rPr lang="en-US" altLang="zh-CN" sz="2400" dirty="0" smtClean="0">
+                <a:latin typeface="Kaiti TC" charset="-120"/>
+                <a:ea typeface="Kaiti TC" charset="-120"/>
+                <a:cs typeface="Kaiti TC" charset="-120"/>
+              </a:rPr>
+              <a:t> </a:t>
+            </a:r>
+            <a:r>
+              <a:rPr lang="en-US" altLang="zh-CN" sz="2400" b="1" i="1" u="sng" dirty="0" smtClean="0">
+                <a:solidFill>
+                  <a:srgbClr val="FF0000"/>
+                </a:solidFill>
+                <a:latin typeface="Kaiti TC" charset="-120"/>
+                <a:ea typeface="Kaiti TC" charset="-120"/>
+                <a:cs typeface="Kaiti TC" charset="-120"/>
+              </a:rPr>
+              <a:t>from </a:t>
+            </a:r>
+            <a:r>
+              <a:rPr lang="en-US" altLang="zh-CN" sz="2400" b="1" i="1" u="sng" dirty="0" err="1" smtClean="0">
+                <a:solidFill>
+                  <a:srgbClr val="FF0000"/>
+                </a:solidFill>
+                <a:latin typeface="Kaiti TC" charset="-120"/>
+                <a:ea typeface="Kaiti TC" charset="-120"/>
+                <a:cs typeface="Kaiti TC" charset="-120"/>
+              </a:rPr>
+              <a:t>mysite.views</a:t>
+            </a:r>
+            <a:r>
+              <a:rPr lang="en-US" altLang="zh-CN" sz="2400" b="1" i="1" u="sng" dirty="0" smtClean="0">
+                <a:solidFill>
+                  <a:srgbClr val="FF0000"/>
+                </a:solidFill>
+                <a:latin typeface="Kaiti TC" charset="-120"/>
+                <a:ea typeface="Kaiti TC" charset="-120"/>
+                <a:cs typeface="Kaiti TC" charset="-120"/>
+              </a:rPr>
+              <a:t> import hello</a:t>
+            </a:r>
+          </a:p>
+          <a:p>
+            <a:r>
+              <a:rPr lang="en-US" altLang="zh-CN" sz="2400" dirty="0" smtClean="0">
+                <a:latin typeface="Kaiti TC" charset="-120"/>
+                <a:ea typeface="Kaiti TC" charset="-120"/>
+                <a:cs typeface="Kaiti TC" charset="-120"/>
+              </a:rPr>
+              <a:t> </a:t>
+            </a:r>
+            <a:r>
+              <a:rPr lang="en-US" altLang="zh-CN" sz="2400" dirty="0" err="1" smtClean="0">
+                <a:latin typeface="Kaiti TC" charset="-120"/>
+                <a:ea typeface="Kaiti TC" charset="-120"/>
+                <a:cs typeface="Kaiti TC" charset="-120"/>
+              </a:rPr>
+              <a:t>urlpatterns</a:t>
+            </a:r>
+            <a:r>
+              <a:rPr lang="en-US" altLang="zh-CN" sz="2400" dirty="0" smtClean="0">
+                <a:latin typeface="Kaiti TC" charset="-120"/>
+                <a:ea typeface="Kaiti TC" charset="-120"/>
+                <a:cs typeface="Kaiti TC" charset="-120"/>
+              </a:rPr>
+              <a:t> </a:t>
+            </a:r>
+            <a:r>
+              <a:rPr lang="en-US" altLang="zh-CN" sz="2400" dirty="0">
+                <a:latin typeface="Kaiti TC" charset="-120"/>
+                <a:ea typeface="Kaiti TC" charset="-120"/>
+                <a:cs typeface="Kaiti TC" charset="-120"/>
+              </a:rPr>
+              <a:t>= </a:t>
+            </a:r>
+            <a:r>
+              <a:rPr lang="en-US" altLang="zh-CN" sz="2400" dirty="0" smtClean="0">
+                <a:latin typeface="Kaiti TC" charset="-120"/>
+                <a:ea typeface="Kaiti TC" charset="-120"/>
+                <a:cs typeface="Kaiti TC" charset="-120"/>
+              </a:rPr>
+              <a:t>[</a:t>
+            </a:r>
+          </a:p>
+          <a:p>
+            <a:r>
+              <a:rPr lang="en-US" altLang="zh-CN" sz="2400" dirty="0">
+                <a:latin typeface="Kaiti TC" charset="-120"/>
+                <a:ea typeface="Kaiti TC" charset="-120"/>
+                <a:cs typeface="Kaiti TC" charset="-120"/>
+              </a:rPr>
+              <a:t> </a:t>
+            </a:r>
+            <a:r>
+              <a:rPr lang="en-US" altLang="zh-CN" sz="2400" dirty="0" smtClean="0">
+                <a:latin typeface="Kaiti TC" charset="-120"/>
+                <a:ea typeface="Kaiti TC" charset="-120"/>
+                <a:cs typeface="Kaiti TC" charset="-120"/>
+              </a:rPr>
+              <a:t>    </a:t>
+            </a:r>
+            <a:r>
+              <a:rPr lang="en-US" altLang="zh-CN" sz="2400" b="1" i="1" u="sng" dirty="0" err="1" smtClean="0">
+                <a:ln w="0"/>
+                <a:solidFill>
+                  <a:srgbClr val="FF0000"/>
+                </a:solidFill>
+                <a:effectLst>
+                  <a:outerShdw blurRad="38100" dist="19050" dir="2700000" algn="tl" rotWithShape="0">
+                    <a:schemeClr val="dk1">
+                      <a:alpha val="40000"/>
+                    </a:schemeClr>
+                  </a:outerShdw>
+                </a:effectLst>
+                <a:latin typeface="Kaiti TC" charset="-120"/>
+                <a:ea typeface="Kaiti TC" charset="-120"/>
+                <a:cs typeface="Kaiti TC" charset="-120"/>
+              </a:rPr>
+              <a:t>url</a:t>
+            </a:r>
+            <a:r>
+              <a:rPr lang="en-US" sz="2400" b="1" i="1" u="sng" dirty="0" smtClean="0">
+                <a:ln w="0"/>
+                <a:solidFill>
+                  <a:srgbClr val="FF0000"/>
+                </a:solidFill>
+                <a:effectLst>
+                  <a:outerShdw blurRad="38100" dist="19050" dir="2700000" algn="tl" rotWithShape="0">
+                    <a:schemeClr val="dk1">
+                      <a:alpha val="40000"/>
+                    </a:schemeClr>
+                  </a:outerShdw>
+                </a:effectLst>
+                <a:latin typeface="Kaiti TC" charset="-120"/>
+                <a:ea typeface="Kaiti TC" charset="-120"/>
+                <a:cs typeface="Kaiti TC" charset="-120"/>
+              </a:rPr>
+              <a:t>(</a:t>
+            </a:r>
+            <a:r>
+              <a:rPr lang="en-US" sz="2400" b="1" i="1" u="sng" dirty="0" err="1" smtClean="0">
+                <a:ln w="0"/>
+                <a:solidFill>
+                  <a:srgbClr val="FF0000"/>
+                </a:solidFill>
+                <a:effectLst>
+                  <a:outerShdw blurRad="38100" dist="19050" dir="2700000" algn="tl" rotWithShape="0">
+                    <a:schemeClr val="dk1">
+                      <a:alpha val="40000"/>
+                    </a:schemeClr>
+                  </a:outerShdw>
+                </a:effectLst>
+                <a:latin typeface="Kaiti TC" charset="-120"/>
+                <a:ea typeface="Kaiti TC" charset="-120"/>
+                <a:cs typeface="Kaiti TC" charset="-120"/>
+              </a:rPr>
+              <a:t>r‘^</a:t>
+            </a:r>
+            <a:r>
+              <a:rPr lang="en-US" sz="2400" b="1" i="1" u="sng" dirty="0" err="1">
+                <a:ln w="0"/>
+                <a:solidFill>
+                  <a:srgbClr val="FF0000"/>
+                </a:solidFill>
+                <a:effectLst>
+                  <a:outerShdw blurRad="38100" dist="19050" dir="2700000" algn="tl" rotWithShape="0">
+                    <a:schemeClr val="dk1">
+                      <a:alpha val="40000"/>
+                    </a:schemeClr>
+                  </a:outerShdw>
+                </a:effectLst>
+                <a:latin typeface="Kaiti TC" charset="-120"/>
+                <a:ea typeface="Kaiti TC" charset="-120"/>
+                <a:cs typeface="Kaiti TC" charset="-120"/>
+              </a:rPr>
+              <a:t>hello</a:t>
+            </a:r>
+            <a:r>
+              <a:rPr lang="en-US" sz="2400" b="1" i="1" u="sng" dirty="0" smtClean="0">
+                <a:ln w="0"/>
+                <a:solidFill>
+                  <a:srgbClr val="FF0000"/>
+                </a:solidFill>
+                <a:effectLst>
+                  <a:outerShdw blurRad="38100" dist="19050" dir="2700000" algn="tl" rotWithShape="0">
+                    <a:schemeClr val="dk1">
+                      <a:alpha val="40000"/>
+                    </a:schemeClr>
+                  </a:outerShdw>
+                </a:effectLst>
+                <a:latin typeface="Kaiti TC" charset="-120"/>
+                <a:ea typeface="Kaiti TC" charset="-120"/>
+                <a:cs typeface="Kaiti TC" charset="-120"/>
+              </a:rPr>
+              <a:t>/’, </a:t>
+            </a:r>
+            <a:r>
+              <a:rPr lang="en-US" sz="2400" b="1" i="1" u="sng" dirty="0">
+                <a:ln w="0"/>
+                <a:solidFill>
+                  <a:srgbClr val="FF0000"/>
+                </a:solidFill>
+                <a:effectLst>
+                  <a:outerShdw blurRad="38100" dist="19050" dir="2700000" algn="tl" rotWithShape="0">
+                    <a:schemeClr val="dk1">
+                      <a:alpha val="40000"/>
+                    </a:schemeClr>
+                  </a:outerShdw>
+                </a:effectLst>
+                <a:latin typeface="Kaiti TC" charset="-120"/>
+                <a:ea typeface="Kaiti TC" charset="-120"/>
+                <a:cs typeface="Kaiti TC" charset="-120"/>
+              </a:rPr>
+              <a:t>hello</a:t>
+            </a:r>
+            <a:r>
+              <a:rPr lang="en-US" sz="2400" b="1" i="1" u="sng" dirty="0" smtClean="0">
+                <a:ln w="0"/>
+                <a:solidFill>
+                  <a:srgbClr val="FF0000"/>
+                </a:solidFill>
+                <a:effectLst>
+                  <a:outerShdw blurRad="38100" dist="19050" dir="2700000" algn="tl" rotWithShape="0">
+                    <a:schemeClr val="dk1">
+                      <a:alpha val="40000"/>
+                    </a:schemeClr>
+                  </a:outerShdw>
+                </a:effectLst>
+                <a:latin typeface="Kaiti TC" charset="-120"/>
+                <a:ea typeface="Kaiti TC" charset="-120"/>
+                <a:cs typeface="Kaiti TC" charset="-120"/>
+              </a:rPr>
+              <a:t>), </a:t>
+            </a:r>
+            <a:r>
+              <a:rPr lang="en-US" dirty="0" smtClean="0">
+                <a:ln w="0"/>
+                <a:solidFill>
+                  <a:srgbClr val="FFC000"/>
+                </a:solidFill>
+                <a:effectLst>
+                  <a:outerShdw blurRad="38100" dist="19050" dir="2700000" algn="tl" rotWithShape="0">
+                    <a:schemeClr val="dk1">
+                      <a:alpha val="40000"/>
+                    </a:schemeClr>
+                  </a:outerShdw>
+                </a:effectLst>
+                <a:latin typeface="Kaiti TC" charset="-120"/>
+                <a:ea typeface="Kaiti TC" charset="-120"/>
+                <a:cs typeface="Kaiti TC" charset="-120"/>
+              </a:rPr>
+              <a:t>#</a:t>
+            </a:r>
+            <a:r>
+              <a:rPr lang="zh-CN" altLang="en-US" dirty="0" smtClean="0">
+                <a:ln w="0"/>
+                <a:solidFill>
+                  <a:srgbClr val="FFC000"/>
+                </a:solidFill>
+                <a:effectLst>
+                  <a:outerShdw blurRad="38100" dist="19050" dir="2700000" algn="tl" rotWithShape="0">
+                    <a:schemeClr val="dk1">
+                      <a:alpha val="40000"/>
+                    </a:schemeClr>
+                  </a:outerShdw>
+                </a:effectLst>
+                <a:latin typeface="Kaiti TC" charset="-120"/>
+                <a:ea typeface="Kaiti TC" charset="-120"/>
+                <a:cs typeface="Kaiti TC" charset="-120"/>
+              </a:rPr>
+              <a:t>或者 </a:t>
+            </a:r>
+            <a:r>
+              <a:rPr lang="en-US" altLang="zh-CN" dirty="0" err="1">
+                <a:ln w="0"/>
+                <a:solidFill>
+                  <a:srgbClr val="FFC000"/>
+                </a:solidFill>
+                <a:effectLst>
+                  <a:outerShdw blurRad="38100" dist="19050" dir="2700000" algn="tl" rotWithShape="0">
+                    <a:schemeClr val="dk1">
+                      <a:alpha val="40000"/>
+                    </a:schemeClr>
+                  </a:outerShdw>
+                </a:effectLst>
+                <a:latin typeface="Kaiti TC" charset="-120"/>
+                <a:ea typeface="Kaiti TC" charset="-120"/>
+                <a:cs typeface="Kaiti TC" charset="-120"/>
+              </a:rPr>
+              <a:t>url</a:t>
+            </a:r>
+            <a:r>
+              <a:rPr lang="en-US" dirty="0">
+                <a:ln w="0"/>
+                <a:solidFill>
+                  <a:srgbClr val="FFC000"/>
+                </a:solidFill>
+                <a:effectLst>
+                  <a:outerShdw blurRad="38100" dist="19050" dir="2700000" algn="tl" rotWithShape="0">
+                    <a:schemeClr val="dk1">
+                      <a:alpha val="40000"/>
+                    </a:schemeClr>
+                  </a:outerShdw>
+                </a:effectLst>
+                <a:latin typeface="Kaiti TC" charset="-120"/>
+                <a:ea typeface="Kaiti TC" charset="-120"/>
+                <a:cs typeface="Kaiti TC" charset="-120"/>
+              </a:rPr>
+              <a:t>(r‘^</a:t>
+            </a:r>
+            <a:r>
+              <a:rPr lang="en-US" dirty="0" smtClean="0">
+                <a:ln w="0"/>
+                <a:solidFill>
+                  <a:srgbClr val="FFC000"/>
+                </a:solidFill>
+                <a:effectLst>
+                  <a:outerShdw blurRad="38100" dist="19050" dir="2700000" algn="tl" rotWithShape="0">
+                    <a:schemeClr val="dk1">
+                      <a:alpha val="40000"/>
+                    </a:schemeClr>
+                  </a:outerShdw>
+                </a:effectLst>
+                <a:latin typeface="Kaiti TC" charset="-120"/>
+                <a:ea typeface="Kaiti TC" charset="-120"/>
+                <a:cs typeface="Kaiti TC" charset="-120"/>
+              </a:rPr>
+              <a:t>hell123/’, </a:t>
+            </a:r>
+            <a:r>
+              <a:rPr lang="en-US" dirty="0">
+                <a:ln w="0"/>
+                <a:solidFill>
+                  <a:srgbClr val="FFC000"/>
+                </a:solidFill>
+                <a:effectLst>
+                  <a:outerShdw blurRad="38100" dist="19050" dir="2700000" algn="tl" rotWithShape="0">
+                    <a:schemeClr val="dk1">
+                      <a:alpha val="40000"/>
+                    </a:schemeClr>
+                  </a:outerShdw>
+                </a:effectLst>
+                <a:latin typeface="Kaiti TC" charset="-120"/>
+                <a:ea typeface="Kaiti TC" charset="-120"/>
+                <a:cs typeface="Kaiti TC" charset="-120"/>
+              </a:rPr>
+              <a:t>hello), </a:t>
+            </a:r>
+            <a:endParaRPr lang="en-US" dirty="0" smtClean="0">
+              <a:ln w="0"/>
+              <a:solidFill>
+                <a:srgbClr val="FFC000"/>
+              </a:solidFill>
+              <a:effectLst>
+                <a:outerShdw blurRad="38100" dist="19050" dir="2700000" algn="tl" rotWithShape="0">
+                  <a:schemeClr val="dk1">
+                    <a:alpha val="40000"/>
+                  </a:schemeClr>
+                </a:outerShdw>
+              </a:effectLst>
+              <a:latin typeface="Kaiti TC" charset="-120"/>
+              <a:ea typeface="Kaiti TC" charset="-120"/>
+              <a:cs typeface="Kaiti TC" charset="-120"/>
+            </a:endParaRPr>
+          </a:p>
+          <a:p>
+            <a:r>
+              <a:rPr lang="en-US" altLang="zh-CN" dirty="0">
+                <a:ln w="0"/>
+                <a:solidFill>
+                  <a:srgbClr val="FFC000"/>
+                </a:solidFill>
+                <a:effectLst>
+                  <a:outerShdw blurRad="38100" dist="19050" dir="2700000" algn="tl" rotWithShape="0">
+                    <a:schemeClr val="dk1">
+                      <a:alpha val="40000"/>
+                    </a:schemeClr>
+                  </a:outerShdw>
+                </a:effectLst>
+                <a:latin typeface="Kaiti TC" charset="-120"/>
+                <a:ea typeface="Kaiti TC" charset="-120"/>
+                <a:cs typeface="Kaiti TC" charset="-120"/>
+              </a:rPr>
+              <a:t> </a:t>
+            </a:r>
+            <a:r>
+              <a:rPr lang="en-US" altLang="zh-CN" dirty="0" smtClean="0">
+                <a:ln w="0"/>
+                <a:solidFill>
+                  <a:srgbClr val="FFC000"/>
+                </a:solidFill>
+                <a:effectLst>
+                  <a:outerShdw blurRad="38100" dist="19050" dir="2700000" algn="tl" rotWithShape="0">
+                    <a:schemeClr val="dk1">
+                      <a:alpha val="40000"/>
+                    </a:schemeClr>
+                  </a:outerShdw>
+                </a:effectLst>
+                <a:latin typeface="Kaiti TC" charset="-120"/>
+                <a:ea typeface="Kaiti TC" charset="-120"/>
+                <a:cs typeface="Kaiti TC" charset="-120"/>
+              </a:rPr>
+              <a:t>    </a:t>
+            </a:r>
+            <a:r>
+              <a:rPr lang="zh-CN" altLang="en-US" dirty="0" smtClean="0">
+                <a:ln w="0"/>
+                <a:solidFill>
+                  <a:srgbClr val="FFC000"/>
+                </a:solidFill>
+                <a:effectLst>
+                  <a:outerShdw blurRad="38100" dist="19050" dir="2700000" algn="tl" rotWithShape="0">
+                    <a:schemeClr val="dk1">
+                      <a:alpha val="40000"/>
+                    </a:schemeClr>
+                  </a:outerShdw>
+                </a:effectLst>
+                <a:latin typeface="Kaiti TC" charset="-120"/>
+                <a:ea typeface="Kaiti TC" charset="-120"/>
+                <a:cs typeface="Kaiti TC" charset="-120"/>
+              </a:rPr>
+              <a:t>  </a:t>
+            </a:r>
+            <a:r>
+              <a:rPr lang="en-US" altLang="zh-CN" dirty="0" smtClean="0">
+                <a:ln w="0"/>
+                <a:solidFill>
+                  <a:srgbClr val="FFC000"/>
+                </a:solidFill>
+                <a:effectLst>
+                  <a:outerShdw blurRad="38100" dist="19050" dir="2700000" algn="tl" rotWithShape="0">
+                    <a:schemeClr val="dk1">
+                      <a:alpha val="40000"/>
+                    </a:schemeClr>
+                  </a:outerShdw>
+                </a:effectLst>
+                <a:latin typeface="Kaiti TC" charset="-120"/>
+                <a:ea typeface="Kaiti TC" charset="-120"/>
+                <a:cs typeface="Kaiti TC" charset="-120"/>
+              </a:rPr>
+              <a:t>#</a:t>
+            </a:r>
+            <a:r>
+              <a:rPr lang="zh-CN" altLang="en-US" dirty="0" smtClean="0">
+                <a:ln w="0"/>
+                <a:solidFill>
+                  <a:srgbClr val="FFC000"/>
+                </a:solidFill>
+                <a:effectLst>
+                  <a:outerShdw blurRad="38100" dist="19050" dir="2700000" algn="tl" rotWithShape="0">
+                    <a:schemeClr val="dk1">
+                      <a:alpha val="40000"/>
+                    </a:schemeClr>
+                  </a:outerShdw>
+                </a:effectLst>
+                <a:latin typeface="Kaiti TC" charset="-120"/>
+                <a:ea typeface="Kaiti TC" charset="-120"/>
+                <a:cs typeface="Kaiti TC" charset="-120"/>
+              </a:rPr>
+              <a:t> 也可以多加几个  </a:t>
+            </a:r>
+            <a:r>
+              <a:rPr lang="en-US" altLang="zh-CN" dirty="0" err="1" smtClean="0">
+                <a:ln w="0"/>
+                <a:solidFill>
+                  <a:srgbClr val="FFC000"/>
+                </a:solidFill>
+                <a:effectLst>
+                  <a:outerShdw blurRad="38100" dist="19050" dir="2700000" algn="tl" rotWithShape="0">
+                    <a:schemeClr val="dk1">
+                      <a:alpha val="40000"/>
+                    </a:schemeClr>
+                  </a:outerShdw>
+                </a:effectLst>
+                <a:latin typeface="Kaiti TC" charset="-120"/>
+                <a:ea typeface="Kaiti TC" charset="-120"/>
+                <a:cs typeface="Kaiti TC" charset="-120"/>
+              </a:rPr>
+              <a:t>url</a:t>
+            </a:r>
+            <a:r>
+              <a:rPr lang="en-US" dirty="0" smtClean="0">
+                <a:ln w="0"/>
+                <a:solidFill>
+                  <a:srgbClr val="FFC000"/>
+                </a:solidFill>
+                <a:effectLst>
+                  <a:outerShdw blurRad="38100" dist="19050" dir="2700000" algn="tl" rotWithShape="0">
+                    <a:schemeClr val="dk1">
+                      <a:alpha val="40000"/>
+                    </a:schemeClr>
+                  </a:outerShdw>
+                </a:effectLst>
+                <a:latin typeface="Kaiti TC" charset="-120"/>
+                <a:ea typeface="Kaiti TC" charset="-120"/>
+                <a:cs typeface="Kaiti TC" charset="-120"/>
+              </a:rPr>
+              <a:t>(r‘^</a:t>
+            </a:r>
+            <a:r>
+              <a:rPr lang="en-US" altLang="zh-CN" dirty="0" err="1" smtClean="0">
+                <a:ln w="0"/>
+                <a:solidFill>
+                  <a:srgbClr val="FFC000"/>
+                </a:solidFill>
+                <a:effectLst>
+                  <a:outerShdw blurRad="38100" dist="19050" dir="2700000" algn="tl" rotWithShape="0">
+                    <a:schemeClr val="dk1">
+                      <a:alpha val="40000"/>
+                    </a:schemeClr>
+                  </a:outerShdw>
+                </a:effectLst>
+                <a:latin typeface="Kaiti TC" charset="-120"/>
+                <a:ea typeface="Kaiti TC" charset="-120"/>
+                <a:cs typeface="Kaiti TC" charset="-120"/>
+              </a:rPr>
+              <a:t>wtf</a:t>
+            </a:r>
+            <a:r>
+              <a:rPr lang="en-US" dirty="0" smtClean="0">
+                <a:ln w="0"/>
+                <a:solidFill>
+                  <a:srgbClr val="FFC000"/>
+                </a:solidFill>
+                <a:effectLst>
+                  <a:outerShdw blurRad="38100" dist="19050" dir="2700000" algn="tl" rotWithShape="0">
+                    <a:schemeClr val="dk1">
+                      <a:alpha val="40000"/>
+                    </a:schemeClr>
+                  </a:outerShdw>
+                </a:effectLst>
+                <a:latin typeface="Kaiti TC" charset="-120"/>
+                <a:ea typeface="Kaiti TC" charset="-120"/>
+                <a:cs typeface="Kaiti TC" charset="-120"/>
+              </a:rPr>
+              <a:t>/’, </a:t>
+            </a:r>
+            <a:r>
+              <a:rPr lang="en-US" dirty="0">
+                <a:ln w="0"/>
+                <a:solidFill>
+                  <a:srgbClr val="FFC000"/>
+                </a:solidFill>
+                <a:effectLst>
+                  <a:outerShdw blurRad="38100" dist="19050" dir="2700000" algn="tl" rotWithShape="0">
+                    <a:schemeClr val="dk1">
+                      <a:alpha val="40000"/>
+                    </a:schemeClr>
+                  </a:outerShdw>
+                </a:effectLst>
+                <a:latin typeface="Kaiti TC" charset="-120"/>
+                <a:ea typeface="Kaiti TC" charset="-120"/>
+                <a:cs typeface="Kaiti TC" charset="-120"/>
+              </a:rPr>
+              <a:t>hello), </a:t>
+            </a:r>
+            <a:endParaRPr lang="en-US" altLang="zh-CN" dirty="0">
+              <a:ln w="0"/>
+              <a:solidFill>
+                <a:srgbClr val="FFC000"/>
+              </a:solidFill>
+              <a:effectLst>
+                <a:outerShdw blurRad="38100" dist="19050" dir="2700000" algn="tl" rotWithShape="0">
+                  <a:schemeClr val="dk1">
+                    <a:alpha val="40000"/>
+                  </a:schemeClr>
+                </a:outerShdw>
+              </a:effectLst>
+              <a:latin typeface="Kaiti TC" charset="-120"/>
+              <a:ea typeface="Kaiti TC" charset="-120"/>
+              <a:cs typeface="Kaiti TC" charset="-120"/>
+            </a:endParaRPr>
+          </a:p>
+          <a:p>
+            <a:r>
+              <a:rPr lang="zh-CN" altLang="en-US" sz="2400" dirty="0" smtClean="0">
+                <a:latin typeface="Kaiti TC" charset="-120"/>
+                <a:ea typeface="Kaiti TC" charset="-120"/>
+                <a:cs typeface="Kaiti TC" charset="-120"/>
+              </a:rPr>
+              <a:t> </a:t>
+            </a:r>
+            <a:r>
+              <a:rPr lang="en-US" altLang="zh-CN" sz="2400" dirty="0" smtClean="0">
+                <a:latin typeface="Kaiti TC" charset="-120"/>
+                <a:ea typeface="Kaiti TC" charset="-120"/>
+                <a:cs typeface="Kaiti TC" charset="-120"/>
+              </a:rPr>
+              <a:t> </a:t>
+            </a:r>
+            <a:r>
+              <a:rPr lang="zh-CN" altLang="en-US" sz="2400" dirty="0" smtClean="0">
+                <a:latin typeface="Kaiti TC" charset="-120"/>
+                <a:ea typeface="Kaiti TC" charset="-120"/>
+                <a:cs typeface="Kaiti TC" charset="-120"/>
+              </a:rPr>
+              <a:t>   </a:t>
+            </a:r>
+            <a:r>
+              <a:rPr lang="en-US" altLang="zh-CN" sz="2400" dirty="0" err="1" smtClean="0">
+                <a:latin typeface="Kaiti TC" charset="-120"/>
+                <a:ea typeface="Kaiti TC" charset="-120"/>
+                <a:cs typeface="Kaiti TC" charset="-120"/>
+              </a:rPr>
+              <a:t>url</a:t>
+            </a:r>
+            <a:r>
+              <a:rPr lang="en-US" altLang="zh-CN" sz="2400" dirty="0" smtClean="0">
+                <a:latin typeface="Kaiti TC" charset="-120"/>
+                <a:ea typeface="Kaiti TC" charset="-120"/>
+                <a:cs typeface="Kaiti TC" charset="-120"/>
+              </a:rPr>
+              <a:t>(</a:t>
+            </a:r>
+            <a:r>
+              <a:rPr lang="en-US" altLang="zh-CN" sz="2400" dirty="0" err="1" smtClean="0">
+                <a:latin typeface="Kaiti TC" charset="-120"/>
+                <a:ea typeface="Kaiti TC" charset="-120"/>
+                <a:cs typeface="Kaiti TC" charset="-120"/>
+              </a:rPr>
+              <a:t>r</a:t>
+            </a:r>
+            <a:r>
+              <a:rPr lang="en-US" altLang="zh-CN" sz="2400" dirty="0" err="1">
+                <a:latin typeface="Kaiti TC" charset="-120"/>
+                <a:ea typeface="Kaiti TC" charset="-120"/>
+                <a:cs typeface="Kaiti TC" charset="-120"/>
+              </a:rPr>
+              <a:t>'^admin</a:t>
+            </a:r>
+            <a:r>
+              <a:rPr lang="en-US" altLang="zh-CN" sz="2400" dirty="0">
+                <a:latin typeface="Kaiti TC" charset="-120"/>
+                <a:ea typeface="Kaiti TC" charset="-120"/>
+                <a:cs typeface="Kaiti TC" charset="-120"/>
+              </a:rPr>
+              <a:t>/', </a:t>
+            </a:r>
+            <a:r>
+              <a:rPr lang="en-US" altLang="zh-CN" sz="2400" dirty="0" err="1">
+                <a:latin typeface="Kaiti TC" charset="-120"/>
+                <a:ea typeface="Kaiti TC" charset="-120"/>
+                <a:cs typeface="Kaiti TC" charset="-120"/>
+              </a:rPr>
+              <a:t>admin.site.urls</a:t>
+            </a:r>
+            <a:r>
+              <a:rPr lang="en-US" altLang="zh-CN" sz="2400" dirty="0" smtClean="0">
+                <a:latin typeface="Kaiti TC" charset="-120"/>
+                <a:ea typeface="Kaiti TC" charset="-120"/>
+                <a:cs typeface="Kaiti TC" charset="-120"/>
+              </a:rPr>
+              <a:t>),</a:t>
+            </a:r>
+          </a:p>
+          <a:p>
+            <a:r>
+              <a:rPr lang="en-US" altLang="zh-CN" sz="2400" dirty="0" smtClean="0">
+                <a:latin typeface="Kaiti TC" charset="-120"/>
+                <a:ea typeface="Kaiti TC" charset="-120"/>
+                <a:cs typeface="Kaiti TC" charset="-120"/>
+              </a:rPr>
+              <a:t> ]</a:t>
+            </a:r>
+            <a:endParaRPr lang="en-US" altLang="zh-CN" sz="2400" dirty="0">
+              <a:latin typeface="Kaiti TC" charset="-120"/>
+              <a:ea typeface="Kaiti TC" charset="-120"/>
+              <a:cs typeface="Kaiti TC" charset="-120"/>
+            </a:endParaRPr>
+          </a:p>
+        </p:txBody>
+      </p:sp>
+      <p:sp>
+        <p:nvSpPr>
+          <p:cNvPr id="4" name="TextBox 3"/>
+          <p:cNvSpPr txBox="1"/>
+          <p:nvPr/>
+        </p:nvSpPr>
+        <p:spPr>
+          <a:xfrm>
+            <a:off x="7375301" y="4597757"/>
+            <a:ext cx="3571741" cy="923330"/>
+          </a:xfrm>
+          <a:prstGeom prst="rect">
+            <a:avLst/>
+          </a:prstGeom>
+          <a:noFill/>
+        </p:spPr>
+        <p:txBody>
+          <a:bodyPr wrap="square" rtlCol="0">
+            <a:spAutoFit/>
+          </a:bodyPr>
+          <a:lstStyle/>
+          <a:p>
+            <a:r>
+              <a:rPr lang="de-DE" dirty="0">
+                <a:hlinkClick r:id="rId2"/>
+              </a:rPr>
+              <a:t>http://</a:t>
+            </a:r>
+            <a:r>
+              <a:rPr lang="de-DE" dirty="0" smtClean="0">
+                <a:hlinkClick r:id="rId2"/>
+              </a:rPr>
+              <a:t>127.0.0.1:8000/hello/</a:t>
+            </a:r>
+            <a:endParaRPr lang="de-DE" dirty="0" smtClean="0"/>
+          </a:p>
+          <a:p>
+            <a:r>
+              <a:rPr lang="de-DE" dirty="0">
+                <a:hlinkClick r:id="rId2"/>
+              </a:rPr>
+              <a:t>http://</a:t>
+            </a:r>
+            <a:r>
+              <a:rPr lang="de-DE" dirty="0" smtClean="0">
+                <a:hlinkClick r:id="rId2"/>
+              </a:rPr>
+              <a:t>127.0.0.1:8000/hell123/</a:t>
+            </a:r>
+            <a:endParaRPr lang="de-DE" dirty="0" smtClean="0"/>
+          </a:p>
+          <a:p>
+            <a:r>
+              <a:rPr lang="de-DE" dirty="0">
+                <a:hlinkClick r:id="rId2"/>
+              </a:rPr>
+              <a:t>http://</a:t>
+            </a:r>
+            <a:r>
+              <a:rPr lang="de-DE" dirty="0" smtClean="0">
+                <a:hlinkClick r:id="rId2"/>
+              </a:rPr>
+              <a:t>127.0.0.1:8000/wtf/</a:t>
+            </a:r>
+            <a:endParaRPr lang="de-DE" dirty="0" smtClean="0"/>
+          </a:p>
+        </p:txBody>
+      </p:sp>
+    </p:spTree>
+    <p:extLst>
+      <p:ext uri="{BB962C8B-B14F-4D97-AF65-F5344CB8AC3E}">
+        <p14:creationId xmlns:p14="http://schemas.microsoft.com/office/powerpoint/2010/main" val="237581244"/>
+      </p:ext>
+    </p:extLst>
+  </p:cSld>
+  <p:clrMapOvr>
+    <a:masterClrMapping/>
+  </p:clrMapOvr>
+  <p:timing>
+    <p:tnLst>
+      <p:par>
+        <p:cTn id="1" dur="indefinite" restart="never" nodeType="tmRoot"/>
+      </p:par>
+    </p:tnLst>
+  </p:timing>
+</p:sld>
+</file>
+
+<file path=ppt/slides/slide16.xml><?xml version="1.0" encoding="utf-8"?>
+<p:sld xmlns:a="http://schemas.openxmlformats.org/drawingml/2006/main" xmlns:r="http://schemas.openxmlformats.org/officeDocument/2006/relationships" xmlns:p="http://schemas.openxmlformats.org/presentationml/2006/main">
+  <p:cSld>
+    <p:spTree>
+      <p:nvGrpSpPr>
+        <p:cNvPr id="1" name=""/>
+        <p:cNvGrpSpPr/>
+        <p:nvPr/>
+      </p:nvGrpSpPr>
+      <p:grpSpPr>
+        <a:xfrm>
+          <a:off x="0" y="0"/>
+          <a:ext cx="0" cy="0"/>
+          <a:chOff x="0" y="0"/>
+          <a:chExt cx="0" cy="0"/>
+        </a:xfrm>
+      </p:grpSpPr>
+      <p:sp>
+        <p:nvSpPr>
+          <p:cNvPr id="2" name="Title 1"/>
+          <p:cNvSpPr>
+            <a:spLocks noGrp="1"/>
+          </p:cNvSpPr>
+          <p:nvPr>
+            <p:ph type="title"/>
+          </p:nvPr>
+        </p:nvSpPr>
+        <p:spPr/>
+        <p:txBody>
+          <a:bodyPr/>
+          <a:lstStyle/>
+          <a:p>
+            <a:r>
+              <a:rPr lang="zh-CN" altLang="en-US" sz="6000" dirty="0"/>
+              <a:t>视图 </a:t>
+            </a:r>
+            <a:r>
+              <a:rPr lang="en-US" altLang="zh-CN" sz="6000" dirty="0"/>
+              <a:t>&amp;</a:t>
+            </a:r>
+            <a:r>
+              <a:rPr lang="zh-CN" altLang="en-US" sz="6000" dirty="0"/>
+              <a:t> </a:t>
+            </a:r>
+            <a:r>
+              <a:rPr lang="en-US" altLang="zh-CN" sz="6000" dirty="0" smtClean="0"/>
+              <a:t>URL</a:t>
+            </a:r>
+            <a:r>
+              <a:rPr lang="zh-CN" altLang="en-US" sz="6000" dirty="0"/>
+              <a:t> － </a:t>
+            </a:r>
+            <a:r>
+              <a:rPr lang="en-US" altLang="zh-CN" sz="6000" dirty="0"/>
+              <a:t>URL</a:t>
+            </a:r>
+            <a:r>
+              <a:rPr lang="zh-CN" altLang="en-US" sz="6000" dirty="0"/>
+              <a:t>部分</a:t>
+            </a:r>
+            <a:endParaRPr lang="en-US" sz="6000" dirty="0"/>
+          </a:p>
+        </p:txBody>
+      </p:sp>
+      <p:sp>
+        <p:nvSpPr>
+          <p:cNvPr id="3" name="Content Placeholder 2"/>
+          <p:cNvSpPr>
+            <a:spLocks noGrp="1"/>
+          </p:cNvSpPr>
+          <p:nvPr>
+            <p:ph idx="1"/>
+          </p:nvPr>
+        </p:nvSpPr>
+        <p:spPr/>
+        <p:txBody>
+          <a:bodyPr>
+            <a:normAutofit fontScale="92500" lnSpcReduction="10000"/>
+          </a:bodyPr>
+          <a:lstStyle/>
+          <a:p>
+            <a:r>
+              <a:rPr lang="zh-CN" altLang="en-US" sz="4400" dirty="0" smtClean="0">
+                <a:latin typeface="Kaiti TC" charset="-120"/>
+                <a:ea typeface="Kaiti TC" charset="-120"/>
+                <a:cs typeface="Kaiti TC" charset="-120"/>
+              </a:rPr>
+              <a:t> </a:t>
+            </a:r>
+            <a:r>
+              <a:rPr lang="zh-CN" altLang="en-US" sz="4400" dirty="0" smtClean="0">
+                <a:latin typeface="Kaiti TC" charset="-120"/>
+                <a:ea typeface="Kaiti TC" charset="-120"/>
+                <a:cs typeface="Kaiti TC" charset="-120"/>
+              </a:rPr>
+              <a:t>修改代码之后</a:t>
+            </a:r>
+            <a:endParaRPr lang="en-US" altLang="zh-CN" sz="4400" dirty="0" smtClean="0">
+              <a:latin typeface="Kaiti TC" charset="-120"/>
+              <a:ea typeface="Kaiti TC" charset="-120"/>
+              <a:cs typeface="Kaiti TC" charset="-120"/>
+            </a:endParaRPr>
+          </a:p>
+          <a:p>
+            <a:r>
+              <a:rPr lang="zh-CN" altLang="en-US" sz="4400" dirty="0" smtClean="0">
+                <a:latin typeface="Kaiti TC" charset="-120"/>
+                <a:ea typeface="Kaiti TC" charset="-120"/>
+                <a:cs typeface="Kaiti TC" charset="-120"/>
+              </a:rPr>
+              <a:t> 切换到目录</a:t>
+            </a:r>
+            <a:r>
+              <a:rPr lang="en-US" altLang="zh-CN" sz="4400" dirty="0" smtClean="0">
+                <a:latin typeface="Kaiti TC" charset="-120"/>
+                <a:ea typeface="Kaiti TC" charset="-120"/>
+                <a:cs typeface="Kaiti TC" charset="-120"/>
+              </a:rPr>
+              <a:t> </a:t>
+            </a:r>
+            <a:r>
+              <a:rPr lang="en-US" altLang="zh-CN" sz="4400" dirty="0" err="1" smtClean="0">
+                <a:latin typeface="Kaiti TC" charset="-120"/>
+                <a:ea typeface="Kaiti TC" charset="-120"/>
+                <a:cs typeface="Kaiti TC" charset="-120"/>
+              </a:rPr>
+              <a:t>mysite</a:t>
+            </a:r>
+            <a:endParaRPr lang="en-US" altLang="zh-CN" sz="4400" dirty="0" smtClean="0">
+              <a:latin typeface="Kaiti TC" charset="-120"/>
+              <a:ea typeface="Kaiti TC" charset="-120"/>
+              <a:cs typeface="Kaiti TC" charset="-120"/>
+            </a:endParaRPr>
+          </a:p>
+          <a:p>
+            <a:pPr lvl="1"/>
+            <a:r>
+              <a:rPr lang="zh-CN" altLang="en-US" sz="4200" dirty="0" smtClean="0">
+                <a:latin typeface="Kaiti TC" charset="-120"/>
+                <a:ea typeface="Kaiti TC" charset="-120"/>
+                <a:cs typeface="Kaiti TC" charset="-120"/>
+              </a:rPr>
+              <a:t> </a:t>
+            </a:r>
+            <a:r>
+              <a:rPr lang="en-US" sz="4200" dirty="0" smtClean="0"/>
+              <a:t>python </a:t>
+            </a:r>
+            <a:r>
+              <a:rPr lang="en-US" sz="4200" dirty="0" err="1"/>
+              <a:t>manage.py</a:t>
+            </a:r>
+            <a:r>
+              <a:rPr lang="en-US" sz="4200" dirty="0"/>
+              <a:t> </a:t>
+            </a:r>
+            <a:r>
+              <a:rPr lang="en-US" sz="4200" dirty="0" err="1" smtClean="0"/>
+              <a:t>runserver</a:t>
+            </a:r>
+            <a:endParaRPr lang="en-US" sz="4200" dirty="0" smtClean="0"/>
+          </a:p>
+          <a:p>
+            <a:r>
+              <a:rPr lang="zh-CN" altLang="en-US" sz="4400" dirty="0">
+                <a:latin typeface="Kaiti TC" charset="-120"/>
+                <a:ea typeface="Kaiti TC" charset="-120"/>
+                <a:cs typeface="Kaiti TC" charset="-120"/>
+              </a:rPr>
+              <a:t> </a:t>
+            </a:r>
+            <a:r>
+              <a:rPr lang="zh-CN" altLang="en-US" sz="4400" dirty="0" smtClean="0">
+                <a:latin typeface="Kaiti TC" charset="-120"/>
+                <a:ea typeface="Kaiti TC" charset="-120"/>
+                <a:cs typeface="Kaiti TC" charset="-120"/>
+              </a:rPr>
+              <a:t>再修改代码后不需要重新输上述代码，</a:t>
+            </a:r>
+            <a:r>
+              <a:rPr lang="en-US" altLang="zh-CN" sz="4400" dirty="0" err="1" smtClean="0">
+                <a:latin typeface="Kaiti TC" charset="-120"/>
+                <a:ea typeface="Kaiti TC" charset="-120"/>
+                <a:cs typeface="Kaiti TC" charset="-120"/>
+              </a:rPr>
+              <a:t>django</a:t>
+            </a:r>
+            <a:r>
+              <a:rPr lang="zh-CN" altLang="en-US" sz="4400" dirty="0" smtClean="0">
+                <a:latin typeface="Kaiti TC" charset="-120"/>
+                <a:ea typeface="Kaiti TC" charset="-120"/>
+                <a:cs typeface="Kaiti TC" charset="-120"/>
+              </a:rPr>
+              <a:t>自动监测、并重新载入</a:t>
+            </a:r>
+            <a:endParaRPr lang="en-US" sz="4400" dirty="0">
+              <a:latin typeface="Kaiti TC" charset="-120"/>
+              <a:ea typeface="Kaiti TC" charset="-120"/>
+              <a:cs typeface="Kaiti TC" charset="-120"/>
+            </a:endParaRPr>
+          </a:p>
+        </p:txBody>
+      </p:sp>
+    </p:spTree>
+    <p:extLst>
+      <p:ext uri="{BB962C8B-B14F-4D97-AF65-F5344CB8AC3E}">
+        <p14:creationId xmlns:p14="http://schemas.microsoft.com/office/powerpoint/2010/main" val="184704735"/>
+      </p:ext>
+    </p:extLst>
+  </p:cSld>
+  <p:clrMapOvr>
+    <a:masterClrMapping/>
+  </p:clrMapOvr>
+  <p:timing>
+    <p:tnLst>
+      <p:par>
+        <p:cTn id="1" dur="indefinite" restart="never" nodeType="tmRoot"/>
+      </p:par>
+    </p:tnLst>
+  </p:timing>
+</p:sld>
+</file>
+
+<file path=ppt/slides/slide17.xml><?xml version="1.0" encoding="utf-8"?>
+<p:sld xmlns:a="http://schemas.openxmlformats.org/drawingml/2006/main" xmlns:r="http://schemas.openxmlformats.org/officeDocument/2006/relationships" xmlns:p="http://schemas.openxmlformats.org/presentationml/2006/main">
+  <p:cSld>
+    <p:spTree>
+      <p:nvGrpSpPr>
+        <p:cNvPr id="1" name=""/>
+        <p:cNvGrpSpPr/>
+        <p:nvPr/>
+      </p:nvGrpSpPr>
+      <p:grpSpPr>
+        <a:xfrm>
+          <a:off x="0" y="0"/>
+          <a:ext cx="0" cy="0"/>
+          <a:chOff x="0" y="0"/>
+          <a:chExt cx="0" cy="0"/>
+        </a:xfrm>
+      </p:grpSpPr>
+      <p:sp>
+        <p:nvSpPr>
+          <p:cNvPr id="2" name="Title 1"/>
+          <p:cNvSpPr>
+            <a:spLocks noGrp="1"/>
+          </p:cNvSpPr>
+          <p:nvPr>
+            <p:ph type="title"/>
+          </p:nvPr>
+        </p:nvSpPr>
+        <p:spPr/>
+        <p:txBody>
+          <a:bodyPr/>
+          <a:lstStyle/>
+          <a:p>
+            <a:r>
+              <a:rPr lang="zh-CN" altLang="en-US" sz="6000" dirty="0"/>
+              <a:t>视图 </a:t>
+            </a:r>
+            <a:r>
+              <a:rPr lang="en-US" altLang="zh-CN" sz="6000" dirty="0"/>
+              <a:t>&amp;</a:t>
+            </a:r>
+            <a:r>
+              <a:rPr lang="zh-CN" altLang="en-US" sz="6000" dirty="0"/>
+              <a:t> </a:t>
+            </a:r>
+            <a:r>
+              <a:rPr lang="en-US" altLang="zh-CN" sz="6000" dirty="0" smtClean="0"/>
+              <a:t>URL</a:t>
+            </a:r>
+            <a:r>
+              <a:rPr lang="zh-CN" altLang="en-US" sz="6000" dirty="0" smtClean="0"/>
+              <a:t> － 带参数的</a:t>
+            </a:r>
+            <a:r>
+              <a:rPr lang="en-US" altLang="zh-CN" sz="6000" dirty="0" smtClean="0"/>
+              <a:t>URL</a:t>
+            </a:r>
+            <a:endParaRPr lang="en-US" sz="6000" dirty="0"/>
+          </a:p>
+        </p:txBody>
+      </p:sp>
+      <p:sp>
+        <p:nvSpPr>
+          <p:cNvPr id="3" name="Content Placeholder 2"/>
+          <p:cNvSpPr>
+            <a:spLocks noGrp="1"/>
+          </p:cNvSpPr>
+          <p:nvPr>
+            <p:ph idx="1"/>
+          </p:nvPr>
+        </p:nvSpPr>
+        <p:spPr>
+          <a:xfrm>
+            <a:off x="818712" y="2222287"/>
+            <a:ext cx="6573761" cy="4352684"/>
+          </a:xfrm>
+        </p:spPr>
+        <p:txBody>
+          <a:bodyPr>
+            <a:normAutofit lnSpcReduction="10000"/>
+          </a:bodyPr>
+          <a:lstStyle/>
+          <a:p>
+            <a:r>
+              <a:rPr lang="zh-CN" altLang="en-US" sz="2400" dirty="0" smtClean="0">
+                <a:latin typeface="Kaiti TC" charset="-120"/>
+                <a:ea typeface="Kaiti TC" charset="-120"/>
+                <a:cs typeface="Kaiti TC" charset="-120"/>
+              </a:rPr>
+              <a:t> 改之后 </a:t>
+            </a:r>
+            <a:r>
+              <a:rPr lang="en-US" altLang="zh-CN" sz="2400" dirty="0" err="1" smtClean="0">
+                <a:latin typeface="Kaiti TC" charset="-120"/>
+                <a:ea typeface="Kaiti TC" charset="-120"/>
+                <a:cs typeface="Kaiti TC" charset="-120"/>
+              </a:rPr>
+              <a:t>urls.py</a:t>
+            </a:r>
+            <a:r>
+              <a:rPr lang="zh-CN" altLang="en-US" sz="2400" dirty="0" smtClean="0">
+                <a:latin typeface="Kaiti TC" charset="-120"/>
+                <a:ea typeface="Kaiti TC" charset="-120"/>
+                <a:cs typeface="Kaiti TC" charset="-120"/>
+              </a:rPr>
+              <a:t>的代码</a:t>
+            </a:r>
+            <a:endParaRPr lang="en-US" altLang="zh-CN" sz="2400" dirty="0" smtClean="0">
+              <a:latin typeface="Kaiti TC" charset="-120"/>
+              <a:ea typeface="Kaiti TC" charset="-120"/>
+              <a:cs typeface="Kaiti TC" charset="-120"/>
+            </a:endParaRPr>
+          </a:p>
+          <a:p>
+            <a:r>
+              <a:rPr lang="en-US" altLang="zh-CN" sz="2400" dirty="0" smtClean="0">
+                <a:latin typeface="Kaiti TC" charset="-120"/>
+                <a:ea typeface="Kaiti TC" charset="-120"/>
+                <a:cs typeface="Kaiti TC" charset="-120"/>
+              </a:rPr>
+              <a:t> from </a:t>
+            </a:r>
+            <a:r>
+              <a:rPr lang="en-US" altLang="zh-CN" sz="2400" dirty="0" err="1">
+                <a:latin typeface="Kaiti TC" charset="-120"/>
+                <a:ea typeface="Kaiti TC" charset="-120"/>
+                <a:cs typeface="Kaiti TC" charset="-120"/>
+              </a:rPr>
+              <a:t>django.conf.urls</a:t>
+            </a:r>
+            <a:r>
+              <a:rPr lang="en-US" altLang="zh-CN" sz="2400" dirty="0">
+                <a:latin typeface="Kaiti TC" charset="-120"/>
+                <a:ea typeface="Kaiti TC" charset="-120"/>
+                <a:cs typeface="Kaiti TC" charset="-120"/>
+              </a:rPr>
+              <a:t> import </a:t>
+            </a:r>
+            <a:r>
+              <a:rPr lang="en-US" altLang="zh-CN" sz="2400" dirty="0" err="1" smtClean="0">
+                <a:latin typeface="Kaiti TC" charset="-120"/>
+                <a:ea typeface="Kaiti TC" charset="-120"/>
+                <a:cs typeface="Kaiti TC" charset="-120"/>
+              </a:rPr>
+              <a:t>url</a:t>
+            </a:r>
+            <a:endParaRPr lang="en-US" altLang="zh-CN" sz="2400" dirty="0" smtClean="0">
+              <a:latin typeface="Kaiti TC" charset="-120"/>
+              <a:ea typeface="Kaiti TC" charset="-120"/>
+              <a:cs typeface="Kaiti TC" charset="-120"/>
+            </a:endParaRPr>
+          </a:p>
+          <a:p>
+            <a:r>
+              <a:rPr lang="en-US" altLang="zh-CN" sz="2400" dirty="0" smtClean="0">
+                <a:latin typeface="Kaiti TC" charset="-120"/>
+                <a:ea typeface="Kaiti TC" charset="-120"/>
+                <a:cs typeface="Kaiti TC" charset="-120"/>
+              </a:rPr>
+              <a:t> from </a:t>
+            </a:r>
+            <a:r>
+              <a:rPr lang="en-US" altLang="zh-CN" sz="2400" dirty="0" err="1">
+                <a:latin typeface="Kaiti TC" charset="-120"/>
+                <a:ea typeface="Kaiti TC" charset="-120"/>
+                <a:cs typeface="Kaiti TC" charset="-120"/>
+              </a:rPr>
+              <a:t>django.contrib</a:t>
+            </a:r>
+            <a:r>
+              <a:rPr lang="en-US" altLang="zh-CN" sz="2400" dirty="0">
+                <a:latin typeface="Kaiti TC" charset="-120"/>
+                <a:ea typeface="Kaiti TC" charset="-120"/>
+                <a:cs typeface="Kaiti TC" charset="-120"/>
+              </a:rPr>
+              <a:t> import </a:t>
+            </a:r>
+            <a:r>
+              <a:rPr lang="en-US" altLang="zh-CN" sz="2400" dirty="0" smtClean="0">
+                <a:latin typeface="Kaiti TC" charset="-120"/>
+                <a:ea typeface="Kaiti TC" charset="-120"/>
+                <a:cs typeface="Kaiti TC" charset="-120"/>
+              </a:rPr>
+              <a:t>admin</a:t>
+            </a:r>
+          </a:p>
+          <a:p>
+            <a:r>
+              <a:rPr lang="en-US" altLang="zh-CN" sz="2400" dirty="0" smtClean="0">
+                <a:latin typeface="Kaiti TC" charset="-120"/>
+                <a:ea typeface="Kaiti TC" charset="-120"/>
+                <a:cs typeface="Kaiti TC" charset="-120"/>
+              </a:rPr>
+              <a:t> from </a:t>
+            </a:r>
+            <a:r>
+              <a:rPr lang="en-US" altLang="zh-CN" sz="2400" dirty="0" err="1" smtClean="0">
+                <a:latin typeface="Kaiti TC" charset="-120"/>
+                <a:ea typeface="Kaiti TC" charset="-120"/>
+                <a:cs typeface="Kaiti TC" charset="-120"/>
+              </a:rPr>
+              <a:t>mysite.views</a:t>
+            </a:r>
+            <a:r>
+              <a:rPr lang="en-US" altLang="zh-CN" sz="2400" dirty="0" smtClean="0">
+                <a:latin typeface="Kaiti TC" charset="-120"/>
+                <a:ea typeface="Kaiti TC" charset="-120"/>
+                <a:cs typeface="Kaiti TC" charset="-120"/>
+              </a:rPr>
+              <a:t> import hello, </a:t>
+            </a:r>
+            <a:r>
+              <a:rPr lang="en-US" altLang="zh-CN" sz="2400" b="1" i="1" u="sng" dirty="0" err="1" smtClean="0">
+                <a:solidFill>
+                  <a:srgbClr val="FF0000"/>
+                </a:solidFill>
+                <a:latin typeface="Kaiti TC" charset="-120"/>
+                <a:ea typeface="Kaiti TC" charset="-120"/>
+                <a:cs typeface="Kaiti TC" charset="-120"/>
+              </a:rPr>
+              <a:t>time_ahead</a:t>
+            </a:r>
+            <a:endParaRPr lang="en-US" altLang="zh-CN" sz="2400" b="1" i="1" u="sng" dirty="0" smtClean="0">
+              <a:solidFill>
+                <a:srgbClr val="FF0000"/>
+              </a:solidFill>
+              <a:latin typeface="Kaiti TC" charset="-120"/>
+              <a:ea typeface="Kaiti TC" charset="-120"/>
+              <a:cs typeface="Kaiti TC" charset="-120"/>
+            </a:endParaRPr>
+          </a:p>
+          <a:p>
+            <a:r>
+              <a:rPr lang="en-US" altLang="zh-CN" sz="2400" dirty="0" smtClean="0">
+                <a:latin typeface="Kaiti TC" charset="-120"/>
+                <a:ea typeface="Kaiti TC" charset="-120"/>
+                <a:cs typeface="Kaiti TC" charset="-120"/>
+              </a:rPr>
+              <a:t> </a:t>
+            </a:r>
+            <a:r>
+              <a:rPr lang="en-US" altLang="zh-CN" sz="2400" dirty="0" err="1" smtClean="0">
+                <a:latin typeface="Kaiti TC" charset="-120"/>
+                <a:ea typeface="Kaiti TC" charset="-120"/>
+                <a:cs typeface="Kaiti TC" charset="-120"/>
+              </a:rPr>
+              <a:t>urlpatterns</a:t>
+            </a:r>
+            <a:r>
+              <a:rPr lang="en-US" altLang="zh-CN" sz="2400" dirty="0" smtClean="0">
+                <a:latin typeface="Kaiti TC" charset="-120"/>
+                <a:ea typeface="Kaiti TC" charset="-120"/>
+                <a:cs typeface="Kaiti TC" charset="-120"/>
+              </a:rPr>
+              <a:t> </a:t>
+            </a:r>
+            <a:r>
+              <a:rPr lang="en-US" altLang="zh-CN" sz="2400" dirty="0">
+                <a:latin typeface="Kaiti TC" charset="-120"/>
+                <a:ea typeface="Kaiti TC" charset="-120"/>
+                <a:cs typeface="Kaiti TC" charset="-120"/>
+              </a:rPr>
+              <a:t>= </a:t>
+            </a:r>
+            <a:r>
+              <a:rPr lang="en-US" altLang="zh-CN" sz="2400" dirty="0" smtClean="0">
+                <a:latin typeface="Kaiti TC" charset="-120"/>
+                <a:ea typeface="Kaiti TC" charset="-120"/>
+                <a:cs typeface="Kaiti TC" charset="-120"/>
+              </a:rPr>
+              <a:t>[</a:t>
+            </a:r>
+          </a:p>
+          <a:p>
+            <a:r>
+              <a:rPr lang="en-US" altLang="zh-CN" sz="2400" dirty="0">
+                <a:latin typeface="Kaiti TC" charset="-120"/>
+                <a:ea typeface="Kaiti TC" charset="-120"/>
+                <a:cs typeface="Kaiti TC" charset="-120"/>
+              </a:rPr>
+              <a:t> </a:t>
+            </a:r>
+            <a:r>
+              <a:rPr lang="en-US" altLang="zh-CN" sz="2400" dirty="0" smtClean="0">
+                <a:latin typeface="Kaiti TC" charset="-120"/>
+                <a:ea typeface="Kaiti TC" charset="-120"/>
+                <a:cs typeface="Kaiti TC" charset="-120"/>
+              </a:rPr>
+              <a:t>    </a:t>
+            </a:r>
+            <a:r>
+              <a:rPr lang="en-US" altLang="zh-CN" sz="2400" dirty="0" err="1" smtClean="0">
+                <a:ln w="0"/>
+                <a:effectLst>
+                  <a:outerShdw blurRad="38100" dist="19050" dir="2700000" algn="tl" rotWithShape="0">
+                    <a:schemeClr val="dk1">
+                      <a:alpha val="40000"/>
+                    </a:schemeClr>
+                  </a:outerShdw>
+                </a:effectLst>
+                <a:latin typeface="Kaiti TC" charset="-120"/>
+                <a:ea typeface="Kaiti TC" charset="-120"/>
+                <a:cs typeface="Kaiti TC" charset="-120"/>
+              </a:rPr>
+              <a:t>url</a:t>
+            </a:r>
+            <a:r>
+              <a:rPr lang="en-US" sz="2400" dirty="0" smtClean="0">
+                <a:ln w="0"/>
+                <a:effectLst>
+                  <a:outerShdw blurRad="38100" dist="19050" dir="2700000" algn="tl" rotWithShape="0">
+                    <a:schemeClr val="dk1">
+                      <a:alpha val="40000"/>
+                    </a:schemeClr>
+                  </a:outerShdw>
+                </a:effectLst>
+                <a:latin typeface="Kaiti TC" charset="-120"/>
+                <a:ea typeface="Kaiti TC" charset="-120"/>
+                <a:cs typeface="Kaiti TC" charset="-120"/>
+              </a:rPr>
+              <a:t>(</a:t>
+            </a:r>
+            <a:r>
+              <a:rPr lang="en-US" sz="2400" dirty="0" err="1" smtClean="0">
+                <a:ln w="0"/>
+                <a:effectLst>
+                  <a:outerShdw blurRad="38100" dist="19050" dir="2700000" algn="tl" rotWithShape="0">
+                    <a:schemeClr val="dk1">
+                      <a:alpha val="40000"/>
+                    </a:schemeClr>
+                  </a:outerShdw>
+                </a:effectLst>
+                <a:latin typeface="Kaiti TC" charset="-120"/>
+                <a:ea typeface="Kaiti TC" charset="-120"/>
+                <a:cs typeface="Kaiti TC" charset="-120"/>
+              </a:rPr>
+              <a:t>r‘^</a:t>
+            </a:r>
+            <a:r>
+              <a:rPr lang="en-US" sz="2400" dirty="0" err="1">
+                <a:ln w="0"/>
+                <a:effectLst>
+                  <a:outerShdw blurRad="38100" dist="19050" dir="2700000" algn="tl" rotWithShape="0">
+                    <a:schemeClr val="dk1">
+                      <a:alpha val="40000"/>
+                    </a:schemeClr>
+                  </a:outerShdw>
+                </a:effectLst>
+                <a:latin typeface="Kaiti TC" charset="-120"/>
+                <a:ea typeface="Kaiti TC" charset="-120"/>
+                <a:cs typeface="Kaiti TC" charset="-120"/>
+              </a:rPr>
+              <a:t>hello</a:t>
+            </a:r>
+            <a:r>
+              <a:rPr lang="en-US" sz="2400" dirty="0" smtClean="0">
+                <a:ln w="0"/>
+                <a:effectLst>
+                  <a:outerShdw blurRad="38100" dist="19050" dir="2700000" algn="tl" rotWithShape="0">
+                    <a:schemeClr val="dk1">
+                      <a:alpha val="40000"/>
+                    </a:schemeClr>
+                  </a:outerShdw>
+                </a:effectLst>
+                <a:latin typeface="Kaiti TC" charset="-120"/>
+                <a:ea typeface="Kaiti TC" charset="-120"/>
+                <a:cs typeface="Kaiti TC" charset="-120"/>
+              </a:rPr>
+              <a:t>/’, hello),</a:t>
+            </a:r>
+          </a:p>
+          <a:p>
+            <a:r>
+              <a:rPr lang="zh-CN" altLang="en-US" sz="2400" dirty="0" smtClean="0">
+                <a:latin typeface="Kaiti TC" charset="-120"/>
+                <a:ea typeface="Kaiti TC" charset="-120"/>
+                <a:cs typeface="Kaiti TC" charset="-120"/>
+              </a:rPr>
+              <a:t> </a:t>
+            </a:r>
+            <a:r>
+              <a:rPr lang="en-US" altLang="zh-CN" sz="2400" dirty="0" smtClean="0">
+                <a:latin typeface="Kaiti TC" charset="-120"/>
+                <a:ea typeface="Kaiti TC" charset="-120"/>
+                <a:cs typeface="Kaiti TC" charset="-120"/>
+              </a:rPr>
+              <a:t> </a:t>
+            </a:r>
+            <a:r>
+              <a:rPr lang="zh-CN" altLang="en-US" sz="2400" dirty="0" smtClean="0">
+                <a:latin typeface="Kaiti TC" charset="-120"/>
+                <a:ea typeface="Kaiti TC" charset="-120"/>
+                <a:cs typeface="Kaiti TC" charset="-120"/>
+              </a:rPr>
+              <a:t>   </a:t>
+            </a:r>
+            <a:r>
+              <a:rPr lang="en-US" altLang="zh-CN" sz="2400" dirty="0" err="1" smtClean="0">
+                <a:latin typeface="Kaiti TC" charset="-120"/>
+                <a:ea typeface="Kaiti TC" charset="-120"/>
+                <a:cs typeface="Kaiti TC" charset="-120"/>
+              </a:rPr>
+              <a:t>url</a:t>
+            </a:r>
+            <a:r>
+              <a:rPr lang="en-US" altLang="zh-CN" sz="2400" dirty="0" smtClean="0">
+                <a:latin typeface="Kaiti TC" charset="-120"/>
+                <a:ea typeface="Kaiti TC" charset="-120"/>
+                <a:cs typeface="Kaiti TC" charset="-120"/>
+              </a:rPr>
+              <a:t>(</a:t>
+            </a:r>
+            <a:r>
+              <a:rPr lang="en-US" altLang="zh-CN" sz="2400" dirty="0" err="1" smtClean="0">
+                <a:latin typeface="Kaiti TC" charset="-120"/>
+                <a:ea typeface="Kaiti TC" charset="-120"/>
+                <a:cs typeface="Kaiti TC" charset="-120"/>
+              </a:rPr>
+              <a:t>r</a:t>
+            </a:r>
+            <a:r>
+              <a:rPr lang="en-US" altLang="zh-CN" sz="2400" dirty="0" err="1">
+                <a:latin typeface="Kaiti TC" charset="-120"/>
+                <a:ea typeface="Kaiti TC" charset="-120"/>
+                <a:cs typeface="Kaiti TC" charset="-120"/>
+              </a:rPr>
+              <a:t>'^admin</a:t>
+            </a:r>
+            <a:r>
+              <a:rPr lang="en-US" altLang="zh-CN" sz="2400" dirty="0">
+                <a:latin typeface="Kaiti TC" charset="-120"/>
+                <a:ea typeface="Kaiti TC" charset="-120"/>
+                <a:cs typeface="Kaiti TC" charset="-120"/>
+              </a:rPr>
+              <a:t>/', </a:t>
+            </a:r>
+            <a:r>
+              <a:rPr lang="en-US" altLang="zh-CN" sz="2400" dirty="0" err="1">
+                <a:latin typeface="Kaiti TC" charset="-120"/>
+                <a:ea typeface="Kaiti TC" charset="-120"/>
+                <a:cs typeface="Kaiti TC" charset="-120"/>
+              </a:rPr>
+              <a:t>admin.site.urls</a:t>
+            </a:r>
+            <a:r>
+              <a:rPr lang="en-US" altLang="zh-CN" sz="2400" dirty="0" smtClean="0">
+                <a:latin typeface="Kaiti TC" charset="-120"/>
+                <a:ea typeface="Kaiti TC" charset="-120"/>
+                <a:cs typeface="Kaiti TC" charset="-120"/>
+              </a:rPr>
+              <a:t>),</a:t>
+            </a:r>
+          </a:p>
+          <a:p>
+            <a:r>
+              <a:rPr lang="en-US" altLang="zh-CN" sz="2400" dirty="0" smtClean="0">
+                <a:latin typeface="Kaiti TC" charset="-120"/>
+                <a:ea typeface="Kaiti TC" charset="-120"/>
+                <a:cs typeface="Kaiti TC" charset="-120"/>
+              </a:rPr>
+              <a:t>     </a:t>
+            </a:r>
+            <a:r>
+              <a:rPr lang="en-US" altLang="zh-CN" sz="2400" b="1" i="1" u="sng" dirty="0" err="1">
+                <a:solidFill>
+                  <a:srgbClr val="FF0000"/>
+                </a:solidFill>
+                <a:latin typeface="Kaiti TC" charset="-120"/>
+                <a:ea typeface="Kaiti TC" charset="-120"/>
+                <a:cs typeface="Kaiti TC" charset="-120"/>
+              </a:rPr>
+              <a:t>url</a:t>
+            </a:r>
+            <a:r>
+              <a:rPr lang="en-US" altLang="zh-CN" sz="2400" b="1" i="1" u="sng" dirty="0">
+                <a:solidFill>
+                  <a:srgbClr val="FF0000"/>
+                </a:solidFill>
+                <a:latin typeface="Kaiti TC" charset="-120"/>
+                <a:ea typeface="Kaiti TC" charset="-120"/>
+                <a:cs typeface="Kaiti TC" charset="-120"/>
+              </a:rPr>
+              <a:t>(</a:t>
+            </a:r>
+            <a:r>
+              <a:rPr lang="en-US" altLang="zh-CN" sz="2400" b="1" i="1" u="sng" dirty="0" err="1">
+                <a:solidFill>
+                  <a:srgbClr val="FF0000"/>
+                </a:solidFill>
+                <a:latin typeface="Kaiti TC" charset="-120"/>
+                <a:ea typeface="Kaiti TC" charset="-120"/>
+                <a:cs typeface="Kaiti TC" charset="-120"/>
+              </a:rPr>
+              <a:t>r</a:t>
+            </a:r>
+            <a:r>
+              <a:rPr lang="en-US" altLang="zh-CN" sz="2400" b="1" i="1" u="sng" dirty="0" err="1" smtClean="0">
+                <a:solidFill>
+                  <a:srgbClr val="FF0000"/>
+                </a:solidFill>
+                <a:latin typeface="Kaiti TC" charset="-120"/>
+                <a:ea typeface="Kaiti TC" charset="-120"/>
+                <a:cs typeface="Kaiti TC" charset="-120"/>
+              </a:rPr>
+              <a:t>'^time</a:t>
+            </a:r>
+            <a:r>
+              <a:rPr lang="en-US" altLang="zh-CN" sz="2400" b="1" i="1" u="sng" dirty="0" smtClean="0">
+                <a:solidFill>
+                  <a:srgbClr val="FF0000"/>
+                </a:solidFill>
+                <a:latin typeface="Kaiti TC" charset="-120"/>
+                <a:ea typeface="Kaiti TC" charset="-120"/>
+                <a:cs typeface="Kaiti TC" charset="-120"/>
+              </a:rPr>
+              <a:t>/plus/(\d+/)$', </a:t>
+            </a:r>
+            <a:r>
+              <a:rPr lang="en-US" altLang="zh-CN" sz="2400" b="1" i="1" u="sng" dirty="0" err="1" smtClean="0">
+                <a:solidFill>
+                  <a:srgbClr val="FF0000"/>
+                </a:solidFill>
+                <a:latin typeface="Kaiti TC" charset="-120"/>
+                <a:ea typeface="Kaiti TC" charset="-120"/>
+                <a:cs typeface="Kaiti TC" charset="-120"/>
+              </a:rPr>
+              <a:t>time_ahead</a:t>
+            </a:r>
+            <a:r>
+              <a:rPr lang="en-US" altLang="zh-CN" sz="2400" b="1" i="1" u="sng" dirty="0" smtClean="0">
+                <a:solidFill>
+                  <a:srgbClr val="FF0000"/>
+                </a:solidFill>
+                <a:latin typeface="Kaiti TC" charset="-120"/>
+                <a:ea typeface="Kaiti TC" charset="-120"/>
+                <a:cs typeface="Kaiti TC" charset="-120"/>
+              </a:rPr>
+              <a:t>),</a:t>
+            </a:r>
+          </a:p>
+          <a:p>
+            <a:r>
+              <a:rPr lang="en-US" altLang="zh-CN" sz="2400" dirty="0" smtClean="0">
+                <a:latin typeface="Kaiti TC" charset="-120"/>
+                <a:ea typeface="Kaiti TC" charset="-120"/>
+                <a:cs typeface="Kaiti TC" charset="-120"/>
+              </a:rPr>
+              <a:t> ]</a:t>
+            </a:r>
+            <a:endParaRPr lang="en-US" altLang="zh-CN" sz="2400" dirty="0">
+              <a:latin typeface="Kaiti TC" charset="-120"/>
+              <a:ea typeface="Kaiti TC" charset="-120"/>
+              <a:cs typeface="Kaiti TC" charset="-120"/>
+            </a:endParaRPr>
+          </a:p>
+        </p:txBody>
+      </p:sp>
+    </p:spTree>
+    <p:extLst>
+      <p:ext uri="{BB962C8B-B14F-4D97-AF65-F5344CB8AC3E}">
+        <p14:creationId xmlns:p14="http://schemas.microsoft.com/office/powerpoint/2010/main" val="1569780829"/>
+      </p:ext>
+    </p:extLst>
+  </p:cSld>
+  <p:clrMapOvr>
+    <a:masterClrMapping/>
+  </p:clrMapOvr>
+  <p:timing>
+    <p:tnLst>
+      <p:par>
+        <p:cTn id="1" dur="indefinite" restart="never" nodeType="tmRoot"/>
+      </p:par>
+    </p:tnLst>
+  </p:timing>
+</p:sld>
+</file>
+
+<file path=ppt/slides/slide18.xml><?xml version="1.0" encoding="utf-8"?>
+<p:sld xmlns:a="http://schemas.openxmlformats.org/drawingml/2006/main" xmlns:r="http://schemas.openxmlformats.org/officeDocument/2006/relationships" xmlns:p="http://schemas.openxmlformats.org/presentationml/2006/main">
+  <p:cSld>
+    <p:spTree>
+      <p:nvGrpSpPr>
+        <p:cNvPr id="1" name=""/>
+        <p:cNvGrpSpPr/>
+        <p:nvPr/>
+      </p:nvGrpSpPr>
+      <p:grpSpPr>
+        <a:xfrm>
+          <a:off x="0" y="0"/>
+          <a:ext cx="0" cy="0"/>
+          <a:chOff x="0" y="0"/>
+          <a:chExt cx="0" cy="0"/>
+        </a:xfrm>
+      </p:grpSpPr>
+      <p:sp>
+        <p:nvSpPr>
+          <p:cNvPr id="2" name="Title 1"/>
+          <p:cNvSpPr>
+            <a:spLocks noGrp="1"/>
+          </p:cNvSpPr>
+          <p:nvPr>
+            <p:ph type="title"/>
+          </p:nvPr>
+        </p:nvSpPr>
+        <p:spPr>
+          <a:xfrm>
+            <a:off x="332018" y="460067"/>
+            <a:ext cx="11527961" cy="970450"/>
+          </a:xfrm>
+        </p:spPr>
+        <p:txBody>
+          <a:bodyPr/>
+          <a:lstStyle/>
+          <a:p>
+            <a:r>
+              <a:rPr lang="zh-CN" altLang="en-US" sz="6000" dirty="0"/>
+              <a:t>视图 </a:t>
+            </a:r>
+            <a:r>
+              <a:rPr lang="en-US" altLang="zh-CN" sz="6000" dirty="0"/>
+              <a:t>&amp;</a:t>
+            </a:r>
+            <a:r>
+              <a:rPr lang="zh-CN" altLang="en-US" sz="6000" dirty="0"/>
+              <a:t> </a:t>
+            </a:r>
+            <a:r>
+              <a:rPr lang="en-US" altLang="zh-CN" sz="6000" dirty="0" smtClean="0"/>
+              <a:t>URL</a:t>
+            </a:r>
+            <a:r>
+              <a:rPr lang="zh-CN" altLang="en-US" sz="6000" dirty="0" smtClean="0"/>
+              <a:t> － </a:t>
+            </a:r>
+            <a:r>
+              <a:rPr lang="en-US" altLang="zh-CN" sz="6000" dirty="0" err="1" smtClean="0"/>
+              <a:t>time_ahead</a:t>
+            </a:r>
+            <a:r>
+              <a:rPr lang="zh-CN" altLang="en-US" sz="6000" dirty="0" smtClean="0"/>
+              <a:t> 视图</a:t>
+            </a:r>
+            <a:endParaRPr lang="en-US" sz="6000" dirty="0"/>
+          </a:p>
+        </p:txBody>
+      </p:sp>
+      <p:sp>
+        <p:nvSpPr>
+          <p:cNvPr id="6" name="Content Placeholder 2"/>
+          <p:cNvSpPr>
+            <a:spLocks noGrp="1"/>
+          </p:cNvSpPr>
+          <p:nvPr>
+            <p:ph idx="1"/>
+          </p:nvPr>
+        </p:nvSpPr>
+        <p:spPr>
+          <a:xfrm>
+            <a:off x="840001" y="2034556"/>
+            <a:ext cx="10511993" cy="4823444"/>
+          </a:xfrm>
+        </p:spPr>
+        <p:txBody>
+          <a:bodyPr>
+            <a:noAutofit/>
+          </a:bodyPr>
+          <a:lstStyle/>
+          <a:p>
+            <a:pPr lvl="1"/>
+            <a:r>
+              <a:rPr lang="zh-CN" altLang="en-US" sz="2000" dirty="0" smtClean="0">
+                <a:latin typeface="Kaiti TC" charset="-120"/>
+                <a:ea typeface="Kaiti TC" charset="-120"/>
+                <a:cs typeface="Kaiti TC" charset="-120"/>
+              </a:rPr>
+              <a:t> </a:t>
+            </a:r>
+            <a:r>
+              <a:rPr lang="en-US" sz="2000" dirty="0">
+                <a:latin typeface="Kaiti TC" charset="-120"/>
+                <a:ea typeface="Kaiti TC" charset="-120"/>
+                <a:cs typeface="Kaiti TC" charset="-120"/>
+              </a:rPr>
+              <a:t>from </a:t>
+            </a:r>
+            <a:r>
+              <a:rPr lang="en-US" sz="2000" dirty="0" err="1">
+                <a:latin typeface="Kaiti TC" charset="-120"/>
+                <a:ea typeface="Kaiti TC" charset="-120"/>
+                <a:cs typeface="Kaiti TC" charset="-120"/>
+              </a:rPr>
+              <a:t>django.http</a:t>
+            </a:r>
+            <a:r>
+              <a:rPr lang="en-US" sz="2000" dirty="0">
+                <a:latin typeface="Kaiti TC" charset="-120"/>
+                <a:ea typeface="Kaiti TC" charset="-120"/>
+                <a:cs typeface="Kaiti TC" charset="-120"/>
+              </a:rPr>
+              <a:t> import </a:t>
+            </a:r>
+            <a:r>
+              <a:rPr lang="en-US" sz="2000" dirty="0" err="1" smtClean="0">
+                <a:latin typeface="Kaiti TC" charset="-120"/>
+                <a:ea typeface="Kaiti TC" charset="-120"/>
+                <a:cs typeface="Kaiti TC" charset="-120"/>
+              </a:rPr>
+              <a:t>HttpResponse</a:t>
+            </a:r>
+            <a:r>
+              <a:rPr lang="en-US" sz="2000" b="1" u="sng" dirty="0" smtClean="0">
+                <a:solidFill>
+                  <a:srgbClr val="FF0000"/>
+                </a:solidFill>
+                <a:latin typeface="Kaiti TC" charset="-120"/>
+                <a:ea typeface="Kaiti TC" charset="-120"/>
+                <a:cs typeface="Kaiti TC" charset="-120"/>
+              </a:rPr>
+              <a:t>, Http404</a:t>
+            </a:r>
+            <a:endParaRPr lang="en-US" sz="2000" b="1" u="sng" dirty="0">
+              <a:solidFill>
+                <a:srgbClr val="FF0000"/>
+              </a:solidFill>
+              <a:latin typeface="Kaiti TC" charset="-120"/>
+              <a:ea typeface="Kaiti TC" charset="-120"/>
+              <a:cs typeface="Kaiti TC" charset="-120"/>
+            </a:endParaRPr>
+          </a:p>
+          <a:p>
+            <a:pPr lvl="1"/>
+            <a:r>
+              <a:rPr lang="zh-CN" altLang="en-US" sz="2000" dirty="0" smtClean="0">
+                <a:latin typeface="Kaiti TC" charset="-120"/>
+                <a:ea typeface="Kaiti TC" charset="-120"/>
+                <a:cs typeface="Kaiti TC" charset="-120"/>
+              </a:rPr>
+              <a:t> </a:t>
+            </a:r>
+            <a:r>
+              <a:rPr lang="en-US" sz="2000" dirty="0" err="1" smtClean="0">
+                <a:latin typeface="Kaiti TC" charset="-120"/>
+                <a:ea typeface="Kaiti TC" charset="-120"/>
+                <a:cs typeface="Kaiti TC" charset="-120"/>
+              </a:rPr>
+              <a:t>def</a:t>
+            </a:r>
+            <a:r>
+              <a:rPr lang="en-US" sz="2000" dirty="0" smtClean="0">
+                <a:latin typeface="Kaiti TC" charset="-120"/>
+                <a:ea typeface="Kaiti TC" charset="-120"/>
+                <a:cs typeface="Kaiti TC" charset="-120"/>
+              </a:rPr>
+              <a:t> </a:t>
+            </a:r>
+            <a:r>
+              <a:rPr lang="en-US" sz="2000" dirty="0">
+                <a:latin typeface="Kaiti TC" charset="-120"/>
+                <a:ea typeface="Kaiti TC" charset="-120"/>
+                <a:cs typeface="Kaiti TC" charset="-120"/>
+              </a:rPr>
+              <a:t>hello(request):</a:t>
+            </a:r>
+            <a:r>
+              <a:rPr lang="zh-CN" altLang="en-US" sz="2000" dirty="0">
+                <a:latin typeface="Kaiti TC" charset="-120"/>
+                <a:ea typeface="Kaiti TC" charset="-120"/>
+                <a:cs typeface="Kaiti TC" charset="-120"/>
+              </a:rPr>
+              <a:t> </a:t>
+            </a:r>
+            <a:endParaRPr lang="en-US" sz="2000" dirty="0">
+              <a:latin typeface="Kaiti TC" charset="-120"/>
+              <a:ea typeface="Kaiti TC" charset="-120"/>
+              <a:cs typeface="Kaiti TC" charset="-120"/>
+            </a:endParaRPr>
+          </a:p>
+          <a:p>
+            <a:pPr lvl="1"/>
+            <a:r>
+              <a:rPr lang="en-US" sz="2000" dirty="0">
+                <a:latin typeface="Kaiti TC" charset="-120"/>
+                <a:ea typeface="Kaiti TC" charset="-120"/>
+                <a:cs typeface="Kaiti TC" charset="-120"/>
+              </a:rPr>
+              <a:t>    </a:t>
+            </a:r>
+            <a:r>
+              <a:rPr lang="zh-CN" altLang="en-US" sz="2000" dirty="0">
+                <a:latin typeface="Kaiti TC" charset="-120"/>
+                <a:ea typeface="Kaiti TC" charset="-120"/>
+                <a:cs typeface="Kaiti TC" charset="-120"/>
+              </a:rPr>
+              <a:t> </a:t>
+            </a:r>
+            <a:r>
+              <a:rPr lang="zh-CN" altLang="en-US" sz="2000" dirty="0" smtClean="0">
+                <a:latin typeface="Kaiti TC" charset="-120"/>
+                <a:ea typeface="Kaiti TC" charset="-120"/>
+                <a:cs typeface="Kaiti TC" charset="-120"/>
+              </a:rPr>
+              <a:t> </a:t>
+            </a:r>
+            <a:r>
+              <a:rPr lang="en-US" sz="2000" dirty="0" smtClean="0">
+                <a:latin typeface="Kaiti TC" charset="-120"/>
+                <a:ea typeface="Kaiti TC" charset="-120"/>
+                <a:cs typeface="Kaiti TC" charset="-120"/>
+              </a:rPr>
+              <a:t>return </a:t>
+            </a:r>
+            <a:r>
+              <a:rPr lang="en-US" sz="2000" dirty="0" err="1">
+                <a:latin typeface="Kaiti TC" charset="-120"/>
+                <a:ea typeface="Kaiti TC" charset="-120"/>
+                <a:cs typeface="Kaiti TC" charset="-120"/>
+              </a:rPr>
+              <a:t>HttpResponse</a:t>
+            </a:r>
+            <a:r>
+              <a:rPr lang="en-US" sz="2000" dirty="0">
+                <a:latin typeface="Kaiti TC" charset="-120"/>
+                <a:ea typeface="Kaiti TC" charset="-120"/>
+                <a:cs typeface="Kaiti TC" charset="-120"/>
+              </a:rPr>
+              <a:t>(“Hello </a:t>
+            </a:r>
+            <a:r>
+              <a:rPr lang="en-US" sz="2000" dirty="0" smtClean="0">
+                <a:latin typeface="Kaiti TC" charset="-120"/>
+                <a:ea typeface="Kaiti TC" charset="-120"/>
+                <a:cs typeface="Kaiti TC" charset="-120"/>
+              </a:rPr>
+              <a:t>world”)</a:t>
+            </a:r>
+            <a:r>
+              <a:rPr lang="zh-CN" altLang="en-US" sz="2000" dirty="0" smtClean="0">
+                <a:latin typeface="Kaiti TC" charset="-120"/>
+                <a:ea typeface="Kaiti TC" charset="-120"/>
+                <a:cs typeface="Kaiti TC" charset="-120"/>
+              </a:rPr>
+              <a:t> </a:t>
+            </a:r>
+            <a:endParaRPr lang="en-US" altLang="zh-CN" sz="2000" dirty="0" smtClean="0">
+              <a:latin typeface="Kaiti TC" charset="-120"/>
+              <a:ea typeface="Kaiti TC" charset="-120"/>
+              <a:cs typeface="Kaiti TC" charset="-120"/>
+            </a:endParaRPr>
+          </a:p>
+          <a:p>
+            <a:pPr lvl="1"/>
+            <a:r>
+              <a:rPr lang="en-US" altLang="zh-CN" sz="2000" dirty="0" smtClean="0">
+                <a:latin typeface="Kaiti TC" charset="-120"/>
+                <a:ea typeface="Kaiti TC" charset="-120"/>
+                <a:cs typeface="Kaiti TC" charset="-120"/>
+              </a:rPr>
+              <a:t> </a:t>
+            </a:r>
+            <a:r>
+              <a:rPr lang="en-US" altLang="zh-CN" sz="2000" b="1" u="sng" dirty="0" err="1" smtClean="0">
+                <a:solidFill>
+                  <a:srgbClr val="FF0000"/>
+                </a:solidFill>
+                <a:latin typeface="Kaiti TC" charset="-120"/>
+                <a:ea typeface="Kaiti TC" charset="-120"/>
+                <a:cs typeface="Kaiti TC" charset="-120"/>
+              </a:rPr>
+              <a:t>def</a:t>
+            </a:r>
+            <a:r>
+              <a:rPr lang="en-US" altLang="zh-CN" sz="2000" b="1" u="sng" dirty="0" smtClean="0">
+                <a:solidFill>
+                  <a:srgbClr val="FF0000"/>
+                </a:solidFill>
+                <a:latin typeface="Kaiti TC" charset="-120"/>
+                <a:ea typeface="Kaiti TC" charset="-120"/>
+                <a:cs typeface="Kaiti TC" charset="-120"/>
+              </a:rPr>
+              <a:t> </a:t>
+            </a:r>
+            <a:r>
+              <a:rPr lang="en-US" altLang="zh-CN" sz="2000" b="1" u="sng" dirty="0" err="1" smtClean="0">
+                <a:solidFill>
+                  <a:srgbClr val="FF0000"/>
+                </a:solidFill>
+                <a:latin typeface="Kaiti TC" charset="-120"/>
+                <a:ea typeface="Kaiti TC" charset="-120"/>
+                <a:cs typeface="Kaiti TC" charset="-120"/>
+              </a:rPr>
+              <a:t>time_ahead</a:t>
+            </a:r>
+            <a:r>
+              <a:rPr lang="en-US" altLang="zh-CN" sz="2000" b="1" u="sng" dirty="0" smtClean="0">
+                <a:solidFill>
+                  <a:srgbClr val="FF0000"/>
+                </a:solidFill>
+                <a:latin typeface="Kaiti TC" charset="-120"/>
+                <a:ea typeface="Kaiti TC" charset="-120"/>
+                <a:cs typeface="Kaiti TC" charset="-120"/>
+              </a:rPr>
+              <a:t>(request, offset):</a:t>
+            </a:r>
+          </a:p>
+          <a:p>
+            <a:pPr lvl="1"/>
+            <a:r>
+              <a:rPr lang="en-US" altLang="zh-CN" sz="2000" b="1" dirty="0" smtClean="0">
+                <a:solidFill>
+                  <a:srgbClr val="FF0000"/>
+                </a:solidFill>
+                <a:latin typeface="Kaiti TC" charset="-120"/>
+                <a:ea typeface="Kaiti TC" charset="-120"/>
+                <a:cs typeface="Kaiti TC" charset="-120"/>
+              </a:rPr>
+              <a:t>      </a:t>
+            </a:r>
+            <a:r>
+              <a:rPr lang="en-US" sz="2000" b="1" u="sng" dirty="0">
+                <a:solidFill>
+                  <a:srgbClr val="FF0000"/>
+                </a:solidFill>
+                <a:latin typeface="Kaiti TC" charset="-120"/>
+                <a:ea typeface="Kaiti TC" charset="-120"/>
+                <a:cs typeface="Kaiti TC" charset="-120"/>
+              </a:rPr>
+              <a:t>try</a:t>
+            </a:r>
+            <a:r>
+              <a:rPr lang="en-US" sz="2000" b="1" u="sng" dirty="0" smtClean="0">
+                <a:solidFill>
+                  <a:srgbClr val="FF0000"/>
+                </a:solidFill>
+                <a:latin typeface="Kaiti TC" charset="-120"/>
+                <a:ea typeface="Kaiti TC" charset="-120"/>
+                <a:cs typeface="Kaiti TC" charset="-120"/>
+              </a:rPr>
+              <a:t>:  </a:t>
+            </a:r>
+          </a:p>
+          <a:p>
+            <a:pPr lvl="1"/>
+            <a:r>
+              <a:rPr lang="en-US" sz="2000" b="1" dirty="0" smtClean="0">
+                <a:solidFill>
+                  <a:srgbClr val="FF0000"/>
+                </a:solidFill>
+                <a:latin typeface="Kaiti TC" charset="-120"/>
+                <a:ea typeface="Kaiti TC" charset="-120"/>
+                <a:cs typeface="Kaiti TC" charset="-120"/>
+              </a:rPr>
+              <a:t>           </a:t>
+            </a:r>
+            <a:r>
+              <a:rPr lang="en-US" sz="2000" b="1" u="sng" dirty="0" smtClean="0">
+                <a:solidFill>
+                  <a:srgbClr val="FF0000"/>
+                </a:solidFill>
+                <a:latin typeface="Kaiti TC" charset="-120"/>
+                <a:ea typeface="Kaiti TC" charset="-120"/>
+                <a:cs typeface="Kaiti TC" charset="-120"/>
+              </a:rPr>
+              <a:t>offset </a:t>
+            </a:r>
+            <a:r>
+              <a:rPr lang="en-US" sz="2000" b="1" u="sng" dirty="0">
+                <a:solidFill>
+                  <a:srgbClr val="FF0000"/>
+                </a:solidFill>
+                <a:latin typeface="Kaiti TC" charset="-120"/>
+                <a:ea typeface="Kaiti TC" charset="-120"/>
+                <a:cs typeface="Kaiti TC" charset="-120"/>
+              </a:rPr>
+              <a:t>= </a:t>
+            </a:r>
+            <a:r>
+              <a:rPr lang="en-US" sz="2000" b="1" u="sng" dirty="0" err="1">
+                <a:solidFill>
+                  <a:srgbClr val="FF0000"/>
+                </a:solidFill>
+                <a:latin typeface="Kaiti TC" charset="-120"/>
+                <a:ea typeface="Kaiti TC" charset="-120"/>
+                <a:cs typeface="Kaiti TC" charset="-120"/>
+              </a:rPr>
+              <a:t>int</a:t>
+            </a:r>
+            <a:r>
+              <a:rPr lang="en-US" sz="2000" b="1" u="sng" dirty="0">
+                <a:solidFill>
+                  <a:srgbClr val="FF0000"/>
+                </a:solidFill>
+                <a:latin typeface="Kaiti TC" charset="-120"/>
+                <a:ea typeface="Kaiti TC" charset="-120"/>
+                <a:cs typeface="Kaiti TC" charset="-120"/>
+              </a:rPr>
+              <a:t>(offset)</a:t>
+            </a:r>
+          </a:p>
+          <a:p>
+            <a:pPr lvl="1"/>
+            <a:r>
+              <a:rPr lang="en-US" sz="2000" b="1" dirty="0" smtClean="0">
+                <a:solidFill>
+                  <a:srgbClr val="FF0000"/>
+                </a:solidFill>
+                <a:latin typeface="Kaiti TC" charset="-120"/>
+                <a:ea typeface="Kaiti TC" charset="-120"/>
+                <a:cs typeface="Kaiti TC" charset="-120"/>
+              </a:rPr>
+              <a:t>     </a:t>
+            </a:r>
+            <a:r>
+              <a:rPr lang="en-US" sz="2000" b="1" u="sng" dirty="0" smtClean="0">
+                <a:solidFill>
+                  <a:srgbClr val="FF0000"/>
+                </a:solidFill>
+                <a:latin typeface="Kaiti TC" charset="-120"/>
+                <a:ea typeface="Kaiti TC" charset="-120"/>
+                <a:cs typeface="Kaiti TC" charset="-120"/>
+              </a:rPr>
+              <a:t>except </a:t>
+            </a:r>
+            <a:r>
+              <a:rPr lang="en-US" sz="2000" b="1" u="sng" dirty="0" err="1" smtClean="0">
+                <a:solidFill>
+                  <a:srgbClr val="FF0000"/>
+                </a:solidFill>
+                <a:latin typeface="Kaiti TC" charset="-120"/>
+                <a:ea typeface="Kaiti TC" charset="-120"/>
+                <a:cs typeface="Kaiti TC" charset="-120"/>
+              </a:rPr>
+              <a:t>ValueError</a:t>
+            </a:r>
+            <a:r>
+              <a:rPr lang="en-US" sz="2000" b="1" u="sng" dirty="0" smtClean="0">
+                <a:solidFill>
+                  <a:srgbClr val="FF0000"/>
+                </a:solidFill>
+                <a:latin typeface="Kaiti TC" charset="-120"/>
+                <a:ea typeface="Kaiti TC" charset="-120"/>
+                <a:cs typeface="Kaiti TC" charset="-120"/>
+              </a:rPr>
+              <a:t>: </a:t>
+            </a:r>
+          </a:p>
+          <a:p>
+            <a:pPr lvl="1"/>
+            <a:r>
+              <a:rPr lang="en-US" sz="2000" b="1" dirty="0">
+                <a:solidFill>
+                  <a:srgbClr val="FF0000"/>
+                </a:solidFill>
+                <a:latin typeface="Kaiti TC" charset="-120"/>
+                <a:ea typeface="Kaiti TC" charset="-120"/>
+                <a:cs typeface="Kaiti TC" charset="-120"/>
+              </a:rPr>
+              <a:t> </a:t>
+            </a:r>
+            <a:r>
+              <a:rPr lang="en-US" sz="2000" b="1" dirty="0" smtClean="0">
+                <a:solidFill>
+                  <a:srgbClr val="FF0000"/>
+                </a:solidFill>
+                <a:latin typeface="Kaiti TC" charset="-120"/>
+                <a:ea typeface="Kaiti TC" charset="-120"/>
+                <a:cs typeface="Kaiti TC" charset="-120"/>
+              </a:rPr>
+              <a:t>          </a:t>
+            </a:r>
+            <a:r>
+              <a:rPr lang="en-US" sz="2000" b="1" u="sng" dirty="0" smtClean="0">
+                <a:solidFill>
+                  <a:srgbClr val="FF0000"/>
+                </a:solidFill>
+                <a:latin typeface="Kaiti TC" charset="-120"/>
+                <a:ea typeface="Kaiti TC" charset="-120"/>
+                <a:cs typeface="Kaiti TC" charset="-120"/>
+              </a:rPr>
+              <a:t>raise </a:t>
+            </a:r>
+            <a:r>
+              <a:rPr lang="en-US" sz="2000" b="1" u="sng" dirty="0">
+                <a:solidFill>
+                  <a:srgbClr val="FF0000"/>
+                </a:solidFill>
+                <a:latin typeface="Kaiti TC" charset="-120"/>
+                <a:ea typeface="Kaiti TC" charset="-120"/>
+                <a:cs typeface="Kaiti TC" charset="-120"/>
+              </a:rPr>
+              <a:t>Http404()</a:t>
+            </a:r>
+          </a:p>
+          <a:p>
+            <a:pPr lvl="1"/>
+            <a:r>
+              <a:rPr lang="en-US" sz="2000" b="1" dirty="0">
+                <a:solidFill>
+                  <a:srgbClr val="FF0000"/>
+                </a:solidFill>
+                <a:latin typeface="Kaiti TC" charset="-120"/>
+                <a:ea typeface="Kaiti TC" charset="-120"/>
+                <a:cs typeface="Kaiti TC" charset="-120"/>
+              </a:rPr>
+              <a:t>    </a:t>
+            </a:r>
+            <a:r>
+              <a:rPr lang="en-US" sz="2000" b="1" dirty="0" smtClean="0">
+                <a:solidFill>
+                  <a:srgbClr val="FF0000"/>
+                </a:solidFill>
+                <a:latin typeface="Kaiti TC" charset="-120"/>
+                <a:ea typeface="Kaiti TC" charset="-120"/>
+                <a:cs typeface="Kaiti TC" charset="-120"/>
+              </a:rPr>
+              <a:t> </a:t>
+            </a:r>
+            <a:r>
+              <a:rPr lang="en-US" sz="2000" b="1" u="sng" dirty="0" err="1" smtClean="0">
+                <a:solidFill>
+                  <a:srgbClr val="FF0000"/>
+                </a:solidFill>
+                <a:latin typeface="Kaiti TC" charset="-120"/>
+                <a:ea typeface="Kaiti TC" charset="-120"/>
+                <a:cs typeface="Kaiti TC" charset="-120"/>
+              </a:rPr>
+              <a:t>dt</a:t>
+            </a:r>
+            <a:r>
+              <a:rPr lang="en-US" sz="2000" b="1" u="sng" dirty="0" smtClean="0">
+                <a:solidFill>
+                  <a:srgbClr val="FF0000"/>
+                </a:solidFill>
+                <a:latin typeface="Kaiti TC" charset="-120"/>
+                <a:ea typeface="Kaiti TC" charset="-120"/>
+                <a:cs typeface="Kaiti TC" charset="-120"/>
+              </a:rPr>
+              <a:t> </a:t>
+            </a:r>
+            <a:r>
+              <a:rPr lang="en-US" sz="2000" b="1" u="sng" dirty="0">
+                <a:solidFill>
+                  <a:srgbClr val="FF0000"/>
+                </a:solidFill>
+                <a:latin typeface="Kaiti TC" charset="-120"/>
+                <a:ea typeface="Kaiti TC" charset="-120"/>
+                <a:cs typeface="Kaiti TC" charset="-120"/>
+              </a:rPr>
+              <a:t>= </a:t>
+            </a:r>
+            <a:r>
+              <a:rPr lang="en-US" sz="2000" b="1" u="sng" dirty="0" err="1">
+                <a:solidFill>
+                  <a:srgbClr val="FF0000"/>
+                </a:solidFill>
+                <a:latin typeface="Kaiti TC" charset="-120"/>
+                <a:ea typeface="Kaiti TC" charset="-120"/>
+                <a:cs typeface="Kaiti TC" charset="-120"/>
+              </a:rPr>
+              <a:t>datetime.datetime.now</a:t>
+            </a:r>
+            <a:r>
+              <a:rPr lang="en-US" sz="2000" b="1" u="sng" dirty="0">
+                <a:solidFill>
+                  <a:srgbClr val="FF0000"/>
+                </a:solidFill>
+                <a:latin typeface="Kaiti TC" charset="-120"/>
+                <a:ea typeface="Kaiti TC" charset="-120"/>
+                <a:cs typeface="Kaiti TC" charset="-120"/>
+              </a:rPr>
+              <a:t>() + </a:t>
+            </a:r>
+            <a:r>
+              <a:rPr lang="en-US" sz="2000" b="1" u="sng" dirty="0" err="1">
+                <a:solidFill>
+                  <a:srgbClr val="FF0000"/>
+                </a:solidFill>
+                <a:latin typeface="Kaiti TC" charset="-120"/>
+                <a:ea typeface="Kaiti TC" charset="-120"/>
+                <a:cs typeface="Kaiti TC" charset="-120"/>
+              </a:rPr>
+              <a:t>datetime.timedelta</a:t>
+            </a:r>
+            <a:r>
+              <a:rPr lang="en-US" sz="2000" b="1" u="sng" dirty="0">
+                <a:solidFill>
+                  <a:srgbClr val="FF0000"/>
+                </a:solidFill>
+                <a:latin typeface="Kaiti TC" charset="-120"/>
+                <a:ea typeface="Kaiti TC" charset="-120"/>
+                <a:cs typeface="Kaiti TC" charset="-120"/>
+              </a:rPr>
+              <a:t>(hours=offset)</a:t>
+            </a:r>
+          </a:p>
+          <a:p>
+            <a:pPr lvl="1"/>
+            <a:r>
+              <a:rPr lang="en-US" sz="2000" b="1" dirty="0">
+                <a:solidFill>
+                  <a:srgbClr val="FF0000"/>
+                </a:solidFill>
+                <a:latin typeface="Kaiti TC" charset="-120"/>
+                <a:ea typeface="Kaiti TC" charset="-120"/>
+                <a:cs typeface="Kaiti TC" charset="-120"/>
+              </a:rPr>
+              <a:t>    </a:t>
+            </a:r>
+            <a:r>
+              <a:rPr lang="en-US" sz="2000" b="1" dirty="0" smtClean="0">
+                <a:solidFill>
+                  <a:srgbClr val="FF0000"/>
+                </a:solidFill>
+                <a:latin typeface="Kaiti TC" charset="-120"/>
+                <a:ea typeface="Kaiti TC" charset="-120"/>
+                <a:cs typeface="Kaiti TC" charset="-120"/>
+              </a:rPr>
+              <a:t> </a:t>
+            </a:r>
+            <a:r>
+              <a:rPr lang="en-US" sz="2000" b="1" u="sng" dirty="0" smtClean="0">
+                <a:solidFill>
+                  <a:srgbClr val="FF0000"/>
+                </a:solidFill>
+                <a:latin typeface="Kaiti TC" charset="-120"/>
+                <a:ea typeface="Kaiti TC" charset="-120"/>
+                <a:cs typeface="Kaiti TC" charset="-120"/>
+              </a:rPr>
+              <a:t>html </a:t>
+            </a:r>
+            <a:r>
+              <a:rPr lang="en-US" sz="2000" b="1" u="sng" dirty="0">
+                <a:solidFill>
+                  <a:srgbClr val="FF0000"/>
+                </a:solidFill>
+                <a:latin typeface="Kaiti TC" charset="-120"/>
+                <a:ea typeface="Kaiti TC" charset="-120"/>
+                <a:cs typeface="Kaiti TC" charset="-120"/>
+              </a:rPr>
+              <a:t>= "&lt;html&gt;&lt;body&gt;In %s hour(s), it will be %s.&lt;/body&gt;&lt;/html&gt;" % (offset, </a:t>
+            </a:r>
+            <a:r>
+              <a:rPr lang="en-US" sz="2000" b="1" u="sng" dirty="0" err="1">
+                <a:solidFill>
+                  <a:srgbClr val="FF0000"/>
+                </a:solidFill>
+                <a:latin typeface="Kaiti TC" charset="-120"/>
+                <a:ea typeface="Kaiti TC" charset="-120"/>
+                <a:cs typeface="Kaiti TC" charset="-120"/>
+              </a:rPr>
+              <a:t>dt</a:t>
+            </a:r>
+            <a:r>
+              <a:rPr lang="en-US" sz="2000" b="1" u="sng" dirty="0">
+                <a:solidFill>
+                  <a:srgbClr val="FF0000"/>
+                </a:solidFill>
+                <a:latin typeface="Kaiti TC" charset="-120"/>
+                <a:ea typeface="Kaiti TC" charset="-120"/>
+                <a:cs typeface="Kaiti TC" charset="-120"/>
+              </a:rPr>
+              <a:t>)</a:t>
+            </a:r>
+          </a:p>
+          <a:p>
+            <a:pPr lvl="1"/>
+            <a:r>
+              <a:rPr lang="en-US" sz="2000" b="1" dirty="0">
+                <a:solidFill>
+                  <a:srgbClr val="FF0000"/>
+                </a:solidFill>
+                <a:latin typeface="Kaiti TC" charset="-120"/>
+                <a:ea typeface="Kaiti TC" charset="-120"/>
+                <a:cs typeface="Kaiti TC" charset="-120"/>
+              </a:rPr>
+              <a:t>   </a:t>
+            </a:r>
+            <a:r>
+              <a:rPr lang="en-US" sz="2000" b="1" dirty="0" smtClean="0">
+                <a:solidFill>
+                  <a:srgbClr val="FF0000"/>
+                </a:solidFill>
+                <a:latin typeface="Kaiti TC" charset="-120"/>
+                <a:ea typeface="Kaiti TC" charset="-120"/>
+                <a:cs typeface="Kaiti TC" charset="-120"/>
+              </a:rPr>
+              <a:t>  </a:t>
+            </a:r>
+            <a:r>
+              <a:rPr lang="en-US" sz="2000" b="1" u="sng" dirty="0">
+                <a:solidFill>
+                  <a:srgbClr val="FF0000"/>
+                </a:solidFill>
+                <a:latin typeface="Kaiti TC" charset="-120"/>
+                <a:ea typeface="Kaiti TC" charset="-120"/>
+                <a:cs typeface="Kaiti TC" charset="-120"/>
+              </a:rPr>
+              <a:t>return </a:t>
+            </a:r>
+            <a:r>
+              <a:rPr lang="en-US" sz="2000" b="1" u="sng" dirty="0" err="1">
+                <a:solidFill>
+                  <a:srgbClr val="FF0000"/>
+                </a:solidFill>
+                <a:latin typeface="Kaiti TC" charset="-120"/>
+                <a:ea typeface="Kaiti TC" charset="-120"/>
+                <a:cs typeface="Kaiti TC" charset="-120"/>
+              </a:rPr>
+              <a:t>HttpResponse</a:t>
+            </a:r>
+            <a:r>
+              <a:rPr lang="en-US" sz="2000" b="1" u="sng" dirty="0">
+                <a:solidFill>
+                  <a:srgbClr val="FF0000"/>
+                </a:solidFill>
+                <a:latin typeface="Kaiti TC" charset="-120"/>
+                <a:ea typeface="Kaiti TC" charset="-120"/>
+                <a:cs typeface="Kaiti TC" charset="-120"/>
+              </a:rPr>
+              <a:t>(html)</a:t>
+            </a:r>
+            <a:endParaRPr lang="en-US" altLang="zh-CN" sz="2000" b="1" u="sng" dirty="0">
+              <a:solidFill>
+                <a:srgbClr val="FF0000"/>
+              </a:solidFill>
+              <a:latin typeface="Kaiti TC" charset="-120"/>
+              <a:ea typeface="Kaiti TC" charset="-120"/>
+              <a:cs typeface="Kaiti TC" charset="-120"/>
+            </a:endParaRPr>
+          </a:p>
+        </p:txBody>
+      </p:sp>
+    </p:spTree>
+    <p:extLst>
+      <p:ext uri="{BB962C8B-B14F-4D97-AF65-F5344CB8AC3E}">
+        <p14:creationId xmlns:p14="http://schemas.microsoft.com/office/powerpoint/2010/main" val="647401171"/>
+      </p:ext>
+    </p:extLst>
+  </p:cSld>
+  <p:clrMapOvr>
+    <a:masterClrMapping/>
+  </p:clrMapOvr>
+  <p:timing>
+    <p:tnLst>
+      <p:par>
+        <p:cTn id="1" dur="indefinite" restart="never" nodeType="tmRoot"/>
+      </p:par>
+    </p:tnLst>
+  </p:timing>
+</p:sld>
+</file>
+
+<file path=ppt/slides/slide19.xml><?xml version="1.0" encoding="utf-8"?>
+<p:sld xmlns:a="http://schemas.openxmlformats.org/drawingml/2006/main" xmlns:r="http://schemas.openxmlformats.org/officeDocument/2006/relationships" xmlns:p="http://schemas.openxmlformats.org/presentationml/2006/main">
+  <p:cSld>
+    <p:spTree>
+      <p:nvGrpSpPr>
+        <p:cNvPr id="1" name=""/>
+        <p:cNvGrpSpPr/>
+        <p:nvPr/>
+      </p:nvGrpSpPr>
+      <p:grpSpPr>
+        <a:xfrm>
+          <a:off x="0" y="0"/>
+          <a:ext cx="0" cy="0"/>
+          <a:chOff x="0" y="0"/>
+          <a:chExt cx="0" cy="0"/>
+        </a:xfrm>
+      </p:grpSpPr>
+      <p:sp>
+        <p:nvSpPr>
+          <p:cNvPr id="2" name="Title 1"/>
+          <p:cNvSpPr>
+            <a:spLocks noGrp="1"/>
+          </p:cNvSpPr>
+          <p:nvPr>
+            <p:ph type="title"/>
+          </p:nvPr>
+        </p:nvSpPr>
+        <p:spPr>
+          <a:xfrm>
+            <a:off x="332018" y="460067"/>
+            <a:ext cx="11527961" cy="970450"/>
+          </a:xfrm>
+        </p:spPr>
+        <p:txBody>
+          <a:bodyPr/>
+          <a:lstStyle/>
+          <a:p>
+            <a:r>
+              <a:rPr lang="zh-CN" altLang="en-US" sz="6000" dirty="0"/>
+              <a:t>视图 </a:t>
+            </a:r>
+            <a:r>
+              <a:rPr lang="en-US" altLang="zh-CN" sz="6000" dirty="0"/>
+              <a:t>&amp;</a:t>
+            </a:r>
+            <a:r>
+              <a:rPr lang="zh-CN" altLang="en-US" sz="6000" dirty="0"/>
+              <a:t> </a:t>
+            </a:r>
+            <a:r>
+              <a:rPr lang="en-US" altLang="zh-CN" sz="6000" dirty="0" smtClean="0"/>
+              <a:t>URL</a:t>
+            </a:r>
+            <a:r>
+              <a:rPr lang="zh-CN" altLang="en-US" sz="6000" dirty="0" smtClean="0"/>
+              <a:t> </a:t>
+            </a:r>
+            <a:r>
+              <a:rPr lang="en-US" altLang="zh-CN" sz="6000" dirty="0" smtClean="0"/>
+              <a:t>—</a:t>
+            </a:r>
+            <a:r>
+              <a:rPr lang="zh-CN" altLang="en-US" sz="6000" dirty="0" smtClean="0"/>
+              <a:t> </a:t>
+            </a:r>
+            <a:r>
+              <a:rPr lang="zh-CN" altLang="en-US" sz="6000" dirty="0" smtClean="0"/>
+              <a:t>带</a:t>
+            </a:r>
+            <a:r>
+              <a:rPr lang="zh-CN" altLang="en-US" sz="6000" dirty="0"/>
+              <a:t>参数的</a:t>
+            </a:r>
+            <a:r>
+              <a:rPr lang="en-US" altLang="zh-CN" sz="6000" dirty="0"/>
+              <a:t>URL</a:t>
+            </a:r>
+            <a:endParaRPr lang="en-US" sz="6000" dirty="0"/>
+          </a:p>
+        </p:txBody>
+      </p:sp>
+      <p:sp>
+        <p:nvSpPr>
+          <p:cNvPr id="6" name="Content Placeholder 2"/>
+          <p:cNvSpPr>
+            <a:spLocks noGrp="1"/>
+          </p:cNvSpPr>
+          <p:nvPr>
+            <p:ph idx="1"/>
+          </p:nvPr>
+        </p:nvSpPr>
+        <p:spPr>
+          <a:xfrm>
+            <a:off x="840001" y="2356834"/>
+            <a:ext cx="10511993" cy="3548130"/>
+          </a:xfrm>
+        </p:spPr>
+        <p:txBody>
+          <a:bodyPr>
+            <a:noAutofit/>
+          </a:bodyPr>
+          <a:lstStyle/>
+          <a:p>
+            <a:pPr lvl="1"/>
+            <a:r>
+              <a:rPr lang="zh-CN" altLang="en-US" sz="3600" b="1" dirty="0">
+                <a:solidFill>
+                  <a:srgbClr val="FF0000"/>
+                </a:solidFill>
+                <a:latin typeface="Kaiti TC" charset="-120"/>
+                <a:ea typeface="Kaiti TC" charset="-120"/>
+                <a:cs typeface="Kaiti TC" charset="-120"/>
+              </a:rPr>
+              <a:t> </a:t>
+            </a:r>
+            <a:r>
+              <a:rPr lang="zh-CN" altLang="en-US" sz="3600" dirty="0" smtClean="0">
+                <a:latin typeface="Kaiti TC" charset="-120"/>
+                <a:ea typeface="Kaiti TC" charset="-120"/>
+                <a:cs typeface="Kaiti TC" charset="-120"/>
+              </a:rPr>
+              <a:t>访问：</a:t>
+            </a:r>
+            <a:r>
+              <a:rPr lang="en-US" altLang="zh-CN" sz="3600" dirty="0">
+                <a:latin typeface="Kaiti TC" charset="-120"/>
+                <a:ea typeface="Kaiti TC" charset="-120"/>
+                <a:cs typeface="Kaiti TC" charset="-120"/>
+              </a:rPr>
+              <a:t>http://</a:t>
+            </a:r>
+            <a:r>
+              <a:rPr lang="en-US" altLang="zh-CN" sz="3600" dirty="0" smtClean="0">
+                <a:latin typeface="Kaiti TC" charset="-120"/>
+                <a:ea typeface="Kaiti TC" charset="-120"/>
+                <a:cs typeface="Kaiti TC" charset="-120"/>
+              </a:rPr>
+              <a:t>127.0.0.1:8000/time/plus/5/</a:t>
+            </a:r>
+            <a:endParaRPr lang="en-US" altLang="zh-CN" sz="3600" b="1" u="sng" dirty="0">
+              <a:solidFill>
+                <a:srgbClr val="FF0000"/>
+              </a:solidFill>
+              <a:latin typeface="Kaiti TC" charset="-120"/>
+              <a:ea typeface="Kaiti TC" charset="-120"/>
+              <a:cs typeface="Kaiti TC" charset="-120"/>
+            </a:endParaRPr>
+          </a:p>
+        </p:txBody>
+      </p:sp>
+    </p:spTree>
+    <p:extLst>
+      <p:ext uri="{BB962C8B-B14F-4D97-AF65-F5344CB8AC3E}">
+        <p14:creationId xmlns:p14="http://schemas.microsoft.com/office/powerpoint/2010/main" val="1443558144"/>
+      </p:ext>
+    </p:extLst>
+  </p:cSld>
+  <p:clrMapOvr>
+    <a:masterClrMapping/>
+  </p:clrMapOvr>
+  <p:timing>
+    <p:tnLst>
+      <p:par>
+        <p:cTn id="1" dur="indefinite" restart="never" nodeType="tmRoot"/>
+      </p:par>
+    </p:tnLst>
+  </p:timing>
 </p:sld>
 </file>
 
@@ -6375,11 +10428,7 @@
           <a:p>
             <a:r>
               <a:rPr lang="zh-CN" altLang="en-US" sz="3200" dirty="0" smtClean="0"/>
-              <a:t> </a:t>
-            </a:r>
-            <a:r>
-              <a:rPr lang="zh-CN" altLang="en-US" sz="3200" dirty="0" smtClean="0"/>
-              <a:t>视图 </a:t>
+              <a:t> 视图 </a:t>
             </a:r>
             <a:r>
               <a:rPr lang="en-US" altLang="zh-CN" sz="3200" dirty="0" smtClean="0"/>
@@ -6406,6 +10455,517 @@
   <p:clrMapOvr>
     <a:masterClrMapping/>
   </p:clrMapOvr>
+  <p:timing>
+    <p:tnLst>
+      <p:par>
+        <p:cTn id="1" dur="indefinite" restart="never" nodeType="tmRoot"/>
+      </p:par>
+    </p:tnLst>
+  </p:timing>
+</p:sld>
+</file>
+
+<file path=ppt/slides/slide20.xml><?xml version="1.0" encoding="utf-8"?>
+<p:sld xmlns:a="http://schemas.openxmlformats.org/drawingml/2006/main" xmlns:r="http://schemas.openxmlformats.org/officeDocument/2006/relationships" xmlns:p="http://schemas.openxmlformats.org/presentationml/2006/main">
+  <p:cSld>
+    <p:spTree>
+      <p:nvGrpSpPr>
+        <p:cNvPr id="1" name=""/>
+        <p:cNvGrpSpPr/>
+        <p:nvPr/>
+      </p:nvGrpSpPr>
+      <p:grpSpPr>
+        <a:xfrm>
+          <a:off x="0" y="0"/>
+          <a:ext cx="0" cy="0"/>
+          <a:chOff x="0" y="0"/>
+          <a:chExt cx="0" cy="0"/>
+        </a:xfrm>
+      </p:grpSpPr>
+      <p:sp>
+        <p:nvSpPr>
+          <p:cNvPr id="2" name="Title 1"/>
+          <p:cNvSpPr>
+            <a:spLocks noGrp="1"/>
+          </p:cNvSpPr>
+          <p:nvPr>
+            <p:ph type="title"/>
+          </p:nvPr>
+        </p:nvSpPr>
+        <p:spPr>
+          <a:xfrm>
+            <a:off x="332018" y="460067"/>
+            <a:ext cx="11527961" cy="970450"/>
+          </a:xfrm>
+        </p:spPr>
+        <p:txBody>
+          <a:bodyPr/>
+          <a:lstStyle/>
+          <a:p>
+            <a:r>
+              <a:rPr lang="zh-CN" altLang="en-US" sz="6000" dirty="0"/>
+              <a:t>视图 </a:t>
+            </a:r>
+            <a:r>
+              <a:rPr lang="en-US" altLang="zh-CN" sz="6000" dirty="0"/>
+              <a:t>&amp;</a:t>
+            </a:r>
+            <a:r>
+              <a:rPr lang="zh-CN" altLang="en-US" sz="6000" dirty="0"/>
+              <a:t> </a:t>
+            </a:r>
+            <a:r>
+              <a:rPr lang="en-US" altLang="zh-CN" sz="6000" dirty="0" smtClean="0"/>
+              <a:t>URL</a:t>
+            </a:r>
+            <a:r>
+              <a:rPr lang="zh-CN" altLang="en-US" sz="6000" dirty="0" smtClean="0"/>
+              <a:t> </a:t>
+            </a:r>
+            <a:r>
+              <a:rPr lang="en-US" altLang="zh-CN" sz="6000" dirty="0" smtClean="0"/>
+              <a:t>—</a:t>
+            </a:r>
+            <a:r>
+              <a:rPr lang="zh-CN" altLang="en-US" sz="6000" dirty="0" smtClean="0"/>
+              <a:t> 设置时区</a:t>
+            </a:r>
+            <a:endParaRPr lang="en-US" sz="6000" dirty="0"/>
+          </a:p>
+        </p:txBody>
+      </p:sp>
+      <p:sp>
+        <p:nvSpPr>
+          <p:cNvPr id="6" name="Content Placeholder 2"/>
+          <p:cNvSpPr>
+            <a:spLocks noGrp="1"/>
+          </p:cNvSpPr>
+          <p:nvPr>
+            <p:ph idx="1"/>
+          </p:nvPr>
+        </p:nvSpPr>
+        <p:spPr>
+          <a:xfrm>
+            <a:off x="840001" y="2356834"/>
+            <a:ext cx="10511993" cy="3548130"/>
+          </a:xfrm>
+        </p:spPr>
+        <p:txBody>
+          <a:bodyPr>
+            <a:noAutofit/>
+          </a:bodyPr>
+          <a:lstStyle/>
+          <a:p>
+            <a:pPr lvl="1"/>
+            <a:r>
+              <a:rPr lang="en-US" altLang="zh-CN" sz="3600" b="1" dirty="0" smtClean="0">
+                <a:solidFill>
+                  <a:srgbClr val="FF0000"/>
+                </a:solidFill>
+                <a:latin typeface="Kaiti TC" charset="-120"/>
+                <a:ea typeface="Kaiti TC" charset="-120"/>
+                <a:cs typeface="Kaiti TC" charset="-120"/>
+              </a:rPr>
+              <a:t> </a:t>
+            </a:r>
+            <a:r>
+              <a:rPr lang="zh-CN" altLang="en-US" sz="3600" dirty="0" smtClean="0">
+                <a:latin typeface="Kaiti TC" charset="-120"/>
+                <a:ea typeface="Kaiti TC" charset="-120"/>
+                <a:cs typeface="Kaiti TC" charset="-120"/>
+              </a:rPr>
+              <a:t>打开</a:t>
+            </a:r>
+            <a:r>
+              <a:rPr lang="en-US" altLang="zh-CN" sz="3600" dirty="0" smtClean="0">
+                <a:latin typeface="Kaiti TC" charset="-120"/>
+                <a:ea typeface="Kaiti TC" charset="-120"/>
+                <a:cs typeface="Kaiti TC" charset="-120"/>
+              </a:rPr>
+              <a:t> </a:t>
+            </a:r>
+            <a:r>
+              <a:rPr lang="en-US" altLang="zh-CN" sz="3600" dirty="0" err="1" smtClean="0">
+                <a:latin typeface="Kaiti TC" charset="-120"/>
+                <a:ea typeface="Kaiti TC" charset="-120"/>
+                <a:cs typeface="Kaiti TC" charset="-120"/>
+              </a:rPr>
+              <a:t>Settings.py</a:t>
+            </a:r>
+            <a:endParaRPr lang="en-US" altLang="zh-CN" sz="3600" dirty="0" smtClean="0">
+              <a:latin typeface="Kaiti TC" charset="-120"/>
+              <a:ea typeface="Kaiti TC" charset="-120"/>
+              <a:cs typeface="Kaiti TC" charset="-120"/>
+            </a:endParaRPr>
+          </a:p>
+          <a:p>
+            <a:pPr lvl="1"/>
+            <a:r>
+              <a:rPr lang="en-US" altLang="zh-CN" sz="3600" b="1" dirty="0">
+                <a:solidFill>
+                  <a:srgbClr val="FF0000"/>
+                </a:solidFill>
+                <a:latin typeface="Kaiti TC" charset="-120"/>
+                <a:ea typeface="Kaiti TC" charset="-120"/>
+                <a:cs typeface="Kaiti TC" charset="-120"/>
+              </a:rPr>
+              <a:t> </a:t>
+            </a:r>
+            <a:r>
+              <a:rPr lang="en-US" altLang="zh-CN" sz="3600" b="1" dirty="0">
+                <a:latin typeface="Kaiti TC" charset="-120"/>
+                <a:ea typeface="Kaiti TC" charset="-120"/>
+                <a:cs typeface="Kaiti TC" charset="-120"/>
+              </a:rPr>
+              <a:t>TIME_ZONE = 'UTC'</a:t>
+            </a:r>
+            <a:endParaRPr lang="en-US" altLang="zh-CN" sz="3600" b="1" dirty="0" smtClean="0">
+              <a:latin typeface="Kaiti TC" charset="-120"/>
+              <a:ea typeface="Kaiti TC" charset="-120"/>
+              <a:cs typeface="Kaiti TC" charset="-120"/>
+            </a:endParaRPr>
+          </a:p>
+          <a:p>
+            <a:pPr lvl="1"/>
+            <a:r>
+              <a:rPr lang="en-US" altLang="zh-CN" sz="3600" b="1" dirty="0" smtClean="0">
+                <a:solidFill>
+                  <a:srgbClr val="FF0000"/>
+                </a:solidFill>
+                <a:latin typeface="Kaiti TC" charset="-120"/>
+                <a:ea typeface="Kaiti TC" charset="-120"/>
+                <a:cs typeface="Kaiti TC" charset="-120"/>
+              </a:rPr>
+              <a:t> TIME_ZONE </a:t>
+            </a:r>
+            <a:r>
+              <a:rPr lang="en-US" altLang="zh-CN" sz="3600" b="1" dirty="0">
+                <a:solidFill>
+                  <a:srgbClr val="FF0000"/>
+                </a:solidFill>
+                <a:latin typeface="Kaiti TC" charset="-120"/>
+                <a:ea typeface="Kaiti TC" charset="-120"/>
+                <a:cs typeface="Kaiti TC" charset="-120"/>
+              </a:rPr>
+              <a:t>= </a:t>
+            </a:r>
+            <a:r>
+              <a:rPr lang="en-US" altLang="zh-CN" sz="3600" b="1" dirty="0" smtClean="0">
+                <a:solidFill>
+                  <a:srgbClr val="FF0000"/>
+                </a:solidFill>
+                <a:latin typeface="Kaiti TC" charset="-120"/>
+                <a:ea typeface="Kaiti TC" charset="-120"/>
+                <a:cs typeface="Kaiti TC" charset="-120"/>
+              </a:rPr>
+              <a:t>'Asia/Shanghai'</a:t>
+            </a:r>
+            <a:endParaRPr lang="en-US" altLang="zh-CN" sz="3600" b="1" dirty="0">
+              <a:solidFill>
+                <a:srgbClr val="FF0000"/>
+              </a:solidFill>
+              <a:latin typeface="Kaiti TC" charset="-120"/>
+              <a:ea typeface="Kaiti TC" charset="-120"/>
+              <a:cs typeface="Kaiti TC" charset="-120"/>
+            </a:endParaRPr>
+          </a:p>
+        </p:txBody>
+      </p:sp>
+    </p:spTree>
+    <p:extLst>
+      <p:ext uri="{BB962C8B-B14F-4D97-AF65-F5344CB8AC3E}">
+        <p14:creationId xmlns:p14="http://schemas.microsoft.com/office/powerpoint/2010/main" val="1980662960"/>
+      </p:ext>
+    </p:extLst>
+  </p:cSld>
+  <p:clrMapOvr>
+    <a:masterClrMapping/>
+  </p:clrMapOvr>
+  <p:timing>
+    <p:tnLst>
+      <p:par>
+        <p:cTn id="1" dur="indefinite" restart="never" nodeType="tmRoot"/>
+      </p:par>
+    </p:tnLst>
+  </p:timing>
+</p:sld>
+</file>
+
+<file path=ppt/slides/slide21.xml><?xml version="1.0" encoding="utf-8"?>
+<p:sld xmlns:a="http://schemas.openxmlformats.org/drawingml/2006/main" xmlns:r="http://schemas.openxmlformats.org/officeDocument/2006/relationships" xmlns:p="http://schemas.openxmlformats.org/presentationml/2006/main">
+  <p:cSld>
+    <p:spTree>
+      <p:nvGrpSpPr>
+        <p:cNvPr id="1" name=""/>
+        <p:cNvGrpSpPr/>
+        <p:nvPr/>
+      </p:nvGrpSpPr>
+      <p:grpSpPr>
+        <a:xfrm>
+          <a:off x="0" y="0"/>
+          <a:ext cx="0" cy="0"/>
+          <a:chOff x="0" y="0"/>
+          <a:chExt cx="0" cy="0"/>
+        </a:xfrm>
+      </p:grpSpPr>
+      <p:sp>
+        <p:nvSpPr>
+          <p:cNvPr id="2" name="Title 1"/>
+          <p:cNvSpPr>
+            <a:spLocks noGrp="1"/>
+          </p:cNvSpPr>
+          <p:nvPr>
+            <p:ph type="title"/>
+          </p:nvPr>
+        </p:nvSpPr>
+        <p:spPr>
+          <a:xfrm>
+            <a:off x="332018" y="460067"/>
+            <a:ext cx="11527961" cy="970450"/>
+          </a:xfrm>
+        </p:spPr>
+        <p:txBody>
+          <a:bodyPr/>
+          <a:lstStyle/>
+          <a:p>
+            <a:r>
+              <a:rPr lang="en-US" altLang="zh-CN" sz="6000" dirty="0" smtClean="0"/>
+              <a:t>assert</a:t>
+            </a:r>
+            <a:r>
+              <a:rPr lang="zh-CN" altLang="en-US" sz="6000" dirty="0" smtClean="0"/>
+              <a:t> </a:t>
+            </a:r>
+            <a:r>
+              <a:rPr lang="en-US" altLang="zh-CN" sz="6000" dirty="0" smtClean="0"/>
+              <a:t>False</a:t>
+            </a:r>
+            <a:r>
+              <a:rPr lang="zh-CN" altLang="en-US" sz="6000" dirty="0" smtClean="0"/>
+              <a:t> </a:t>
+            </a:r>
+            <a:r>
+              <a:rPr lang="en-US" altLang="zh-CN" sz="6000" dirty="0" smtClean="0"/>
+              <a:t>——</a:t>
+            </a:r>
+            <a:r>
+              <a:rPr lang="zh-CN" altLang="en-US" sz="6000" dirty="0" smtClean="0"/>
+              <a:t> </a:t>
+            </a:r>
+            <a:r>
+              <a:rPr lang="en-US" altLang="zh-CN" sz="6000" dirty="0" smtClean="0"/>
+              <a:t>debug</a:t>
+            </a:r>
+            <a:r>
+              <a:rPr lang="zh-CN" altLang="en-US" sz="6000" dirty="0" smtClean="0"/>
+              <a:t>函数</a:t>
+            </a:r>
+            <a:endParaRPr lang="en-US" sz="6000" dirty="0"/>
+          </a:p>
+        </p:txBody>
+      </p:sp>
+      <p:sp>
+        <p:nvSpPr>
+          <p:cNvPr id="6" name="Content Placeholder 2"/>
+          <p:cNvSpPr>
+            <a:spLocks noGrp="1"/>
+          </p:cNvSpPr>
+          <p:nvPr>
+            <p:ph idx="1"/>
+          </p:nvPr>
+        </p:nvSpPr>
+        <p:spPr>
+          <a:xfrm>
+            <a:off x="840001" y="2356834"/>
+            <a:ext cx="10511993" cy="3548130"/>
+          </a:xfrm>
+        </p:spPr>
+        <p:txBody>
+          <a:bodyPr>
+            <a:noAutofit/>
+          </a:bodyPr>
+          <a:lstStyle/>
+          <a:p>
+            <a:pPr lvl="1"/>
+            <a:r>
+              <a:rPr lang="en-US" altLang="zh-CN" sz="3600" b="1" dirty="0">
+                <a:latin typeface="Kaiti TC" charset="-120"/>
+                <a:ea typeface="Kaiti TC" charset="-120"/>
+                <a:cs typeface="Kaiti TC" charset="-120"/>
+              </a:rPr>
+              <a:t> </a:t>
+            </a:r>
+            <a:r>
+              <a:rPr lang="zh-CN" altLang="en-US" sz="3600" b="1" dirty="0" smtClean="0">
+                <a:latin typeface="Kaiti TC" charset="-120"/>
+                <a:ea typeface="Kaiti TC" charset="-120"/>
+                <a:cs typeface="Kaiti TC" charset="-120"/>
+              </a:rPr>
+              <a:t>代码中插入一行：</a:t>
+            </a:r>
+            <a:r>
+              <a:rPr lang="en-US" altLang="zh-CN" sz="3600" b="1" dirty="0" smtClean="0">
+                <a:solidFill>
+                  <a:srgbClr val="FF0000"/>
+                </a:solidFill>
+                <a:latin typeface="Kaiti TC" charset="-120"/>
+                <a:ea typeface="Kaiti TC" charset="-120"/>
+                <a:cs typeface="Kaiti TC" charset="-120"/>
+              </a:rPr>
+              <a:t>assert False</a:t>
+            </a:r>
+          </a:p>
+          <a:p>
+            <a:pPr lvl="1"/>
+            <a:r>
+              <a:rPr lang="zh-CN" altLang="en-US" sz="3600" b="1" dirty="0" smtClean="0">
+                <a:latin typeface="Kaiti TC" charset="-120"/>
+                <a:ea typeface="Kaiti TC" charset="-120"/>
+                <a:cs typeface="Kaiti TC" charset="-120"/>
+              </a:rPr>
+              <a:t> 即可中断，检查当前状态，</a:t>
+            </a:r>
+            <a:r>
+              <a:rPr lang="en-US" altLang="zh-CN" sz="3600" b="1" dirty="0" smtClean="0">
+                <a:latin typeface="Kaiti TC" charset="-120"/>
+                <a:ea typeface="Kaiti TC" charset="-120"/>
+                <a:cs typeface="Kaiti TC" charset="-120"/>
+              </a:rPr>
+              <a:t>debug</a:t>
+            </a:r>
+            <a:r>
+              <a:rPr lang="zh-CN" altLang="en-US" sz="3600" b="1" dirty="0" smtClean="0">
+                <a:latin typeface="Kaiti TC" charset="-120"/>
+                <a:ea typeface="Kaiti TC" charset="-120"/>
+                <a:cs typeface="Kaiti TC" charset="-120"/>
+              </a:rPr>
+              <a:t>常用</a:t>
+            </a:r>
+            <a:endParaRPr lang="en-US" altLang="zh-CN" sz="3600" b="1" dirty="0">
+              <a:latin typeface="Kaiti TC" charset="-120"/>
+              <a:ea typeface="Kaiti TC" charset="-120"/>
+              <a:cs typeface="Kaiti TC" charset="-120"/>
+            </a:endParaRPr>
+          </a:p>
+        </p:txBody>
+      </p:sp>
+    </p:spTree>
+    <p:extLst>
+      <p:ext uri="{BB962C8B-B14F-4D97-AF65-F5344CB8AC3E}">
+        <p14:creationId xmlns:p14="http://schemas.microsoft.com/office/powerpoint/2010/main" val="494655942"/>
+      </p:ext>
+    </p:extLst>
+  </p:cSld>
+  <p:clrMapOvr>
+    <a:masterClrMapping/>
+  </p:clrMapOvr>
+  <p:timing>
+    <p:tnLst>
+      <p:par>
+        <p:cTn id="1" dur="indefinite" restart="never" nodeType="tmRoot"/>
+      </p:par>
+    </p:tnLst>
+  </p:timing>
+</p:sld>
+</file>
+
+<file path=ppt/slides/slide22.xml><?xml version="1.0" encoding="utf-8"?>
+<p:sld xmlns:a="http://schemas.openxmlformats.org/drawingml/2006/main" xmlns:r="http://schemas.openxmlformats.org/officeDocument/2006/relationships" xmlns:p="http://schemas.openxmlformats.org/presentationml/2006/main">
+  <p:cSld>
+    <p:spTree>
+      <p:nvGrpSpPr>
+        <p:cNvPr id="1" name=""/>
+        <p:cNvGrpSpPr/>
+        <p:nvPr/>
+      </p:nvGrpSpPr>
+      <p:grpSpPr>
+        <a:xfrm>
+          <a:off x="0" y="0"/>
+          <a:ext cx="0" cy="0"/>
+          <a:chOff x="0" y="0"/>
+          <a:chExt cx="0" cy="0"/>
+        </a:xfrm>
+      </p:grpSpPr>
+      <p:sp>
+        <p:nvSpPr>
+          <p:cNvPr id="2" name="Title 1"/>
+          <p:cNvSpPr>
+            <a:spLocks noGrp="1"/>
+          </p:cNvSpPr>
+          <p:nvPr>
+            <p:ph type="ctrTitle"/>
+          </p:nvPr>
+        </p:nvSpPr>
+        <p:spPr/>
+        <p:txBody>
+          <a:bodyPr/>
+          <a:lstStyle/>
+          <a:p>
+            <a:r>
+              <a:rPr lang="en-US" sz="6600" dirty="0" smtClean="0"/>
+              <a:t>Thank You!</a:t>
+            </a:r>
+            <a:endParaRPr lang="en-US" sz="6600" dirty="0"/>
+          </a:p>
+        </p:txBody>
+      </p:sp>
+      <p:sp>
+        <p:nvSpPr>
+          <p:cNvPr id="4" name="Subtitle 2"/>
+          <p:cNvSpPr>
+            <a:spLocks noGrp="1"/>
+          </p:cNvSpPr>
+          <p:nvPr>
+            <p:ph type="subTitle" idx="1"/>
+          </p:nvPr>
+        </p:nvSpPr>
+        <p:spPr>
+          <a:xfrm>
+            <a:off x="810001" y="5280846"/>
+            <a:ext cx="10572000" cy="1048236"/>
+          </a:xfrm>
+        </p:spPr>
+        <p:txBody>
+          <a:bodyPr>
+            <a:noAutofit/>
+          </a:bodyPr>
+          <a:lstStyle/>
+          <a:p>
+            <a:r>
+              <a:rPr lang="zh-CN" altLang="en-US" sz="2400" b="1" dirty="0" smtClean="0"/>
+              <a:t>林子恒 </a:t>
+            </a:r>
+            <a:r>
+              <a:rPr lang="en-US" altLang="zh-CN" sz="2400" b="1" dirty="0" smtClean="0"/>
+              <a:t>Lin, Tzu-Heng</a:t>
+            </a:r>
+          </a:p>
+          <a:p>
+            <a:r>
+              <a:rPr lang="en-US" altLang="zh-CN" sz="2400" b="1" dirty="0" smtClean="0"/>
+              <a:t>linzh14@mails.tsinghua.edu.cn</a:t>
+            </a:r>
+            <a:endParaRPr lang="en-US" sz="2400" b="1" dirty="0"/>
+          </a:p>
+        </p:txBody>
+      </p:sp>
+    </p:spTree>
+    <p:extLst>
+      <p:ext uri="{BB962C8B-B14F-4D97-AF65-F5344CB8AC3E}">
+        <p14:creationId xmlns:p14="http://schemas.microsoft.com/office/powerpoint/2010/main" val="311125116"/>
+      </p:ext>
+    </p:extLst>
+  </p:cSld>
+  <p:clrMapOvr>
+    <a:masterClrMapping/>
+  </p:clrMapOvr>
+  <p:timing>
+    <p:tnLst>
+      <p:par>
+        <p:cTn id="1" dur="indefinite" restart="never" nodeType="tmRoot"/>
+      </p:par>
+    </p:tnLst>
+  </p:timing>
 </p:sld>
 </file>
 
@@ -6522,6 +11082,13 @@
   <p:clrMapOvr>
     <a:masterClrMapping/>
   </p:clrMapOvr>
+  <p:timing>
+    <p:tnLst>
+      <p:par>
+        <p:cTn id="1" dur="indefinite" restart="never" nodeType="tmRoot"/>
+      </p:par>
+    </p:tnLst>
+  </p:timing>
 </p:sld>
 </file>
 
@@ -6752,6 +11319,13 @@
   <p:clrMapOvr>
     <a:masterClrMapping/>
   </p:clrMapOvr>
+  <p:timing>
+    <p:tnLst>
+      <p:par>
+        <p:cTn id="1" dur="indefinite" restart="never" nodeType="tmRoot"/>
+      </p:par>
+    </p:tnLst>
+  </p:timing>
 </p:sld>
 </file>
 
@@ -6851,15 +11425,7 @@
                 <a:ea typeface="Kaiti TC" charset="-120"/>
                 <a:cs typeface="Kaiti TC" charset="-120"/>
               </a:rPr>
-              <a:t>Ruby on Rails -&gt; </a:t>
-            </a:r>
-            <a:r>
-              <a:rPr lang="en-US" sz="3200" dirty="0" smtClean="0">
-                <a:latin typeface="Kaiti TC" charset="-120"/>
-                <a:ea typeface="Kaiti TC" charset="-120"/>
-                <a:cs typeface="Kaiti TC" charset="-120"/>
-              </a:rPr>
-              <a:t>Ruby</a:t>
+              <a:t>Ruby on Rails -&gt; Ruby</a:t>
             </a:r>
             <a:br>
               <a:rPr lang="en-US" sz="3200" dirty="0" smtClean="0">
@@ -6892,11 +11458,6 @@
               </a:rPr>
               <a:t> </a:t>
             </a:r>
-            <a:endParaRPr lang="en-US" sz="3200" dirty="0" smtClean="0">
-              <a:latin typeface="Kaiti TC" charset="-120"/>
-              <a:ea typeface="Kaiti TC" charset="-120"/>
-              <a:cs typeface="Kaiti TC" charset="-120"/>
-            </a:endParaRPr>
           </a:p>
           <a:p>
             <a:r>
@@ -7162,15 +11723,7 @@
                 <a:ea typeface="Kaiti TC" charset="-120"/>
                 <a:cs typeface="Kaiti TC" charset="-120"/>
               </a:rPr>
-              <a:t>！</a:t>
-            </a:r>
-            <a:r>
-              <a:rPr lang="zh-CN" altLang="en-US" sz="3200" dirty="0" smtClean="0">
-                <a:latin typeface="Kaiti TC" charset="-120"/>
-                <a:ea typeface="Kaiti TC" charset="-120"/>
-                <a:cs typeface="Kaiti TC" charset="-120"/>
-              </a:rPr>
-              <a:t>世界上最好的语言</a:t>
+              <a:t>！世界上最好的语言</a:t>
             </a:r>
             <a:endParaRPr lang="en-US" altLang="zh-CN" sz="3200" dirty="0" smtClean="0">
               <a:latin typeface="Kaiti TC" charset="-120"/>
@@ -7310,6 +11863,13 @@
   <p:clrMapOvr>
     <a:masterClrMapping/>
   </p:clrMapOvr>
+  <p:timing>
+    <p:tnLst>
+      <p:par>
+        <p:cTn id="1" dur="indefinite" restart="never" nodeType="tmRoot"/>
+      </p:par>
+    </p:tnLst>
+  </p:timing>
 </p:sld>
 </file>
 
@@ -7359,7 +11919,7 @@
             </a:r>
             <a:r>
               <a:rPr lang="en-US" altLang="zh-CN" sz="4800" dirty="0" smtClean="0"/>
-              <a:t>Python</a:t>
+              <a:t>pip</a:t>
             </a:r>
             <a:endParaRPr lang="en-US" sz="4800" dirty="0"/>
           </a:p>
@@ -7377,18 +11937,72 @@
         </p:nvSpPr>
         <p:spPr/>
         <p:txBody>
-          <a:bodyPr/>
+          <a:bodyPr>
+            <a:normAutofit/>
+          </a:bodyPr>
           <a:lstStyle/>
           <a:p>
             <a:r>
-              <a:rPr lang="en-US" altLang="zh-CN" dirty="0" smtClean="0"/>
-              <a:t>Mac</a:t>
-            </a:r>
-            <a:r>
-              <a:rPr lang="zh-CN" altLang="en-US" dirty="0" smtClean="0"/>
-              <a:t> 不用装</a:t>
-            </a:r>
-            <a:endParaRPr lang="en-US" dirty="0"/>
+              <a:rPr lang="en-US" altLang="zh-CN" sz="2400" dirty="0">
+                <a:hlinkClick r:id="rId3"/>
+              </a:rPr>
+              <a:t>https://</a:t>
+            </a:r>
+            <a:r>
+              <a:rPr lang="en-US" altLang="zh-CN" sz="2400" dirty="0" smtClean="0">
+                <a:hlinkClick r:id="rId3"/>
+              </a:rPr>
+              <a:t>pypi.python.org/packages/e7/a8/7556133689add8d1a54c0b14aeff0acb03c64707ce100ecd53934da1aa13/pip-8.1.2.tar.gz#md5=87083c0b9867963b29f7aba3613e8f4a</a:t>
+            </a:r>
+            <a:endParaRPr lang="en-US" altLang="zh-CN" sz="2400" dirty="0" smtClean="0"/>
+          </a:p>
+          <a:p>
+            <a:r>
+              <a:rPr lang="zh-CN" altLang="en-US" sz="2400" dirty="0" smtClean="0"/>
+              <a:t>下载下来解压缩之后，</a:t>
+            </a:r>
+            <a:r>
+              <a:rPr lang="en-US" altLang="zh-CN" sz="2400" dirty="0" smtClean="0"/>
+              <a:t>cd</a:t>
+            </a:r>
+            <a:r>
+              <a:rPr lang="zh-CN" altLang="en-US" sz="2400" dirty="0" smtClean="0"/>
+              <a:t>到这个文件夹</a:t>
+            </a:r>
+            <a:endParaRPr lang="en-US" altLang="zh-CN" sz="2400" dirty="0" smtClean="0"/>
+          </a:p>
+          <a:p>
+            <a:r>
+              <a:rPr lang="zh-CN" altLang="en-US" sz="2400" dirty="0" smtClean="0"/>
+              <a:t>输入：</a:t>
+            </a:r>
+            <a:r>
+              <a:rPr lang="en-US" altLang="zh-CN" sz="2400" dirty="0" smtClean="0"/>
+              <a:t>python </a:t>
+            </a:r>
+            <a:r>
+              <a:rPr lang="en-US" altLang="zh-CN" sz="2400" dirty="0" err="1" smtClean="0"/>
+              <a:t>setup.py</a:t>
+            </a:r>
+            <a:r>
+              <a:rPr lang="en-US" altLang="zh-CN" sz="2400" dirty="0" smtClean="0"/>
+              <a:t> install</a:t>
+            </a:r>
+          </a:p>
+          <a:p>
+            <a:r>
+              <a:rPr lang="zh-CN" altLang="en-US" sz="2400" dirty="0" smtClean="0"/>
+              <a:t>输入：</a:t>
+            </a:r>
+            <a:r>
+              <a:rPr lang="en-US" altLang="zh-CN" sz="2400" dirty="0" smtClean="0"/>
+              <a:t>pip</a:t>
+            </a:r>
+            <a:r>
+              <a:rPr lang="zh-CN" altLang="en-US" sz="2400" dirty="0" smtClean="0"/>
+              <a:t> （测试是否安装成功）</a:t>
+            </a:r>
+            <a:endParaRPr lang="en-US" sz="2400" dirty="0"/>
           </a:p>
         </p:txBody>
       </p:sp>
@@ -7402,6 +12016,13 @@
   <p:clrMapOvr>
     <a:masterClrMapping/>
   </p:clrMapOvr>
+  <p:timing>
+    <p:tnLst>
+      <p:par>
+        <p:cTn id="1" dur="indefinite" restart="never" nodeType="tmRoot"/>
+      </p:par>
+    </p:tnLst>
+  </p:timing>
 </p:sld>
 </file>
 
@@ -7829,6 +12450,13 @@
   <p:clrMapOvr>
     <a:masterClrMapping/>
   </p:clrMapOvr>
+  <p:timing>
+    <p:tnLst>
+      <p:par>
+        <p:cTn id="1" dur="indefinite" restart="never" nodeType="tmRoot"/>
+      </p:par>
+    </p:tnLst>
+  </p:timing>
 </p:sld>
 </file>
 
@@ -8026,7 +12654,7 @@
                 <a:ea typeface="Kaiti TC" charset="-120"/>
                 <a:cs typeface="Kaiti TC" charset="-120"/>
               </a:rPr>
-              <a:t>翻译：</a:t>
+              <a:t>＃</a:t>
             </a:r>
             <a:r>
               <a:rPr lang="en-US" altLang="zh-CN" sz="2800" b="1" dirty="0" err="1" smtClean="0">
@@ -8097,7 +12725,15 @@
                 <a:ea typeface="Kaiti TC" charset="-120"/>
                 <a:cs typeface="Kaiti TC" charset="-120"/>
               </a:rPr>
-              <a:t>看到目录下多了</a:t>
+              <a:t>看到当前目录</a:t>
+            </a:r>
+            <a:r>
+              <a:rPr lang="zh-CN" altLang="en-US" sz="3200" b="1" dirty="0" smtClean="0">
+                <a:latin typeface="Kaiti TC" charset="-120"/>
+                <a:ea typeface="Kaiti TC" charset="-120"/>
+                <a:cs typeface="Kaiti TC" charset="-120"/>
+              </a:rPr>
+              <a:t>下多了</a:t>
             </a:r>
             <a:r>
               <a:rPr lang="en-US" altLang="zh-CN" sz="3200" b="1" dirty="0" err="1" smtClean="0">
@@ -8277,6 +12913,13 @@
   <p:clrMapOvr>
     <a:masterClrMapping/>
   </p:clrMapOvr>
+  <p:timing>
+    <p:tnLst>
+      <p:par>
+        <p:cTn id="1" dur="indefinite" restart="never" nodeType="tmRoot"/>
+      </p:par>
+    </p:tnLst>
+  </p:timing>
 </p:sld>
 </file>
 
@@ -8515,4 +13158,265 @@
     </a:ext>
   </a:extLst>
 </a:theme>
+</file>
+
+<file path=ppt/theme/theme2.xml><?xml version="1.0" encoding="utf-8"?>
+<a:theme xmlns:a="http://schemas.openxmlformats.org/drawingml/2006/main" name="Office Theme">
+  <a:themeElements>
+    <a:clrScheme name="Office">
+      <a:dk1>
+        <a:sysClr val="windowText" lastClr="000000"/>
+      </a:dk1>
+      <a:lt1>
+        <a:sysClr val="window" lastClr="FFFFFF"/>
+      </a:lt1>
+      <a:dk2>
+        <a:srgbClr val="44546A"/>
+      </a:dk2>
+      <a:lt2>
+        <a:srgbClr val="E7E6E6"/>
+      </a:lt2>
+      <a:accent1>
+        <a:srgbClr val="5B9BD5"/>
+      </a:accent1>
+      <a:accent2>
+        <a:srgbClr val="ED7D31"/>
+      </a:accent2>
+      <a:accent3>
+        <a:srgbClr val="A5A5A5"/>
+      </a:accent3>
+      <a:accent4>
+        <a:srgbClr val="FFC000"/>
+      </a:accent4>
+      <a:accent5>
+        <a:srgbClr val="4472C4"/>
+      </a:accent5>
+      <a:accent6>
+        <a:srgbClr val="70AD47"/>
+      </a:accent6>
+      <a:hlink>
+        <a:srgbClr val="0563C1"/>
+      </a:hlink>
+      <a:folHlink>
+        <a:srgbClr val="954F72"/>
+      </a:folHlink>
+    </a:clrScheme>
+    <a:fontScheme name="Office">
+      <a:majorFont>
+        <a:latin typeface="Calibri Light" panose="020F0302020204030204"/>
+        <a:ea typeface=""/>
+        <a:cs typeface=""/>
+        <a:font script="Jpan" typeface="Yu Gothic Light"/>
+        <a:font script="Hang" typeface="맑은 고딕"/>
+        <a:font script="Hans" typeface="DengXian Light"/>
+        <a:font script="Hant" typeface="新細明體"/>
+        <a:font script="Arab" typeface="Times New Roman"/>
+        <a:font script="Hebr" typeface="Times New Roman"/>
+        <a:font script="Thai" typeface="Angsana New"/>
+        <a:font script="Ethi" typeface="Nyala"/>
+        <a:font script="Beng" typeface="Vrinda"/>
+        <a:font script="Gujr" typeface="Shruti"/>
+        <a:font script="Khmr" typeface="MoolBoran"/>
+        <a:font script="Knda" typeface="Tunga"/>
+        <a:font script="Guru" typeface="Raavi"/>
+        <a:font script="Cans" typeface="Euphemia"/>
+        <a:font script="Cher" typeface="Plantagenet Cherokee"/>
+        <a:font script="Yiii" typeface="Microsoft Yi Baiti"/>
+        <a:font script="Tibt" typeface="Microsoft Himalaya"/>
+        <a:font script="Thaa" typeface="MV Boli"/>
+        <a:font script="Deva" typeface="Mangal"/>
+        <a:font script="Telu" typeface="Gautami"/>
+        <a:font script="Taml" typeface="Latha"/>
+        <a:font script="Syrc" typeface="Estrangelo Edessa"/>
+        <a:font script="Orya" typeface="Kalinga"/>
+        <a:font script="Mlym" typeface="Kartika"/>
+        <a:font script="Laoo" typeface="DokChampa"/>
+        <a:font script="Sinh" typeface="Iskoola Pota"/>
+        <a:font script="Mong" typeface="Mongolian Baiti"/>
+        <a:font script="Viet" typeface="Times New Roman"/>
+        <a:font script="Uigh" typeface="Microsoft Uighur"/>
+        <a:font script="Geor" typeface="Sylfaen"/>
+      </a:majorFont>
+      <a:minorFont>
+        <a:latin typeface="Calibri" panose="020F0502020204030204"/>
+        <a:ea typeface=""/>
+        <a:cs typeface=""/>
+        <a:font script="Jpan" typeface="Yu Gothic"/>
+        <a:font script="Hang" typeface="맑은 고딕"/>
+        <a:font script="Hans" typeface="DengXian"/>
+        <a:font script="Hant" typeface="新細明體"/>
+        <a:font script="Arab" typeface="Arial"/>
+        <a:font script="Hebr" typeface="Arial"/>
+        <a:font script="Thai" typeface="Cordia New"/>
+        <a:font script="Ethi" typeface="Nyala"/>
+        <a:font script="Beng" typeface="Vrinda"/>
+        <a:font script="Gujr" typeface="Shruti"/>
+        <a:font script="Khmr" typeface="DaunPenh"/>
+        <a:font script="Knda" typeface="Tunga"/>
+        <a:font script="Guru" typeface="Raavi"/>
+        <a:font script="Cans" typeface="Euphemia"/>
+        <a:font script="Cher" typeface="Plantagenet Cherokee"/>
+        <a:font script="Yiii" typeface="Microsoft Yi Baiti"/>
+        <a:font script="Tibt" typeface="Microsoft Himalaya"/>
+        <a:font script="Thaa" typeface="MV Boli"/>
+        <a:font script="Deva" typeface="Mangal"/>
+        <a:font script="Telu" typeface="Gautami"/>
+        <a:font script="Taml" typeface="Latha"/>
+        <a:font script="Syrc" typeface="Estrangelo Edessa"/>
+        <a:font script="Orya" typeface="Kalinga"/>
+        <a:font script="Mlym" typeface="Kartika"/>
+        <a:font script="Laoo" typeface="DokChampa"/>
+        <a:font script="Sinh" typeface="Iskoola Pota"/>
+        <a:font script="Mong" typeface="Mongolian Baiti"/>
+        <a:font script="Viet" typeface="Arial"/>
+        <a:font script="Uigh" typeface="Microsoft Uighur"/>
+        <a:font script="Geor" typeface="Sylfaen"/>
+      </a:minorFont>
+    </a:fontScheme>
+    <a:fmtScheme name="Office">
+      <a:fillStyleLst>
+        <a:solidFill>
+          <a:schemeClr val="phClr"/>
+        </a:solidFill>
+        <a:gradFill rotWithShape="1">
+          <a:gsLst>
+            <a:gs pos="0">
+              <a:schemeClr val="phClr">
+                <a:lumMod val="110000"/>
+                <a:satMod val="105000"/>
+                <a:tint val="67000"/>
+              </a:schemeClr>
+            </a:gs>
+            <a:gs pos="50000">
+              <a:schemeClr val="phClr">
+                <a:lumMod val="105000"/>
+                <a:satMod val="103000"/>
+                <a:tint val="73000"/>
+              </a:schemeClr>
+            </a:gs>
+            <a:gs pos="100000">
+              <a:schemeClr val="phClr">
+                <a:lumMod val="105000"/>
+                <a:satMod val="109000"/>
+                <a:tint val="81000"/>
+              </a:schemeClr>
+            </a:gs>
+          </a:gsLst>
+          <a:lin ang="5400000" scaled="0"/>
+        </a:gradFill>
+        <a:gradFill rotWithShape="1">
+          <a:gsLst>
+            <a:gs pos="0">
+              <a:schemeClr val="phClr">
+                <a:satMod val="103000"/>
+                <a:lumMod val="102000"/>
+                <a:tint val="94000"/>
+              </a:schemeClr>
+            </a:gs>
+            <a:gs pos="50000">
+              <a:schemeClr val="phClr">
+                <a:satMod val="110000"/>
+                <a:lumMod val="100000"/>
+                <a:shade val="100000"/>
+              </a:schemeClr>
+            </a:gs>
+            <a:gs pos="100000">
+              <a:schemeClr val="phClr">
+                <a:lumMod val="99000"/>
+                <a:satMod val="120000"/>
+                <a:shade val="78000"/>
+              </a:schemeClr>
+            </a:gs>
+          </a:gsLst>
+          <a:lin ang="5400000" scaled="0"/>
+        </a:gradFill>
+      </a:fillStyleLst>
+      <a:lnStyleLst>
+        <a:ln w="6350" cap="flat" cmpd="sng" algn="ctr">
+          <a:solidFill>
+            <a:schemeClr val="phClr"/>
+          </a:solidFill>
+          <a:prstDash val="solid"/>
+          <a:miter lim="800000"/>
+        </a:ln>
+        <a:ln w="12700" cap="flat" cmpd="sng" algn="ctr">
+          <a:solidFill>
+            <a:schemeClr val="phClr"/>
+          </a:solidFill>
+          <a:prstDash val="solid"/>
+          <a:miter lim="800000"/>
+        </a:ln>
+        <a:ln w="19050" cap="flat" cmpd="sng" algn="ctr">
+          <a:solidFill>
+            <a:schemeClr val="phClr"/>
+          </a:solidFill>
+          <a:prstDash val="solid"/>
+          <a:miter lim="800000"/>
+        </a:ln>
+      </a:lnStyleLst>
+      <a:effectStyleLst>
+        <a:effectStyle>
+          <a:effectLst/>
+        </a:effectStyle>
+        <a:effectStyle>
+          <a:effectLst/>
+        </a:effectStyle>
+        <a:effectStyle>
+          <a:effectLst>
+            <a:outerShdw blurRad="57150" dist="19050" dir="5400000" algn="ctr" rotWithShape="0">
+              <a:srgbClr val="000000">
+                <a:alpha val="63000"/>
+              </a:srgbClr>
+            </a:outerShdw>
+          </a:effectLst>
+        </a:effectStyle>
+      </a:effectStyleLst>
+      <a:bgFillStyleLst>
+        <a:solidFill>
+          <a:schemeClr val="phClr"/>
+        </a:solidFill>
+        <a:solidFill>
+          <a:schemeClr val="phClr">
+            <a:tint val="95000"/>
+            <a:satMod val="170000"/>
+          </a:schemeClr>
+        </a:solidFill>
+        <a:gradFill rotWithShape="1">
+          <a:gsLst>
+            <a:gs pos="0">
+              <a:schemeClr val="phClr">
+                <a:tint val="93000"/>
+                <a:satMod val="150000"/>
+                <a:shade val="98000"/>
+                <a:lumMod val="102000"/>
+              </a:schemeClr>
+            </a:gs>
+            <a:gs pos="50000">
+              <a:schemeClr val="phClr">
+                <a:tint val="98000"/>
+                <a:satMod val="130000"/>
+                <a:shade val="90000"/>
+                <a:lumMod val="103000"/>
+              </a:schemeClr>
+            </a:gs>
+            <a:gs pos="100000">
+              <a:schemeClr val="phClr">
+                <a:shade val="63000"/>
+                <a:satMod val="120000"/>
+              </a:schemeClr>
+            </a:gs>
+          </a:gsLst>
+          <a:lin ang="5400000" scaled="0"/>
+        </a:gradFill>
+      </a:bgFillStyleLst>
+    </a:fmtScheme>
+  </a:themeElements>
+  <a:objectDefaults/>
+  <a:extraClrSchemeLst/>
+  <a:extLst>
+    <a:ext uri="{05A4C25C-085E-4340-85A3-A5531E510DB2}">
+      <thm15:themeFamily xmlns:thm15="http://schemas.microsoft.com/office/thememl/2012/main" name="Office Theme" id="{62F939B6-93AF-4DB8-9C6B-D6C7DFDC589F}" vid="{4A3C46E8-61CC-4603-A589-7422A47A8E4A}"/>
+    </a:ext>
+  </a:extLst>
+</a:theme>
 </file>